--- a/Brief_Walkthrough.pptx
+++ b/Brief_Walkthrough.pptx
@@ -2,7 +2,7 @@
 <file path=ppt/presentation.xml><?xml version="1.0" encoding="utf-8"?>
 <p:presentation xmlns:a="http://schemas.openxmlformats.org/drawingml/2006/main" xmlns:r="http://schemas.openxmlformats.org/officeDocument/2006/relationships" xmlns:p="http://schemas.openxmlformats.org/presentationml/2006/main" saveSubsetFonts="1" autoCompressPictures="0">
   <p:sldMasterIdLst>
-    <p:sldMasterId id="2147483648" r:id="rId1"/>
+    <p:sldMasterId id="2147483696" r:id="rId1"/>
   </p:sldMasterIdLst>
   <p:notesMasterIdLst>
     <p:notesMasterId r:id="rId18"/>
@@ -16,11 +16,11 @@
     <p:sldId id="259" r:id="rId7"/>
     <p:sldId id="260" r:id="rId8"/>
     <p:sldId id="263" r:id="rId9"/>
-    <p:sldId id="262" r:id="rId10"/>
-    <p:sldId id="264" r:id="rId11"/>
-    <p:sldId id="265" r:id="rId12"/>
-    <p:sldId id="269" r:id="rId13"/>
-    <p:sldId id="270" r:id="rId14"/>
+    <p:sldId id="265" r:id="rId10"/>
+    <p:sldId id="269" r:id="rId11"/>
+    <p:sldId id="270" r:id="rId12"/>
+    <p:sldId id="262" r:id="rId13"/>
+    <p:sldId id="264" r:id="rId14"/>
     <p:sldId id="268" r:id="rId15"/>
     <p:sldId id="267" r:id="rId16"/>
     <p:sldId id="266" r:id="rId17"/>
@@ -31,7 +31,7 @@
     <a:defPPr>
       <a:defRPr lang="en-US"/>
     </a:defPPr>
-    <a:lvl1pPr marL="0" algn="l" defTabSz="914400" rtl="0" eaLnBrk="1" latinLnBrk="0" hangingPunct="1">
+    <a:lvl1pPr marL="0" algn="l" defTabSz="457200" rtl="0" eaLnBrk="1" latinLnBrk="0" hangingPunct="1">
       <a:defRPr sz="1800" kern="1200">
         <a:solidFill>
           <a:schemeClr val="tx1"/>
@@ -41,7 +41,7 @@
         <a:cs typeface="+mn-cs"/>
       </a:defRPr>
     </a:lvl1pPr>
-    <a:lvl2pPr marL="457200" algn="l" defTabSz="914400" rtl="0" eaLnBrk="1" latinLnBrk="0" hangingPunct="1">
+    <a:lvl2pPr marL="457200" algn="l" defTabSz="457200" rtl="0" eaLnBrk="1" latinLnBrk="0" hangingPunct="1">
       <a:defRPr sz="1800" kern="1200">
         <a:solidFill>
           <a:schemeClr val="tx1"/>
@@ -51,7 +51,7 @@
         <a:cs typeface="+mn-cs"/>
       </a:defRPr>
     </a:lvl2pPr>
-    <a:lvl3pPr marL="914400" algn="l" defTabSz="914400" rtl="0" eaLnBrk="1" latinLnBrk="0" hangingPunct="1">
+    <a:lvl3pPr marL="914400" algn="l" defTabSz="457200" rtl="0" eaLnBrk="1" latinLnBrk="0" hangingPunct="1">
       <a:defRPr sz="1800" kern="1200">
         <a:solidFill>
           <a:schemeClr val="tx1"/>
@@ -61,7 +61,7 @@
         <a:cs typeface="+mn-cs"/>
       </a:defRPr>
     </a:lvl3pPr>
-    <a:lvl4pPr marL="1371600" algn="l" defTabSz="914400" rtl="0" eaLnBrk="1" latinLnBrk="0" hangingPunct="1">
+    <a:lvl4pPr marL="1371600" algn="l" defTabSz="457200" rtl="0" eaLnBrk="1" latinLnBrk="0" hangingPunct="1">
       <a:defRPr sz="1800" kern="1200">
         <a:solidFill>
           <a:schemeClr val="tx1"/>
@@ -71,7 +71,7 @@
         <a:cs typeface="+mn-cs"/>
       </a:defRPr>
     </a:lvl4pPr>
-    <a:lvl5pPr marL="1828800" algn="l" defTabSz="914400" rtl="0" eaLnBrk="1" latinLnBrk="0" hangingPunct="1">
+    <a:lvl5pPr marL="1828800" algn="l" defTabSz="457200" rtl="0" eaLnBrk="1" latinLnBrk="0" hangingPunct="1">
       <a:defRPr sz="1800" kern="1200">
         <a:solidFill>
           <a:schemeClr val="tx1"/>
@@ -81,7 +81,7 @@
         <a:cs typeface="+mn-cs"/>
       </a:defRPr>
     </a:lvl5pPr>
-    <a:lvl6pPr marL="2286000" algn="l" defTabSz="914400" rtl="0" eaLnBrk="1" latinLnBrk="0" hangingPunct="1">
+    <a:lvl6pPr marL="2286000" algn="l" defTabSz="457200" rtl="0" eaLnBrk="1" latinLnBrk="0" hangingPunct="1">
       <a:defRPr sz="1800" kern="1200">
         <a:solidFill>
           <a:schemeClr val="tx1"/>
@@ -91,7 +91,7 @@
         <a:cs typeface="+mn-cs"/>
       </a:defRPr>
     </a:lvl6pPr>
-    <a:lvl7pPr marL="2743200" algn="l" defTabSz="914400" rtl="0" eaLnBrk="1" latinLnBrk="0" hangingPunct="1">
+    <a:lvl7pPr marL="2743200" algn="l" defTabSz="457200" rtl="0" eaLnBrk="1" latinLnBrk="0" hangingPunct="1">
       <a:defRPr sz="1800" kern="1200">
         <a:solidFill>
           <a:schemeClr val="tx1"/>
@@ -101,7 +101,7 @@
         <a:cs typeface="+mn-cs"/>
       </a:defRPr>
     </a:lvl7pPr>
-    <a:lvl8pPr marL="3200400" algn="l" defTabSz="914400" rtl="0" eaLnBrk="1" latinLnBrk="0" hangingPunct="1">
+    <a:lvl8pPr marL="3200400" algn="l" defTabSz="457200" rtl="0" eaLnBrk="1" latinLnBrk="0" hangingPunct="1">
       <a:defRPr sz="1800" kern="1200">
         <a:solidFill>
           <a:schemeClr val="tx1"/>
@@ -111,7 +111,7 @@
         <a:cs typeface="+mn-cs"/>
       </a:defRPr>
     </a:lvl8pPr>
-    <a:lvl9pPr marL="3657600" algn="l" defTabSz="914400" rtl="0" eaLnBrk="1" latinLnBrk="0" hangingPunct="1">
+    <a:lvl9pPr marL="3657600" algn="l" defTabSz="457200" rtl="0" eaLnBrk="1" latinLnBrk="0" hangingPunct="1">
       <a:defRPr sz="1800" kern="1200">
         <a:solidFill>
           <a:schemeClr val="tx1"/>
@@ -580,15 +580,39 @@
           <a:chExt cx="0" cy="0"/>
         </a:xfrm>
       </p:grpSpPr>
-      <p:sp>
-        <p:nvSpPr>
-          <p:cNvPr id="2" name="Title 1">
+      <p:pic>
+        <p:nvPicPr>
+          <p:cNvPr id="7" name="Picture 6" descr="Droplets-HD-Title-R1d.png"/>
+          <p:cNvPicPr>
+            <a:picLocks noChangeAspect="1"/>
+          </p:cNvPicPr>
+          <p:nvPr/>
+        </p:nvPicPr>
+        <p:blipFill>
+          <a:blip r:embed="rId2">
             <a:extLst>
-              <a:ext uri="{FF2B5EF4-FFF2-40B4-BE49-F238E27FC236}">
-                <a16:creationId xmlns:a16="http://schemas.microsoft.com/office/drawing/2014/main" id="{084BEAF7-D42E-0E51-E7AC-2E5E1C26890F}"/>
+              <a:ext uri="{28A0092B-C50C-407E-A947-70E740481C1C}">
+                <a14:useLocalDpi xmlns:a14="http://schemas.microsoft.com/office/drawing/2010/main" val="0"/>
               </a:ext>
             </a:extLst>
-          </p:cNvPr>
+          </a:blip>
+          <a:stretch>
+            <a:fillRect/>
+          </a:stretch>
+        </p:blipFill>
+        <p:spPr>
+          <a:xfrm>
+            <a:off x="0" y="0"/>
+            <a:ext cx="12192000" cy="6858000"/>
+          </a:xfrm>
+          <a:prstGeom prst="rect">
+            <a:avLst/>
+          </a:prstGeom>
+        </p:spPr>
+      </p:pic>
+      <p:sp>
+        <p:nvSpPr>
+          <p:cNvPr id="2" name="Title 1"/>
           <p:cNvSpPr>
             <a:spLocks noGrp="1"/>
           </p:cNvSpPr>
@@ -598,15 +622,17 @@
         </p:nvSpPr>
         <p:spPr>
           <a:xfrm>
-            <a:off x="1524000" y="1122363"/>
-            <a:ext cx="9144000" cy="2387600"/>
-          </a:xfrm>
-        </p:spPr>
-        <p:txBody>
-          <a:bodyPr anchor="b"/>
+            <a:off x="1751012" y="1300785"/>
+            <a:ext cx="8689976" cy="2509213"/>
+          </a:xfrm>
+        </p:spPr>
+        <p:txBody>
+          <a:bodyPr anchor="b">
+            <a:normAutofit/>
+          </a:bodyPr>
           <a:lstStyle>
             <a:lvl1pPr algn="ctr">
-              <a:defRPr sz="6000"/>
+              <a:defRPr sz="4800"/>
             </a:lvl1pPr>
           </a:lstStyle>
           <a:p>
@@ -614,18 +640,13 @@
               <a:rPr lang="en-US"/>
               <a:t>Click to edit Master title style</a:t>
             </a:r>
-          </a:p>
-        </p:txBody>
-      </p:sp>
-      <p:sp>
-        <p:nvSpPr>
-          <p:cNvPr id="3" name="Subtitle 2">
-            <a:extLst>
-              <a:ext uri="{FF2B5EF4-FFF2-40B4-BE49-F238E27FC236}">
-                <a16:creationId xmlns:a16="http://schemas.microsoft.com/office/drawing/2014/main" id="{58234E6F-AFF4-2EF5-4107-D13BA727DD2F}"/>
-              </a:ext>
-            </a:extLst>
-          </p:cNvPr>
+            <a:endParaRPr lang="en-US" dirty="0"/>
+          </a:p>
+        </p:txBody>
+      </p:sp>
+      <p:sp>
+        <p:nvSpPr>
+          <p:cNvPr id="3" name="Subtitle 2"/>
           <p:cNvSpPr>
             <a:spLocks noGrp="1"/>
           </p:cNvSpPr>
@@ -635,16 +656,24 @@
         </p:nvSpPr>
         <p:spPr>
           <a:xfrm>
-            <a:off x="1524000" y="3602038"/>
-            <a:ext cx="9144000" cy="1655762"/>
-          </a:xfrm>
-        </p:spPr>
-        <p:txBody>
-          <a:bodyPr/>
+            <a:off x="1751012" y="3886200"/>
+            <a:ext cx="8689976" cy="1371599"/>
+          </a:xfrm>
+        </p:spPr>
+        <p:txBody>
+          <a:bodyPr>
+            <a:normAutofit/>
+          </a:bodyPr>
           <a:lstStyle>
             <a:lvl1pPr marL="0" indent="0" algn="ctr">
               <a:buNone/>
-              <a:defRPr sz="2400"/>
+              <a:defRPr sz="2200">
+                <a:solidFill>
+                  <a:schemeClr val="bg1">
+                    <a:lumMod val="50000"/>
+                  </a:schemeClr>
+                </a:solidFill>
+              </a:defRPr>
             </a:lvl1pPr>
             <a:lvl2pPr marL="457200" indent="0" algn="ctr">
               <a:buNone/>
@@ -684,18 +713,13 @@
               <a:rPr lang="en-US"/>
               <a:t>Click to edit Master subtitle style</a:t>
             </a:r>
-          </a:p>
-        </p:txBody>
-      </p:sp>
-      <p:sp>
-        <p:nvSpPr>
-          <p:cNvPr id="4" name="Date Placeholder 3">
-            <a:extLst>
-              <a:ext uri="{FF2B5EF4-FFF2-40B4-BE49-F238E27FC236}">
-                <a16:creationId xmlns:a16="http://schemas.microsoft.com/office/drawing/2014/main" id="{4C076E0B-4073-43A3-F662-DECE0540094F}"/>
-              </a:ext>
-            </a:extLst>
-          </p:cNvPr>
+            <a:endParaRPr lang="en-US" dirty="0"/>
+          </a:p>
+        </p:txBody>
+      </p:sp>
+      <p:sp>
+        <p:nvSpPr>
+          <p:cNvPr id="4" name="Date Placeholder 3"/>
           <p:cNvSpPr>
             <a:spLocks noGrp="1"/>
           </p:cNvSpPr>
@@ -718,13 +742,7 @@
       </p:sp>
       <p:sp>
         <p:nvSpPr>
-          <p:cNvPr id="5" name="Footer Placeholder 4">
-            <a:extLst>
-              <a:ext uri="{FF2B5EF4-FFF2-40B4-BE49-F238E27FC236}">
-                <a16:creationId xmlns:a16="http://schemas.microsoft.com/office/drawing/2014/main" id="{AA3D405A-414E-535A-C57B-50C3077E9D8E}"/>
-              </a:ext>
-            </a:extLst>
-          </p:cNvPr>
+          <p:cNvPr id="5" name="Footer Placeholder 4"/>
           <p:cNvSpPr>
             <a:spLocks noGrp="1"/>
           </p:cNvSpPr>
@@ -743,13 +761,7 @@
       </p:sp>
       <p:sp>
         <p:nvSpPr>
-          <p:cNvPr id="6" name="Slide Number Placeholder 5">
-            <a:extLst>
-              <a:ext uri="{FF2B5EF4-FFF2-40B4-BE49-F238E27FC236}">
-                <a16:creationId xmlns:a16="http://schemas.microsoft.com/office/drawing/2014/main" id="{71A1673B-C81B-95A3-5F04-41F79E323FFA}"/>
-              </a:ext>
-            </a:extLst>
-          </p:cNvPr>
+          <p:cNvPr id="6" name="Slide Number Placeholder 5"/>
           <p:cNvSpPr>
             <a:spLocks noGrp="1"/>
           </p:cNvSpPr>
@@ -773,7 +785,7 @@
     </p:spTree>
     <p:extLst>
       <p:ext uri="{BB962C8B-B14F-4D97-AF65-F5344CB8AC3E}">
-        <p14:creationId xmlns:p14="http://schemas.microsoft.com/office/powerpoint/2010/main" val="506674531"/>
+        <p14:creationId xmlns:p14="http://schemas.microsoft.com/office/powerpoint/2010/main" val="277790471"/>
       </p:ext>
     </p:extLst>
   </p:cSld>
@@ -784,6 +796,2713 @@
 </file>
 
 <file path=ppt/slideLayouts/slideLayout10.xml><?xml version="1.0" encoding="utf-8"?>
+<p:sldLayout xmlns:a="http://schemas.openxmlformats.org/drawingml/2006/main" xmlns:r="http://schemas.openxmlformats.org/officeDocument/2006/relationships" xmlns:p="http://schemas.openxmlformats.org/presentationml/2006/main" preserve="1">
+  <p:cSld name="Panoramic Picture with Caption">
+    <p:spTree>
+      <p:nvGrpSpPr>
+        <p:cNvPr id="1" name=""/>
+        <p:cNvGrpSpPr/>
+        <p:nvPr/>
+      </p:nvGrpSpPr>
+      <p:grpSpPr>
+        <a:xfrm>
+          <a:off x="0" y="0"/>
+          <a:ext cx="0" cy="0"/>
+          <a:chOff x="0" y="0"/>
+          <a:chExt cx="0" cy="0"/>
+        </a:xfrm>
+      </p:grpSpPr>
+      <p:pic>
+        <p:nvPicPr>
+          <p:cNvPr id="10" name="Picture 9" descr="Droplets-HD-Content-R1d.png"/>
+          <p:cNvPicPr>
+            <a:picLocks noChangeAspect="1"/>
+          </p:cNvPicPr>
+          <p:nvPr/>
+        </p:nvPicPr>
+        <p:blipFill>
+          <a:blip r:embed="rId2">
+            <a:extLst>
+              <a:ext uri="{28A0092B-C50C-407E-A947-70E740481C1C}">
+                <a14:useLocalDpi xmlns:a14="http://schemas.microsoft.com/office/drawing/2010/main" val="0"/>
+              </a:ext>
+            </a:extLst>
+          </a:blip>
+          <a:stretch>
+            <a:fillRect/>
+          </a:stretch>
+        </p:blipFill>
+        <p:spPr>
+          <a:xfrm>
+            <a:off x="0" y="0"/>
+            <a:ext cx="12192000" cy="6858000"/>
+          </a:xfrm>
+          <a:prstGeom prst="rect">
+            <a:avLst/>
+          </a:prstGeom>
+        </p:spPr>
+      </p:pic>
+      <p:sp>
+        <p:nvSpPr>
+          <p:cNvPr id="2" name="Title 1"/>
+          <p:cNvSpPr>
+            <a:spLocks noGrp="1"/>
+          </p:cNvSpPr>
+          <p:nvPr>
+            <p:ph type="title"/>
+          </p:nvPr>
+        </p:nvSpPr>
+        <p:spPr>
+          <a:xfrm>
+            <a:off x="913794" y="4289374"/>
+            <a:ext cx="10364432" cy="811610"/>
+          </a:xfrm>
+        </p:spPr>
+        <p:txBody>
+          <a:bodyPr anchor="b"/>
+          <a:lstStyle>
+            <a:lvl1pPr>
+              <a:defRPr sz="3200"/>
+            </a:lvl1pPr>
+          </a:lstStyle>
+          <a:p>
+            <a:r>
+              <a:rPr lang="en-US"/>
+              <a:t>Click to edit Master title style</a:t>
+            </a:r>
+            <a:endParaRPr lang="en-US" dirty="0"/>
+          </a:p>
+        </p:txBody>
+      </p:sp>
+      <p:sp>
+        <p:nvSpPr>
+          <p:cNvPr id="3" name="Picture Placeholder 2"/>
+          <p:cNvSpPr>
+            <a:spLocks noGrp="1" noChangeAspect="1"/>
+          </p:cNvSpPr>
+          <p:nvPr>
+            <p:ph type="pic" idx="1"/>
+          </p:nvPr>
+        </p:nvSpPr>
+        <p:spPr>
+          <a:xfrm>
+            <a:off x="1184744" y="698261"/>
+            <a:ext cx="9822532" cy="3214136"/>
+          </a:xfrm>
+          <a:prstGeom prst="roundRect">
+            <a:avLst>
+              <a:gd name="adj" fmla="val 4944"/>
+            </a:avLst>
+          </a:prstGeom>
+          <a:noFill/>
+          <a:ln w="82550" cap="sq">
+            <a:solidFill>
+              <a:srgbClr val="EAEAEA"/>
+            </a:solidFill>
+            <a:miter lim="800000"/>
+          </a:ln>
+          <a:effectLst/>
+          <a:scene3d>
+            <a:camera prst="orthographicFront"/>
+            <a:lightRig rig="threePt" dir="t">
+              <a:rot lat="0" lon="0" rev="2700000"/>
+            </a:lightRig>
+          </a:scene3d>
+          <a:sp3d contourW="6350">
+            <a:bevelT h="38100"/>
+            <a:contourClr>
+              <a:srgbClr val="C0C0C0"/>
+            </a:contourClr>
+          </a:sp3d>
+        </p:spPr>
+        <p:txBody>
+          <a:bodyPr anchor="t"/>
+          <a:lstStyle>
+            <a:lvl1pPr marL="0" indent="0" algn="ctr">
+              <a:buNone/>
+              <a:defRPr sz="3200"/>
+            </a:lvl1pPr>
+            <a:lvl2pPr marL="457200" indent="0">
+              <a:buNone/>
+              <a:defRPr sz="2800"/>
+            </a:lvl2pPr>
+            <a:lvl3pPr marL="914400" indent="0">
+              <a:buNone/>
+              <a:defRPr sz="2400"/>
+            </a:lvl3pPr>
+            <a:lvl4pPr marL="1371600" indent="0">
+              <a:buNone/>
+              <a:defRPr sz="2000"/>
+            </a:lvl4pPr>
+            <a:lvl5pPr marL="1828800" indent="0">
+              <a:buNone/>
+              <a:defRPr sz="2000"/>
+            </a:lvl5pPr>
+            <a:lvl6pPr marL="2286000" indent="0">
+              <a:buNone/>
+              <a:defRPr sz="2000"/>
+            </a:lvl6pPr>
+            <a:lvl7pPr marL="2743200" indent="0">
+              <a:buNone/>
+              <a:defRPr sz="2000"/>
+            </a:lvl7pPr>
+            <a:lvl8pPr marL="3200400" indent="0">
+              <a:buNone/>
+              <a:defRPr sz="2000"/>
+            </a:lvl8pPr>
+            <a:lvl9pPr marL="3657600" indent="0">
+              <a:buNone/>
+              <a:defRPr sz="2000"/>
+            </a:lvl9pPr>
+          </a:lstStyle>
+          <a:p>
+            <a:r>
+              <a:rPr lang="en-US"/>
+              <a:t>Click icon to add picture</a:t>
+            </a:r>
+            <a:endParaRPr lang="en-US" dirty="0"/>
+          </a:p>
+        </p:txBody>
+      </p:sp>
+      <p:sp>
+        <p:nvSpPr>
+          <p:cNvPr id="4" name="Text Placeholder 3"/>
+          <p:cNvSpPr>
+            <a:spLocks noGrp="1"/>
+          </p:cNvSpPr>
+          <p:nvPr>
+            <p:ph type="body" sz="half" idx="2"/>
+          </p:nvPr>
+        </p:nvSpPr>
+        <p:spPr>
+          <a:xfrm>
+            <a:off x="913774" y="5108728"/>
+            <a:ext cx="10364452" cy="682472"/>
+          </a:xfrm>
+        </p:spPr>
+        <p:txBody>
+          <a:bodyPr/>
+          <a:lstStyle>
+            <a:lvl1pPr marL="0" indent="0" algn="ctr">
+              <a:buNone/>
+              <a:defRPr sz="1600"/>
+            </a:lvl1pPr>
+            <a:lvl2pPr marL="457200" indent="0">
+              <a:buNone/>
+              <a:defRPr sz="1400"/>
+            </a:lvl2pPr>
+            <a:lvl3pPr marL="914400" indent="0">
+              <a:buNone/>
+              <a:defRPr sz="1200"/>
+            </a:lvl3pPr>
+            <a:lvl4pPr marL="1371600" indent="0">
+              <a:buNone/>
+              <a:defRPr sz="1000"/>
+            </a:lvl4pPr>
+            <a:lvl5pPr marL="1828800" indent="0">
+              <a:buNone/>
+              <a:defRPr sz="1000"/>
+            </a:lvl5pPr>
+            <a:lvl6pPr marL="2286000" indent="0">
+              <a:buNone/>
+              <a:defRPr sz="1000"/>
+            </a:lvl6pPr>
+            <a:lvl7pPr marL="2743200" indent="0">
+              <a:buNone/>
+              <a:defRPr sz="1000"/>
+            </a:lvl7pPr>
+            <a:lvl8pPr marL="3200400" indent="0">
+              <a:buNone/>
+              <a:defRPr sz="1000"/>
+            </a:lvl8pPr>
+            <a:lvl9pPr marL="3657600" indent="0">
+              <a:buNone/>
+              <a:defRPr sz="1000"/>
+            </a:lvl9pPr>
+          </a:lstStyle>
+          <a:p>
+            <a:pPr lvl="0"/>
+            <a:r>
+              <a:rPr lang="en-US"/>
+              <a:t>Click to edit Master text styles</a:t>
+            </a:r>
+          </a:p>
+        </p:txBody>
+      </p:sp>
+      <p:sp>
+        <p:nvSpPr>
+          <p:cNvPr id="5" name="Date Placeholder 4"/>
+          <p:cNvSpPr>
+            <a:spLocks noGrp="1"/>
+          </p:cNvSpPr>
+          <p:nvPr>
+            <p:ph type="dt" sz="half" idx="10"/>
+          </p:nvPr>
+        </p:nvSpPr>
+        <p:spPr/>
+        <p:txBody>
+          <a:bodyPr/>
+          <a:lstStyle/>
+          <a:p>
+            <a:fld id="{28F30ACE-146A-304E-8379-9558FDFEB018}" type="datetimeFigureOut">
+              <a:rPr lang="en-US" smtClean="0"/>
+              <a:t>12/7/23</a:t>
+            </a:fld>
+            <a:endParaRPr lang="en-US"/>
+          </a:p>
+        </p:txBody>
+      </p:sp>
+      <p:sp>
+        <p:nvSpPr>
+          <p:cNvPr id="6" name="Footer Placeholder 5"/>
+          <p:cNvSpPr>
+            <a:spLocks noGrp="1"/>
+          </p:cNvSpPr>
+          <p:nvPr>
+            <p:ph type="ftr" sz="quarter" idx="11"/>
+          </p:nvPr>
+        </p:nvSpPr>
+        <p:spPr/>
+        <p:txBody>
+          <a:bodyPr/>
+          <a:lstStyle/>
+          <a:p>
+            <a:endParaRPr lang="en-US"/>
+          </a:p>
+        </p:txBody>
+      </p:sp>
+      <p:sp>
+        <p:nvSpPr>
+          <p:cNvPr id="7" name="Slide Number Placeholder 6"/>
+          <p:cNvSpPr>
+            <a:spLocks noGrp="1"/>
+          </p:cNvSpPr>
+          <p:nvPr>
+            <p:ph type="sldNum" sz="quarter" idx="12"/>
+          </p:nvPr>
+        </p:nvSpPr>
+        <p:spPr/>
+        <p:txBody>
+          <a:bodyPr/>
+          <a:lstStyle/>
+          <a:p>
+            <a:fld id="{161AC9B4-5690-BE40-B4DF-D90B957DFBF2}" type="slidenum">
+              <a:rPr lang="en-US" smtClean="0"/>
+              <a:t>‹#›</a:t>
+            </a:fld>
+            <a:endParaRPr lang="en-US"/>
+          </a:p>
+        </p:txBody>
+      </p:sp>
+    </p:spTree>
+    <p:extLst>
+      <p:ext uri="{BB962C8B-B14F-4D97-AF65-F5344CB8AC3E}">
+        <p14:creationId xmlns:p14="http://schemas.microsoft.com/office/powerpoint/2010/main" val="1764972815"/>
+      </p:ext>
+    </p:extLst>
+  </p:cSld>
+  <p:clrMapOvr>
+    <a:masterClrMapping/>
+  </p:clrMapOvr>
+</p:sldLayout>
+</file>
+
+<file path=ppt/slideLayouts/slideLayout11.xml><?xml version="1.0" encoding="utf-8"?>
+<p:sldLayout xmlns:a="http://schemas.openxmlformats.org/drawingml/2006/main" xmlns:r="http://schemas.openxmlformats.org/officeDocument/2006/relationships" xmlns:p="http://schemas.openxmlformats.org/presentationml/2006/main" preserve="1">
+  <p:cSld name="Title and Caption">
+    <p:spTree>
+      <p:nvGrpSpPr>
+        <p:cNvPr id="1" name=""/>
+        <p:cNvGrpSpPr/>
+        <p:nvPr/>
+      </p:nvGrpSpPr>
+      <p:grpSpPr>
+        <a:xfrm>
+          <a:off x="0" y="0"/>
+          <a:ext cx="0" cy="0"/>
+          <a:chOff x="0" y="0"/>
+          <a:chExt cx="0" cy="0"/>
+        </a:xfrm>
+      </p:grpSpPr>
+      <p:pic>
+        <p:nvPicPr>
+          <p:cNvPr id="8" name="Picture 7" descr="Droplets-HD-Content-R1d.png"/>
+          <p:cNvPicPr>
+            <a:picLocks noChangeAspect="1"/>
+          </p:cNvPicPr>
+          <p:nvPr/>
+        </p:nvPicPr>
+        <p:blipFill>
+          <a:blip r:embed="rId2">
+            <a:extLst>
+              <a:ext uri="{28A0092B-C50C-407E-A947-70E740481C1C}">
+                <a14:useLocalDpi xmlns:a14="http://schemas.microsoft.com/office/drawing/2010/main" val="0"/>
+              </a:ext>
+            </a:extLst>
+          </a:blip>
+          <a:stretch>
+            <a:fillRect/>
+          </a:stretch>
+        </p:blipFill>
+        <p:spPr>
+          <a:xfrm>
+            <a:off x="0" y="0"/>
+            <a:ext cx="12192000" cy="6858000"/>
+          </a:xfrm>
+          <a:prstGeom prst="rect">
+            <a:avLst/>
+          </a:prstGeom>
+        </p:spPr>
+      </p:pic>
+      <p:sp>
+        <p:nvSpPr>
+          <p:cNvPr id="2" name="Title 1"/>
+          <p:cNvSpPr>
+            <a:spLocks noGrp="1"/>
+          </p:cNvSpPr>
+          <p:nvPr>
+            <p:ph type="title"/>
+          </p:nvPr>
+        </p:nvSpPr>
+        <p:spPr>
+          <a:xfrm>
+            <a:off x="913774" y="609599"/>
+            <a:ext cx="10364452" cy="3427245"/>
+          </a:xfrm>
+        </p:spPr>
+        <p:txBody>
+          <a:bodyPr anchor="ctr"/>
+          <a:lstStyle>
+            <a:lvl1pPr algn="ctr">
+              <a:defRPr sz="3200"/>
+            </a:lvl1pPr>
+          </a:lstStyle>
+          <a:p>
+            <a:r>
+              <a:rPr lang="en-US"/>
+              <a:t>Click to edit Master title style</a:t>
+            </a:r>
+            <a:endParaRPr lang="en-US" dirty="0"/>
+          </a:p>
+        </p:txBody>
+      </p:sp>
+      <p:sp>
+        <p:nvSpPr>
+          <p:cNvPr id="4" name="Text Placeholder 3"/>
+          <p:cNvSpPr>
+            <a:spLocks noGrp="1"/>
+          </p:cNvSpPr>
+          <p:nvPr>
+            <p:ph type="body" sz="half" idx="2"/>
+          </p:nvPr>
+        </p:nvSpPr>
+        <p:spPr>
+          <a:xfrm>
+            <a:off x="913775" y="4204821"/>
+            <a:ext cx="10364452" cy="1586380"/>
+          </a:xfrm>
+        </p:spPr>
+        <p:txBody>
+          <a:bodyPr anchor="ctr"/>
+          <a:lstStyle>
+            <a:lvl1pPr marL="0" indent="0" algn="ctr">
+              <a:buNone/>
+              <a:defRPr sz="1600"/>
+            </a:lvl1pPr>
+            <a:lvl2pPr marL="457200" indent="0">
+              <a:buNone/>
+              <a:defRPr sz="1400"/>
+            </a:lvl2pPr>
+            <a:lvl3pPr marL="914400" indent="0">
+              <a:buNone/>
+              <a:defRPr sz="1200"/>
+            </a:lvl3pPr>
+            <a:lvl4pPr marL="1371600" indent="0">
+              <a:buNone/>
+              <a:defRPr sz="1000"/>
+            </a:lvl4pPr>
+            <a:lvl5pPr marL="1828800" indent="0">
+              <a:buNone/>
+              <a:defRPr sz="1000"/>
+            </a:lvl5pPr>
+            <a:lvl6pPr marL="2286000" indent="0">
+              <a:buNone/>
+              <a:defRPr sz="1000"/>
+            </a:lvl6pPr>
+            <a:lvl7pPr marL="2743200" indent="0">
+              <a:buNone/>
+              <a:defRPr sz="1000"/>
+            </a:lvl7pPr>
+            <a:lvl8pPr marL="3200400" indent="0">
+              <a:buNone/>
+              <a:defRPr sz="1000"/>
+            </a:lvl8pPr>
+            <a:lvl9pPr marL="3657600" indent="0">
+              <a:buNone/>
+              <a:defRPr sz="1000"/>
+            </a:lvl9pPr>
+          </a:lstStyle>
+          <a:p>
+            <a:pPr lvl="0"/>
+            <a:r>
+              <a:rPr lang="en-US"/>
+              <a:t>Click to edit Master text styles</a:t>
+            </a:r>
+          </a:p>
+        </p:txBody>
+      </p:sp>
+      <p:sp>
+        <p:nvSpPr>
+          <p:cNvPr id="5" name="Date Placeholder 4"/>
+          <p:cNvSpPr>
+            <a:spLocks noGrp="1"/>
+          </p:cNvSpPr>
+          <p:nvPr>
+            <p:ph type="dt" sz="half" idx="10"/>
+          </p:nvPr>
+        </p:nvSpPr>
+        <p:spPr/>
+        <p:txBody>
+          <a:bodyPr/>
+          <a:lstStyle/>
+          <a:p>
+            <a:fld id="{28F30ACE-146A-304E-8379-9558FDFEB018}" type="datetimeFigureOut">
+              <a:rPr lang="en-US" smtClean="0"/>
+              <a:t>12/7/23</a:t>
+            </a:fld>
+            <a:endParaRPr lang="en-US"/>
+          </a:p>
+        </p:txBody>
+      </p:sp>
+      <p:sp>
+        <p:nvSpPr>
+          <p:cNvPr id="6" name="Footer Placeholder 5"/>
+          <p:cNvSpPr>
+            <a:spLocks noGrp="1"/>
+          </p:cNvSpPr>
+          <p:nvPr>
+            <p:ph type="ftr" sz="quarter" idx="11"/>
+          </p:nvPr>
+        </p:nvSpPr>
+        <p:spPr/>
+        <p:txBody>
+          <a:bodyPr/>
+          <a:lstStyle/>
+          <a:p>
+            <a:endParaRPr lang="en-US"/>
+          </a:p>
+        </p:txBody>
+      </p:sp>
+      <p:sp>
+        <p:nvSpPr>
+          <p:cNvPr id="7" name="Slide Number Placeholder 6"/>
+          <p:cNvSpPr>
+            <a:spLocks noGrp="1"/>
+          </p:cNvSpPr>
+          <p:nvPr>
+            <p:ph type="sldNum" sz="quarter" idx="12"/>
+          </p:nvPr>
+        </p:nvSpPr>
+        <p:spPr/>
+        <p:txBody>
+          <a:bodyPr/>
+          <a:lstStyle/>
+          <a:p>
+            <a:fld id="{161AC9B4-5690-BE40-B4DF-D90B957DFBF2}" type="slidenum">
+              <a:rPr lang="en-US" smtClean="0"/>
+              <a:t>‹#›</a:t>
+            </a:fld>
+            <a:endParaRPr lang="en-US"/>
+          </a:p>
+        </p:txBody>
+      </p:sp>
+    </p:spTree>
+    <p:extLst>
+      <p:ext uri="{BB962C8B-B14F-4D97-AF65-F5344CB8AC3E}">
+        <p14:creationId xmlns:p14="http://schemas.microsoft.com/office/powerpoint/2010/main" val="1169747789"/>
+      </p:ext>
+    </p:extLst>
+  </p:cSld>
+  <p:clrMapOvr>
+    <a:masterClrMapping/>
+  </p:clrMapOvr>
+</p:sldLayout>
+</file>
+
+<file path=ppt/slideLayouts/slideLayout12.xml><?xml version="1.0" encoding="utf-8"?>
+<p:sldLayout xmlns:a="http://schemas.openxmlformats.org/drawingml/2006/main" xmlns:r="http://schemas.openxmlformats.org/officeDocument/2006/relationships" xmlns:p="http://schemas.openxmlformats.org/presentationml/2006/main" preserve="1">
+  <p:cSld name="Quote with Caption">
+    <p:spTree>
+      <p:nvGrpSpPr>
+        <p:cNvPr id="1" name=""/>
+        <p:cNvGrpSpPr/>
+        <p:nvPr/>
+      </p:nvGrpSpPr>
+      <p:grpSpPr>
+        <a:xfrm>
+          <a:off x="0" y="0"/>
+          <a:ext cx="0" cy="0"/>
+          <a:chOff x="0" y="0"/>
+          <a:chExt cx="0" cy="0"/>
+        </a:xfrm>
+      </p:grpSpPr>
+      <p:pic>
+        <p:nvPicPr>
+          <p:cNvPr id="11" name="Picture 10" descr="Droplets-HD-Content-R1d.png"/>
+          <p:cNvPicPr>
+            <a:picLocks noChangeAspect="1"/>
+          </p:cNvPicPr>
+          <p:nvPr/>
+        </p:nvPicPr>
+        <p:blipFill>
+          <a:blip r:embed="rId2">
+            <a:extLst>
+              <a:ext uri="{28A0092B-C50C-407E-A947-70E740481C1C}">
+                <a14:useLocalDpi xmlns:a14="http://schemas.microsoft.com/office/drawing/2010/main" val="0"/>
+              </a:ext>
+            </a:extLst>
+          </a:blip>
+          <a:stretch>
+            <a:fillRect/>
+          </a:stretch>
+        </p:blipFill>
+        <p:spPr>
+          <a:xfrm>
+            <a:off x="0" y="0"/>
+            <a:ext cx="12192000" cy="6858000"/>
+          </a:xfrm>
+          <a:prstGeom prst="rect">
+            <a:avLst/>
+          </a:prstGeom>
+        </p:spPr>
+      </p:pic>
+      <p:sp>
+        <p:nvSpPr>
+          <p:cNvPr id="2" name="Title 1"/>
+          <p:cNvSpPr>
+            <a:spLocks noGrp="1"/>
+          </p:cNvSpPr>
+          <p:nvPr>
+            <p:ph type="title"/>
+          </p:nvPr>
+        </p:nvSpPr>
+        <p:spPr>
+          <a:xfrm>
+            <a:off x="1446212" y="609600"/>
+            <a:ext cx="9302752" cy="2992904"/>
+          </a:xfrm>
+        </p:spPr>
+        <p:txBody>
+          <a:bodyPr anchor="ctr"/>
+          <a:lstStyle>
+            <a:lvl1pPr>
+              <a:defRPr sz="3200"/>
+            </a:lvl1pPr>
+          </a:lstStyle>
+          <a:p>
+            <a:r>
+              <a:rPr lang="en-US"/>
+              <a:t>Click to edit Master title style</a:t>
+            </a:r>
+            <a:endParaRPr lang="en-US" dirty="0"/>
+          </a:p>
+        </p:txBody>
+      </p:sp>
+      <p:sp>
+        <p:nvSpPr>
+          <p:cNvPr id="12" name="Text Placeholder 3"/>
+          <p:cNvSpPr>
+            <a:spLocks noGrp="1"/>
+          </p:cNvSpPr>
+          <p:nvPr>
+            <p:ph type="body" sz="half" idx="13"/>
+          </p:nvPr>
+        </p:nvSpPr>
+        <p:spPr>
+          <a:xfrm>
+            <a:off x="1720644" y="3610032"/>
+            <a:ext cx="8752299" cy="594788"/>
+          </a:xfrm>
+        </p:spPr>
+        <p:txBody>
+          <a:bodyPr anchor="t">
+            <a:normAutofit/>
+          </a:bodyPr>
+          <a:lstStyle>
+            <a:lvl1pPr marL="0" indent="0">
+              <a:buNone/>
+              <a:defRPr sz="1400"/>
+            </a:lvl1pPr>
+            <a:lvl2pPr marL="457200" indent="0">
+              <a:buNone/>
+              <a:defRPr sz="1400"/>
+            </a:lvl2pPr>
+            <a:lvl3pPr marL="914400" indent="0">
+              <a:buNone/>
+              <a:defRPr sz="1200"/>
+            </a:lvl3pPr>
+            <a:lvl4pPr marL="1371600" indent="0">
+              <a:buNone/>
+              <a:defRPr sz="1000"/>
+            </a:lvl4pPr>
+            <a:lvl5pPr marL="1828800" indent="0">
+              <a:buNone/>
+              <a:defRPr sz="1000"/>
+            </a:lvl5pPr>
+            <a:lvl6pPr marL="2286000" indent="0">
+              <a:buNone/>
+              <a:defRPr sz="1000"/>
+            </a:lvl6pPr>
+            <a:lvl7pPr marL="2743200" indent="0">
+              <a:buNone/>
+              <a:defRPr sz="1000"/>
+            </a:lvl7pPr>
+            <a:lvl8pPr marL="3200400" indent="0">
+              <a:buNone/>
+              <a:defRPr sz="1000"/>
+            </a:lvl8pPr>
+            <a:lvl9pPr marL="3657600" indent="0">
+              <a:buNone/>
+              <a:defRPr sz="1000"/>
+            </a:lvl9pPr>
+          </a:lstStyle>
+          <a:p>
+            <a:pPr lvl="0"/>
+            <a:r>
+              <a:rPr lang="en-US"/>
+              <a:t>Click to edit Master text styles</a:t>
+            </a:r>
+          </a:p>
+        </p:txBody>
+      </p:sp>
+      <p:sp>
+        <p:nvSpPr>
+          <p:cNvPr id="4" name="Text Placeholder 3"/>
+          <p:cNvSpPr>
+            <a:spLocks noGrp="1"/>
+          </p:cNvSpPr>
+          <p:nvPr>
+            <p:ph type="body" sz="half" idx="2"/>
+          </p:nvPr>
+        </p:nvSpPr>
+        <p:spPr>
+          <a:xfrm>
+            <a:off x="913774" y="4372796"/>
+            <a:ext cx="10364452" cy="1421053"/>
+          </a:xfrm>
+        </p:spPr>
+        <p:txBody>
+          <a:bodyPr anchor="ctr">
+            <a:normAutofit/>
+          </a:bodyPr>
+          <a:lstStyle>
+            <a:lvl1pPr marL="0" indent="0" algn="ctr">
+              <a:buNone/>
+              <a:defRPr sz="1600"/>
+            </a:lvl1pPr>
+            <a:lvl2pPr marL="457200" indent="0">
+              <a:buNone/>
+              <a:defRPr sz="1400"/>
+            </a:lvl2pPr>
+            <a:lvl3pPr marL="914400" indent="0">
+              <a:buNone/>
+              <a:defRPr sz="1200"/>
+            </a:lvl3pPr>
+            <a:lvl4pPr marL="1371600" indent="0">
+              <a:buNone/>
+              <a:defRPr sz="1000"/>
+            </a:lvl4pPr>
+            <a:lvl5pPr marL="1828800" indent="0">
+              <a:buNone/>
+              <a:defRPr sz="1000"/>
+            </a:lvl5pPr>
+            <a:lvl6pPr marL="2286000" indent="0">
+              <a:buNone/>
+              <a:defRPr sz="1000"/>
+            </a:lvl6pPr>
+            <a:lvl7pPr marL="2743200" indent="0">
+              <a:buNone/>
+              <a:defRPr sz="1000"/>
+            </a:lvl7pPr>
+            <a:lvl8pPr marL="3200400" indent="0">
+              <a:buNone/>
+              <a:defRPr sz="1000"/>
+            </a:lvl8pPr>
+            <a:lvl9pPr marL="3657600" indent="0">
+              <a:buNone/>
+              <a:defRPr sz="1000"/>
+            </a:lvl9pPr>
+          </a:lstStyle>
+          <a:p>
+            <a:pPr lvl="0"/>
+            <a:r>
+              <a:rPr lang="en-US"/>
+              <a:t>Click to edit Master text styles</a:t>
+            </a:r>
+          </a:p>
+        </p:txBody>
+      </p:sp>
+      <p:sp>
+        <p:nvSpPr>
+          <p:cNvPr id="5" name="Date Placeholder 4"/>
+          <p:cNvSpPr>
+            <a:spLocks noGrp="1"/>
+          </p:cNvSpPr>
+          <p:nvPr>
+            <p:ph type="dt" sz="half" idx="10"/>
+          </p:nvPr>
+        </p:nvSpPr>
+        <p:spPr/>
+        <p:txBody>
+          <a:bodyPr/>
+          <a:lstStyle/>
+          <a:p>
+            <a:fld id="{28F30ACE-146A-304E-8379-9558FDFEB018}" type="datetimeFigureOut">
+              <a:rPr lang="en-US" smtClean="0"/>
+              <a:t>12/7/23</a:t>
+            </a:fld>
+            <a:endParaRPr lang="en-US"/>
+          </a:p>
+        </p:txBody>
+      </p:sp>
+      <p:sp>
+        <p:nvSpPr>
+          <p:cNvPr id="6" name="Footer Placeholder 5"/>
+          <p:cNvSpPr>
+            <a:spLocks noGrp="1"/>
+          </p:cNvSpPr>
+          <p:nvPr>
+            <p:ph type="ftr" sz="quarter" idx="11"/>
+          </p:nvPr>
+        </p:nvSpPr>
+        <p:spPr/>
+        <p:txBody>
+          <a:bodyPr/>
+          <a:lstStyle/>
+          <a:p>
+            <a:endParaRPr lang="en-US"/>
+          </a:p>
+        </p:txBody>
+      </p:sp>
+      <p:sp>
+        <p:nvSpPr>
+          <p:cNvPr id="7" name="Slide Number Placeholder 6"/>
+          <p:cNvSpPr>
+            <a:spLocks noGrp="1"/>
+          </p:cNvSpPr>
+          <p:nvPr>
+            <p:ph type="sldNum" sz="quarter" idx="12"/>
+          </p:nvPr>
+        </p:nvSpPr>
+        <p:spPr/>
+        <p:txBody>
+          <a:bodyPr/>
+          <a:lstStyle/>
+          <a:p>
+            <a:fld id="{161AC9B4-5690-BE40-B4DF-D90B957DFBF2}" type="slidenum">
+              <a:rPr lang="en-US" smtClean="0"/>
+              <a:t>‹#›</a:t>
+            </a:fld>
+            <a:endParaRPr lang="en-US"/>
+          </a:p>
+        </p:txBody>
+      </p:sp>
+      <p:sp>
+        <p:nvSpPr>
+          <p:cNvPr id="13" name="TextBox 12"/>
+          <p:cNvSpPr txBox="1"/>
+          <p:nvPr/>
+        </p:nvSpPr>
+        <p:spPr>
+          <a:xfrm>
+            <a:off x="1001488" y="754166"/>
+            <a:ext cx="609600" cy="584776"/>
+          </a:xfrm>
+          <a:prstGeom prst="rect">
+            <a:avLst/>
+          </a:prstGeom>
+        </p:spPr>
+        <p:txBody>
+          <a:bodyPr vert="horz" lIns="91440" tIns="45720" rIns="91440" bIns="45720" rtlCol="0" anchor="ctr">
+            <a:noAutofit/>
+          </a:bodyPr>
+          <a:lstStyle>
+            <a:lvl1pPr>
+              <a:spcBef>
+                <a:spcPct val="0"/>
+              </a:spcBef>
+              <a:buNone/>
+              <a:defRPr sz="3200" b="0" cap="all">
+                <a:ln w="3175" cmpd="sng">
+                  <a:noFill/>
+                </a:ln>
+                <a:effectLst>
+                  <a:glow rad="38100">
+                    <a:schemeClr val="bg1">
+                      <a:lumMod val="65000"/>
+                      <a:lumOff val="35000"/>
+                      <a:alpha val="40000"/>
+                    </a:schemeClr>
+                  </a:glow>
+                  <a:outerShdw blurRad="28575" dist="38100" dir="14040000" algn="tl" rotWithShape="0">
+                    <a:srgbClr val="000000">
+                      <a:alpha val="25000"/>
+                    </a:srgbClr>
+                  </a:outerShdw>
+                </a:effectLst>
+              </a:defRPr>
+            </a:lvl1pPr>
+            <a:lvl2pPr>
+              <a:defRPr>
+                <a:solidFill>
+                  <a:schemeClr val="tx2"/>
+                </a:solidFill>
+              </a:defRPr>
+            </a:lvl2pPr>
+            <a:lvl3pPr>
+              <a:defRPr>
+                <a:solidFill>
+                  <a:schemeClr val="tx2"/>
+                </a:solidFill>
+              </a:defRPr>
+            </a:lvl3pPr>
+            <a:lvl4pPr>
+              <a:defRPr>
+                <a:solidFill>
+                  <a:schemeClr val="tx2"/>
+                </a:solidFill>
+              </a:defRPr>
+            </a:lvl4pPr>
+            <a:lvl5pPr>
+              <a:defRPr>
+                <a:solidFill>
+                  <a:schemeClr val="tx2"/>
+                </a:solidFill>
+              </a:defRPr>
+            </a:lvl5pPr>
+            <a:lvl6pPr>
+              <a:defRPr>
+                <a:solidFill>
+                  <a:schemeClr val="tx2"/>
+                </a:solidFill>
+              </a:defRPr>
+            </a:lvl6pPr>
+            <a:lvl7pPr>
+              <a:defRPr>
+                <a:solidFill>
+                  <a:schemeClr val="tx2"/>
+                </a:solidFill>
+              </a:defRPr>
+            </a:lvl7pPr>
+            <a:lvl8pPr>
+              <a:defRPr>
+                <a:solidFill>
+                  <a:schemeClr val="tx2"/>
+                </a:solidFill>
+              </a:defRPr>
+            </a:lvl8pPr>
+            <a:lvl9pPr>
+              <a:defRPr>
+                <a:solidFill>
+                  <a:schemeClr val="tx2"/>
+                </a:solidFill>
+              </a:defRPr>
+            </a:lvl9pPr>
+          </a:lstStyle>
+          <a:p>
+            <a:pPr lvl="0"/>
+            <a:r>
+              <a:rPr lang="en-US" sz="8000" dirty="0">
+                <a:solidFill>
+                  <a:schemeClr val="tx1"/>
+                </a:solidFill>
+                <a:effectLst/>
+              </a:rPr>
+              <a:t>“</a:t>
+            </a:r>
+          </a:p>
+        </p:txBody>
+      </p:sp>
+      <p:sp>
+        <p:nvSpPr>
+          <p:cNvPr id="14" name="TextBox 13"/>
+          <p:cNvSpPr txBox="1"/>
+          <p:nvPr/>
+        </p:nvSpPr>
+        <p:spPr>
+          <a:xfrm>
+            <a:off x="10557558" y="2993578"/>
+            <a:ext cx="609600" cy="584776"/>
+          </a:xfrm>
+          <a:prstGeom prst="rect">
+            <a:avLst/>
+          </a:prstGeom>
+        </p:spPr>
+        <p:txBody>
+          <a:bodyPr vert="horz" lIns="91440" tIns="45720" rIns="91440" bIns="45720" rtlCol="0" anchor="ctr">
+            <a:noAutofit/>
+          </a:bodyPr>
+          <a:lstStyle>
+            <a:lvl1pPr>
+              <a:spcBef>
+                <a:spcPct val="0"/>
+              </a:spcBef>
+              <a:buNone/>
+              <a:defRPr sz="3200" b="0" cap="all">
+                <a:ln w="3175" cmpd="sng">
+                  <a:noFill/>
+                </a:ln>
+                <a:effectLst>
+                  <a:glow rad="38100">
+                    <a:schemeClr val="bg1">
+                      <a:lumMod val="65000"/>
+                      <a:lumOff val="35000"/>
+                      <a:alpha val="40000"/>
+                    </a:schemeClr>
+                  </a:glow>
+                  <a:outerShdw blurRad="28575" dist="38100" dir="14040000" algn="tl" rotWithShape="0">
+                    <a:srgbClr val="000000">
+                      <a:alpha val="25000"/>
+                    </a:srgbClr>
+                  </a:outerShdw>
+                </a:effectLst>
+              </a:defRPr>
+            </a:lvl1pPr>
+            <a:lvl2pPr>
+              <a:defRPr>
+                <a:solidFill>
+                  <a:schemeClr val="tx2"/>
+                </a:solidFill>
+              </a:defRPr>
+            </a:lvl2pPr>
+            <a:lvl3pPr>
+              <a:defRPr>
+                <a:solidFill>
+                  <a:schemeClr val="tx2"/>
+                </a:solidFill>
+              </a:defRPr>
+            </a:lvl3pPr>
+            <a:lvl4pPr>
+              <a:defRPr>
+                <a:solidFill>
+                  <a:schemeClr val="tx2"/>
+                </a:solidFill>
+              </a:defRPr>
+            </a:lvl4pPr>
+            <a:lvl5pPr>
+              <a:defRPr>
+                <a:solidFill>
+                  <a:schemeClr val="tx2"/>
+                </a:solidFill>
+              </a:defRPr>
+            </a:lvl5pPr>
+            <a:lvl6pPr>
+              <a:defRPr>
+                <a:solidFill>
+                  <a:schemeClr val="tx2"/>
+                </a:solidFill>
+              </a:defRPr>
+            </a:lvl6pPr>
+            <a:lvl7pPr>
+              <a:defRPr>
+                <a:solidFill>
+                  <a:schemeClr val="tx2"/>
+                </a:solidFill>
+              </a:defRPr>
+            </a:lvl7pPr>
+            <a:lvl8pPr>
+              <a:defRPr>
+                <a:solidFill>
+                  <a:schemeClr val="tx2"/>
+                </a:solidFill>
+              </a:defRPr>
+            </a:lvl8pPr>
+            <a:lvl9pPr>
+              <a:defRPr>
+                <a:solidFill>
+                  <a:schemeClr val="tx2"/>
+                </a:solidFill>
+              </a:defRPr>
+            </a:lvl9pPr>
+          </a:lstStyle>
+          <a:p>
+            <a:pPr lvl="0" algn="r"/>
+            <a:r>
+              <a:rPr lang="en-US" sz="8000" dirty="0">
+                <a:solidFill>
+                  <a:schemeClr val="tx1"/>
+                </a:solidFill>
+                <a:effectLst/>
+              </a:rPr>
+              <a:t>”</a:t>
+            </a:r>
+          </a:p>
+        </p:txBody>
+      </p:sp>
+    </p:spTree>
+    <p:extLst>
+      <p:ext uri="{BB962C8B-B14F-4D97-AF65-F5344CB8AC3E}">
+        <p14:creationId xmlns:p14="http://schemas.microsoft.com/office/powerpoint/2010/main" val="3771352766"/>
+      </p:ext>
+    </p:extLst>
+  </p:cSld>
+  <p:clrMapOvr>
+    <a:masterClrMapping/>
+  </p:clrMapOvr>
+</p:sldLayout>
+</file>
+
+<file path=ppt/slideLayouts/slideLayout13.xml><?xml version="1.0" encoding="utf-8"?>
+<p:sldLayout xmlns:a="http://schemas.openxmlformats.org/drawingml/2006/main" xmlns:r="http://schemas.openxmlformats.org/officeDocument/2006/relationships" xmlns:p="http://schemas.openxmlformats.org/presentationml/2006/main" preserve="1">
+  <p:cSld name="Name Card">
+    <p:spTree>
+      <p:nvGrpSpPr>
+        <p:cNvPr id="1" name=""/>
+        <p:cNvGrpSpPr/>
+        <p:nvPr/>
+      </p:nvGrpSpPr>
+      <p:grpSpPr>
+        <a:xfrm>
+          <a:off x="0" y="0"/>
+          <a:ext cx="0" cy="0"/>
+          <a:chOff x="0" y="0"/>
+          <a:chExt cx="0" cy="0"/>
+        </a:xfrm>
+      </p:grpSpPr>
+      <p:pic>
+        <p:nvPicPr>
+          <p:cNvPr id="8" name="Picture 7" descr="Droplets-HD-Content-R1d.png"/>
+          <p:cNvPicPr>
+            <a:picLocks noChangeAspect="1"/>
+          </p:cNvPicPr>
+          <p:nvPr/>
+        </p:nvPicPr>
+        <p:blipFill>
+          <a:blip r:embed="rId2">
+            <a:extLst>
+              <a:ext uri="{28A0092B-C50C-407E-A947-70E740481C1C}">
+                <a14:useLocalDpi xmlns:a14="http://schemas.microsoft.com/office/drawing/2010/main" val="0"/>
+              </a:ext>
+            </a:extLst>
+          </a:blip>
+          <a:stretch>
+            <a:fillRect/>
+          </a:stretch>
+        </p:blipFill>
+        <p:spPr>
+          <a:xfrm>
+            <a:off x="0" y="0"/>
+            <a:ext cx="12192000" cy="6858000"/>
+          </a:xfrm>
+          <a:prstGeom prst="rect">
+            <a:avLst/>
+          </a:prstGeom>
+        </p:spPr>
+      </p:pic>
+      <p:sp>
+        <p:nvSpPr>
+          <p:cNvPr id="2" name="Title 1"/>
+          <p:cNvSpPr>
+            <a:spLocks noGrp="1"/>
+          </p:cNvSpPr>
+          <p:nvPr>
+            <p:ph type="title"/>
+          </p:nvPr>
+        </p:nvSpPr>
+        <p:spPr>
+          <a:xfrm>
+            <a:off x="913775" y="2138721"/>
+            <a:ext cx="10364452" cy="2511835"/>
+          </a:xfrm>
+        </p:spPr>
+        <p:txBody>
+          <a:bodyPr anchor="b"/>
+          <a:lstStyle>
+            <a:lvl1pPr algn="ctr">
+              <a:defRPr sz="3200"/>
+            </a:lvl1pPr>
+          </a:lstStyle>
+          <a:p>
+            <a:r>
+              <a:rPr lang="en-US"/>
+              <a:t>Click to edit Master title style</a:t>
+            </a:r>
+            <a:endParaRPr lang="en-US" dirty="0"/>
+          </a:p>
+        </p:txBody>
+      </p:sp>
+      <p:sp>
+        <p:nvSpPr>
+          <p:cNvPr id="4" name="Text Placeholder 3"/>
+          <p:cNvSpPr>
+            <a:spLocks noGrp="1"/>
+          </p:cNvSpPr>
+          <p:nvPr>
+            <p:ph type="body" sz="half" idx="2"/>
+          </p:nvPr>
+        </p:nvSpPr>
+        <p:spPr>
+          <a:xfrm>
+            <a:off x="913775" y="4662335"/>
+            <a:ext cx="10364452" cy="1140644"/>
+          </a:xfrm>
+        </p:spPr>
+        <p:txBody>
+          <a:bodyPr anchor="t"/>
+          <a:lstStyle>
+            <a:lvl1pPr marL="0" indent="0" algn="ctr">
+              <a:buNone/>
+              <a:defRPr sz="1600"/>
+            </a:lvl1pPr>
+            <a:lvl2pPr marL="457200" indent="0">
+              <a:buNone/>
+              <a:defRPr sz="1400"/>
+            </a:lvl2pPr>
+            <a:lvl3pPr marL="914400" indent="0">
+              <a:buNone/>
+              <a:defRPr sz="1200"/>
+            </a:lvl3pPr>
+            <a:lvl4pPr marL="1371600" indent="0">
+              <a:buNone/>
+              <a:defRPr sz="1000"/>
+            </a:lvl4pPr>
+            <a:lvl5pPr marL="1828800" indent="0">
+              <a:buNone/>
+              <a:defRPr sz="1000"/>
+            </a:lvl5pPr>
+            <a:lvl6pPr marL="2286000" indent="0">
+              <a:buNone/>
+              <a:defRPr sz="1000"/>
+            </a:lvl6pPr>
+            <a:lvl7pPr marL="2743200" indent="0">
+              <a:buNone/>
+              <a:defRPr sz="1000"/>
+            </a:lvl7pPr>
+            <a:lvl8pPr marL="3200400" indent="0">
+              <a:buNone/>
+              <a:defRPr sz="1000"/>
+            </a:lvl8pPr>
+            <a:lvl9pPr marL="3657600" indent="0">
+              <a:buNone/>
+              <a:defRPr sz="1000"/>
+            </a:lvl9pPr>
+          </a:lstStyle>
+          <a:p>
+            <a:pPr lvl="0"/>
+            <a:r>
+              <a:rPr lang="en-US"/>
+              <a:t>Click to edit Master text styles</a:t>
+            </a:r>
+          </a:p>
+        </p:txBody>
+      </p:sp>
+      <p:sp>
+        <p:nvSpPr>
+          <p:cNvPr id="5" name="Date Placeholder 4"/>
+          <p:cNvSpPr>
+            <a:spLocks noGrp="1"/>
+          </p:cNvSpPr>
+          <p:nvPr>
+            <p:ph type="dt" sz="half" idx="10"/>
+          </p:nvPr>
+        </p:nvSpPr>
+        <p:spPr/>
+        <p:txBody>
+          <a:bodyPr/>
+          <a:lstStyle/>
+          <a:p>
+            <a:fld id="{28F30ACE-146A-304E-8379-9558FDFEB018}" type="datetimeFigureOut">
+              <a:rPr lang="en-US" smtClean="0"/>
+              <a:t>12/7/23</a:t>
+            </a:fld>
+            <a:endParaRPr lang="en-US"/>
+          </a:p>
+        </p:txBody>
+      </p:sp>
+      <p:sp>
+        <p:nvSpPr>
+          <p:cNvPr id="6" name="Footer Placeholder 5"/>
+          <p:cNvSpPr>
+            <a:spLocks noGrp="1"/>
+          </p:cNvSpPr>
+          <p:nvPr>
+            <p:ph type="ftr" sz="quarter" idx="11"/>
+          </p:nvPr>
+        </p:nvSpPr>
+        <p:spPr/>
+        <p:txBody>
+          <a:bodyPr/>
+          <a:lstStyle/>
+          <a:p>
+            <a:endParaRPr lang="en-US"/>
+          </a:p>
+        </p:txBody>
+      </p:sp>
+      <p:sp>
+        <p:nvSpPr>
+          <p:cNvPr id="7" name="Slide Number Placeholder 6"/>
+          <p:cNvSpPr>
+            <a:spLocks noGrp="1"/>
+          </p:cNvSpPr>
+          <p:nvPr>
+            <p:ph type="sldNum" sz="quarter" idx="12"/>
+          </p:nvPr>
+        </p:nvSpPr>
+        <p:spPr/>
+        <p:txBody>
+          <a:bodyPr/>
+          <a:lstStyle/>
+          <a:p>
+            <a:fld id="{161AC9B4-5690-BE40-B4DF-D90B957DFBF2}" type="slidenum">
+              <a:rPr lang="en-US" smtClean="0"/>
+              <a:t>‹#›</a:t>
+            </a:fld>
+            <a:endParaRPr lang="en-US"/>
+          </a:p>
+        </p:txBody>
+      </p:sp>
+    </p:spTree>
+    <p:extLst>
+      <p:ext uri="{BB962C8B-B14F-4D97-AF65-F5344CB8AC3E}">
+        <p14:creationId xmlns:p14="http://schemas.microsoft.com/office/powerpoint/2010/main" val="790233642"/>
+      </p:ext>
+    </p:extLst>
+  </p:cSld>
+  <p:clrMapOvr>
+    <a:masterClrMapping/>
+  </p:clrMapOvr>
+</p:sldLayout>
+</file>
+
+<file path=ppt/slideLayouts/slideLayout14.xml><?xml version="1.0" encoding="utf-8"?>
+<p:sldLayout xmlns:a="http://schemas.openxmlformats.org/drawingml/2006/main" xmlns:r="http://schemas.openxmlformats.org/officeDocument/2006/relationships" xmlns:p="http://schemas.openxmlformats.org/presentationml/2006/main" preserve="1">
+  <p:cSld name="3 Column">
+    <p:spTree>
+      <p:nvGrpSpPr>
+        <p:cNvPr id="1" name=""/>
+        <p:cNvGrpSpPr/>
+        <p:nvPr/>
+      </p:nvGrpSpPr>
+      <p:grpSpPr>
+        <a:xfrm>
+          <a:off x="0" y="0"/>
+          <a:ext cx="0" cy="0"/>
+          <a:chOff x="0" y="0"/>
+          <a:chExt cx="0" cy="0"/>
+        </a:xfrm>
+      </p:grpSpPr>
+      <p:pic>
+        <p:nvPicPr>
+          <p:cNvPr id="13" name="Picture 12" descr="Droplets-HD-Content-R1d.png"/>
+          <p:cNvPicPr>
+            <a:picLocks noChangeAspect="1"/>
+          </p:cNvPicPr>
+          <p:nvPr/>
+        </p:nvPicPr>
+        <p:blipFill>
+          <a:blip r:embed="rId2">
+            <a:extLst>
+              <a:ext uri="{28A0092B-C50C-407E-A947-70E740481C1C}">
+                <a14:useLocalDpi xmlns:a14="http://schemas.microsoft.com/office/drawing/2010/main" val="0"/>
+              </a:ext>
+            </a:extLst>
+          </a:blip>
+          <a:stretch>
+            <a:fillRect/>
+          </a:stretch>
+        </p:blipFill>
+        <p:spPr>
+          <a:xfrm>
+            <a:off x="0" y="0"/>
+            <a:ext cx="12192000" cy="6858000"/>
+          </a:xfrm>
+          <a:prstGeom prst="rect">
+            <a:avLst/>
+          </a:prstGeom>
+        </p:spPr>
+      </p:pic>
+      <p:sp>
+        <p:nvSpPr>
+          <p:cNvPr id="15" name="Title 1"/>
+          <p:cNvSpPr>
+            <a:spLocks noGrp="1"/>
+          </p:cNvSpPr>
+          <p:nvPr>
+            <p:ph type="title"/>
+          </p:nvPr>
+        </p:nvSpPr>
+        <p:spPr>
+          <a:xfrm>
+            <a:off x="913774" y="609600"/>
+            <a:ext cx="10364452" cy="1605094"/>
+          </a:xfrm>
+        </p:spPr>
+        <p:txBody>
+          <a:bodyPr/>
+          <a:lstStyle/>
+          <a:p>
+            <a:r>
+              <a:rPr lang="en-US"/>
+              <a:t>Click to edit Master title style</a:t>
+            </a:r>
+            <a:endParaRPr lang="en-US" dirty="0"/>
+          </a:p>
+        </p:txBody>
+      </p:sp>
+      <p:sp>
+        <p:nvSpPr>
+          <p:cNvPr id="7" name="Text Placeholder 2"/>
+          <p:cNvSpPr>
+            <a:spLocks noGrp="1"/>
+          </p:cNvSpPr>
+          <p:nvPr>
+            <p:ph type="body" idx="1"/>
+          </p:nvPr>
+        </p:nvSpPr>
+        <p:spPr>
+          <a:xfrm>
+            <a:off x="913774" y="2367093"/>
+            <a:ext cx="3298976" cy="576262"/>
+          </a:xfrm>
+        </p:spPr>
+        <p:txBody>
+          <a:bodyPr anchor="b">
+            <a:noAutofit/>
+          </a:bodyPr>
+          <a:lstStyle>
+            <a:lvl1pPr marL="0" indent="0" algn="ctr">
+              <a:lnSpc>
+                <a:spcPct val="85000"/>
+              </a:lnSpc>
+              <a:buNone/>
+              <a:defRPr sz="2400" b="0">
+                <a:solidFill>
+                  <a:schemeClr val="tx1"/>
+                </a:solidFill>
+              </a:defRPr>
+            </a:lvl1pPr>
+            <a:lvl2pPr marL="457200" indent="0">
+              <a:buNone/>
+              <a:defRPr sz="2000" b="1"/>
+            </a:lvl2pPr>
+            <a:lvl3pPr marL="914400" indent="0">
+              <a:buNone/>
+              <a:defRPr sz="1800" b="1"/>
+            </a:lvl3pPr>
+            <a:lvl4pPr marL="1371600" indent="0">
+              <a:buNone/>
+              <a:defRPr sz="1600" b="1"/>
+            </a:lvl4pPr>
+            <a:lvl5pPr marL="1828800" indent="0">
+              <a:buNone/>
+              <a:defRPr sz="1600" b="1"/>
+            </a:lvl5pPr>
+            <a:lvl6pPr marL="2286000" indent="0">
+              <a:buNone/>
+              <a:defRPr sz="1600" b="1"/>
+            </a:lvl6pPr>
+            <a:lvl7pPr marL="2743200" indent="0">
+              <a:buNone/>
+              <a:defRPr sz="1600" b="1"/>
+            </a:lvl7pPr>
+            <a:lvl8pPr marL="3200400" indent="0">
+              <a:buNone/>
+              <a:defRPr sz="1600" b="1"/>
+            </a:lvl8pPr>
+            <a:lvl9pPr marL="3657600" indent="0">
+              <a:buNone/>
+              <a:defRPr sz="1600" b="1"/>
+            </a:lvl9pPr>
+          </a:lstStyle>
+          <a:p>
+            <a:pPr lvl="0"/>
+            <a:r>
+              <a:rPr lang="en-US"/>
+              <a:t>Click to edit Master text styles</a:t>
+            </a:r>
+          </a:p>
+        </p:txBody>
+      </p:sp>
+      <p:sp>
+        <p:nvSpPr>
+          <p:cNvPr id="8" name="Text Placeholder 3"/>
+          <p:cNvSpPr>
+            <a:spLocks noGrp="1"/>
+          </p:cNvSpPr>
+          <p:nvPr>
+            <p:ph type="body" sz="half" idx="15"/>
+          </p:nvPr>
+        </p:nvSpPr>
+        <p:spPr>
+          <a:xfrm>
+            <a:off x="913774" y="2943355"/>
+            <a:ext cx="3298976" cy="2847845"/>
+          </a:xfrm>
+        </p:spPr>
+        <p:txBody>
+          <a:bodyPr anchor="t">
+            <a:normAutofit/>
+          </a:bodyPr>
+          <a:lstStyle>
+            <a:lvl1pPr marL="0" indent="0" algn="ctr">
+              <a:buNone/>
+              <a:defRPr sz="1400"/>
+            </a:lvl1pPr>
+            <a:lvl2pPr marL="457200" indent="0">
+              <a:buNone/>
+              <a:defRPr sz="1200"/>
+            </a:lvl2pPr>
+            <a:lvl3pPr marL="914400" indent="0">
+              <a:buNone/>
+              <a:defRPr sz="1000"/>
+            </a:lvl3pPr>
+            <a:lvl4pPr marL="1371600" indent="0">
+              <a:buNone/>
+              <a:defRPr sz="900"/>
+            </a:lvl4pPr>
+            <a:lvl5pPr marL="1828800" indent="0">
+              <a:buNone/>
+              <a:defRPr sz="900"/>
+            </a:lvl5pPr>
+            <a:lvl6pPr marL="2286000" indent="0">
+              <a:buNone/>
+              <a:defRPr sz="900"/>
+            </a:lvl6pPr>
+            <a:lvl7pPr marL="2743200" indent="0">
+              <a:buNone/>
+              <a:defRPr sz="900"/>
+            </a:lvl7pPr>
+            <a:lvl8pPr marL="3200400" indent="0">
+              <a:buNone/>
+              <a:defRPr sz="900"/>
+            </a:lvl8pPr>
+            <a:lvl9pPr marL="3657600" indent="0">
+              <a:buNone/>
+              <a:defRPr sz="900"/>
+            </a:lvl9pPr>
+          </a:lstStyle>
+          <a:p>
+            <a:pPr lvl="0"/>
+            <a:r>
+              <a:rPr lang="en-US"/>
+              <a:t>Click to edit Master text styles</a:t>
+            </a:r>
+          </a:p>
+        </p:txBody>
+      </p:sp>
+      <p:sp>
+        <p:nvSpPr>
+          <p:cNvPr id="9" name="Text Placeholder 4"/>
+          <p:cNvSpPr>
+            <a:spLocks noGrp="1"/>
+          </p:cNvSpPr>
+          <p:nvPr>
+            <p:ph type="body" sz="quarter" idx="3"/>
+          </p:nvPr>
+        </p:nvSpPr>
+        <p:spPr>
+          <a:xfrm>
+            <a:off x="4452389" y="2367093"/>
+            <a:ext cx="3291521" cy="576262"/>
+          </a:xfrm>
+        </p:spPr>
+        <p:txBody>
+          <a:bodyPr anchor="b">
+            <a:noAutofit/>
+          </a:bodyPr>
+          <a:lstStyle>
+            <a:lvl1pPr marL="0" indent="0" algn="ctr">
+              <a:lnSpc>
+                <a:spcPct val="85000"/>
+              </a:lnSpc>
+              <a:buNone/>
+              <a:defRPr sz="2400" b="0">
+                <a:solidFill>
+                  <a:schemeClr val="tx1"/>
+                </a:solidFill>
+              </a:defRPr>
+            </a:lvl1pPr>
+            <a:lvl2pPr marL="457200" indent="0">
+              <a:buNone/>
+              <a:defRPr sz="2000" b="1"/>
+            </a:lvl2pPr>
+            <a:lvl3pPr marL="914400" indent="0">
+              <a:buNone/>
+              <a:defRPr sz="1800" b="1"/>
+            </a:lvl3pPr>
+            <a:lvl4pPr marL="1371600" indent="0">
+              <a:buNone/>
+              <a:defRPr sz="1600" b="1"/>
+            </a:lvl4pPr>
+            <a:lvl5pPr marL="1828800" indent="0">
+              <a:buNone/>
+              <a:defRPr sz="1600" b="1"/>
+            </a:lvl5pPr>
+            <a:lvl6pPr marL="2286000" indent="0">
+              <a:buNone/>
+              <a:defRPr sz="1600" b="1"/>
+            </a:lvl6pPr>
+            <a:lvl7pPr marL="2743200" indent="0">
+              <a:buNone/>
+              <a:defRPr sz="1600" b="1"/>
+            </a:lvl7pPr>
+            <a:lvl8pPr marL="3200400" indent="0">
+              <a:buNone/>
+              <a:defRPr sz="1600" b="1"/>
+            </a:lvl8pPr>
+            <a:lvl9pPr marL="3657600" indent="0">
+              <a:buNone/>
+              <a:defRPr sz="1600" b="1"/>
+            </a:lvl9pPr>
+          </a:lstStyle>
+          <a:p>
+            <a:pPr lvl="0"/>
+            <a:r>
+              <a:rPr lang="en-US"/>
+              <a:t>Click to edit Master text styles</a:t>
+            </a:r>
+          </a:p>
+        </p:txBody>
+      </p:sp>
+      <p:sp>
+        <p:nvSpPr>
+          <p:cNvPr id="10" name="Text Placeholder 3"/>
+          <p:cNvSpPr>
+            <a:spLocks noGrp="1"/>
+          </p:cNvSpPr>
+          <p:nvPr>
+            <p:ph type="body" sz="half" idx="16"/>
+          </p:nvPr>
+        </p:nvSpPr>
+        <p:spPr>
+          <a:xfrm>
+            <a:off x="4441348" y="2943355"/>
+            <a:ext cx="3303351" cy="2847845"/>
+          </a:xfrm>
+        </p:spPr>
+        <p:txBody>
+          <a:bodyPr anchor="t">
+            <a:normAutofit/>
+          </a:bodyPr>
+          <a:lstStyle>
+            <a:lvl1pPr marL="0" indent="0" algn="ctr">
+              <a:buNone/>
+              <a:defRPr sz="1400"/>
+            </a:lvl1pPr>
+            <a:lvl2pPr marL="457200" indent="0">
+              <a:buNone/>
+              <a:defRPr sz="1200"/>
+            </a:lvl2pPr>
+            <a:lvl3pPr marL="914400" indent="0">
+              <a:buNone/>
+              <a:defRPr sz="1000"/>
+            </a:lvl3pPr>
+            <a:lvl4pPr marL="1371600" indent="0">
+              <a:buNone/>
+              <a:defRPr sz="900"/>
+            </a:lvl4pPr>
+            <a:lvl5pPr marL="1828800" indent="0">
+              <a:buNone/>
+              <a:defRPr sz="900"/>
+            </a:lvl5pPr>
+            <a:lvl6pPr marL="2286000" indent="0">
+              <a:buNone/>
+              <a:defRPr sz="900"/>
+            </a:lvl6pPr>
+            <a:lvl7pPr marL="2743200" indent="0">
+              <a:buNone/>
+              <a:defRPr sz="900"/>
+            </a:lvl7pPr>
+            <a:lvl8pPr marL="3200400" indent="0">
+              <a:buNone/>
+              <a:defRPr sz="900"/>
+            </a:lvl8pPr>
+            <a:lvl9pPr marL="3657600" indent="0">
+              <a:buNone/>
+              <a:defRPr sz="900"/>
+            </a:lvl9pPr>
+          </a:lstStyle>
+          <a:p>
+            <a:pPr lvl="0"/>
+            <a:r>
+              <a:rPr lang="en-US"/>
+              <a:t>Click to edit Master text styles</a:t>
+            </a:r>
+          </a:p>
+        </p:txBody>
+      </p:sp>
+      <p:sp>
+        <p:nvSpPr>
+          <p:cNvPr id="11" name="Text Placeholder 4"/>
+          <p:cNvSpPr>
+            <a:spLocks noGrp="1"/>
+          </p:cNvSpPr>
+          <p:nvPr>
+            <p:ph type="body" sz="quarter" idx="13"/>
+          </p:nvPr>
+        </p:nvSpPr>
+        <p:spPr>
+          <a:xfrm>
+            <a:off x="7973298" y="2367093"/>
+            <a:ext cx="3304928" cy="576262"/>
+          </a:xfrm>
+        </p:spPr>
+        <p:txBody>
+          <a:bodyPr anchor="b">
+            <a:noAutofit/>
+          </a:bodyPr>
+          <a:lstStyle>
+            <a:lvl1pPr marL="0" indent="0" algn="ctr">
+              <a:lnSpc>
+                <a:spcPct val="85000"/>
+              </a:lnSpc>
+              <a:buNone/>
+              <a:defRPr sz="2400" b="0">
+                <a:solidFill>
+                  <a:schemeClr val="tx1"/>
+                </a:solidFill>
+              </a:defRPr>
+            </a:lvl1pPr>
+            <a:lvl2pPr marL="457200" indent="0">
+              <a:buNone/>
+              <a:defRPr sz="2000" b="1"/>
+            </a:lvl2pPr>
+            <a:lvl3pPr marL="914400" indent="0">
+              <a:buNone/>
+              <a:defRPr sz="1800" b="1"/>
+            </a:lvl3pPr>
+            <a:lvl4pPr marL="1371600" indent="0">
+              <a:buNone/>
+              <a:defRPr sz="1600" b="1"/>
+            </a:lvl4pPr>
+            <a:lvl5pPr marL="1828800" indent="0">
+              <a:buNone/>
+              <a:defRPr sz="1600" b="1"/>
+            </a:lvl5pPr>
+            <a:lvl6pPr marL="2286000" indent="0">
+              <a:buNone/>
+              <a:defRPr sz="1600" b="1"/>
+            </a:lvl6pPr>
+            <a:lvl7pPr marL="2743200" indent="0">
+              <a:buNone/>
+              <a:defRPr sz="1600" b="1"/>
+            </a:lvl7pPr>
+            <a:lvl8pPr marL="3200400" indent="0">
+              <a:buNone/>
+              <a:defRPr sz="1600" b="1"/>
+            </a:lvl8pPr>
+            <a:lvl9pPr marL="3657600" indent="0">
+              <a:buNone/>
+              <a:defRPr sz="1600" b="1"/>
+            </a:lvl9pPr>
+          </a:lstStyle>
+          <a:p>
+            <a:pPr lvl="0"/>
+            <a:r>
+              <a:rPr lang="en-US"/>
+              <a:t>Click to edit Master text styles</a:t>
+            </a:r>
+          </a:p>
+        </p:txBody>
+      </p:sp>
+      <p:sp>
+        <p:nvSpPr>
+          <p:cNvPr id="12" name="Text Placeholder 3"/>
+          <p:cNvSpPr>
+            <a:spLocks noGrp="1"/>
+          </p:cNvSpPr>
+          <p:nvPr>
+            <p:ph type="body" sz="half" idx="17"/>
+          </p:nvPr>
+        </p:nvSpPr>
+        <p:spPr>
+          <a:xfrm>
+            <a:off x="7973298" y="2943355"/>
+            <a:ext cx="3304928" cy="2847845"/>
+          </a:xfrm>
+        </p:spPr>
+        <p:txBody>
+          <a:bodyPr anchor="t">
+            <a:normAutofit/>
+          </a:bodyPr>
+          <a:lstStyle>
+            <a:lvl1pPr marL="0" indent="0" algn="ctr">
+              <a:buNone/>
+              <a:defRPr sz="1400"/>
+            </a:lvl1pPr>
+            <a:lvl2pPr marL="457200" indent="0">
+              <a:buNone/>
+              <a:defRPr sz="1200"/>
+            </a:lvl2pPr>
+            <a:lvl3pPr marL="914400" indent="0">
+              <a:buNone/>
+              <a:defRPr sz="1000"/>
+            </a:lvl3pPr>
+            <a:lvl4pPr marL="1371600" indent="0">
+              <a:buNone/>
+              <a:defRPr sz="900"/>
+            </a:lvl4pPr>
+            <a:lvl5pPr marL="1828800" indent="0">
+              <a:buNone/>
+              <a:defRPr sz="900"/>
+            </a:lvl5pPr>
+            <a:lvl6pPr marL="2286000" indent="0">
+              <a:buNone/>
+              <a:defRPr sz="900"/>
+            </a:lvl6pPr>
+            <a:lvl7pPr marL="2743200" indent="0">
+              <a:buNone/>
+              <a:defRPr sz="900"/>
+            </a:lvl7pPr>
+            <a:lvl8pPr marL="3200400" indent="0">
+              <a:buNone/>
+              <a:defRPr sz="900"/>
+            </a:lvl8pPr>
+            <a:lvl9pPr marL="3657600" indent="0">
+              <a:buNone/>
+              <a:defRPr sz="900"/>
+            </a:lvl9pPr>
+          </a:lstStyle>
+          <a:p>
+            <a:pPr lvl="0"/>
+            <a:r>
+              <a:rPr lang="en-US"/>
+              <a:t>Click to edit Master text styles</a:t>
+            </a:r>
+          </a:p>
+        </p:txBody>
+      </p:sp>
+      <p:sp>
+        <p:nvSpPr>
+          <p:cNvPr id="3" name="Date Placeholder 2"/>
+          <p:cNvSpPr>
+            <a:spLocks noGrp="1"/>
+          </p:cNvSpPr>
+          <p:nvPr>
+            <p:ph type="dt" sz="half" idx="10"/>
+          </p:nvPr>
+        </p:nvSpPr>
+        <p:spPr/>
+        <p:txBody>
+          <a:bodyPr/>
+          <a:lstStyle/>
+          <a:p>
+            <a:fld id="{28F30ACE-146A-304E-8379-9558FDFEB018}" type="datetimeFigureOut">
+              <a:rPr lang="en-US" smtClean="0"/>
+              <a:t>12/7/23</a:t>
+            </a:fld>
+            <a:endParaRPr lang="en-US"/>
+          </a:p>
+        </p:txBody>
+      </p:sp>
+      <p:sp>
+        <p:nvSpPr>
+          <p:cNvPr id="4" name="Footer Placeholder 3"/>
+          <p:cNvSpPr>
+            <a:spLocks noGrp="1"/>
+          </p:cNvSpPr>
+          <p:nvPr>
+            <p:ph type="ftr" sz="quarter" idx="11"/>
+          </p:nvPr>
+        </p:nvSpPr>
+        <p:spPr/>
+        <p:txBody>
+          <a:bodyPr/>
+          <a:lstStyle/>
+          <a:p>
+            <a:endParaRPr lang="en-US"/>
+          </a:p>
+        </p:txBody>
+      </p:sp>
+      <p:sp>
+        <p:nvSpPr>
+          <p:cNvPr id="5" name="Slide Number Placeholder 4"/>
+          <p:cNvSpPr>
+            <a:spLocks noGrp="1"/>
+          </p:cNvSpPr>
+          <p:nvPr>
+            <p:ph type="sldNum" sz="quarter" idx="12"/>
+          </p:nvPr>
+        </p:nvSpPr>
+        <p:spPr/>
+        <p:txBody>
+          <a:bodyPr/>
+          <a:lstStyle/>
+          <a:p>
+            <a:fld id="{161AC9B4-5690-BE40-B4DF-D90B957DFBF2}" type="slidenum">
+              <a:rPr lang="en-US" smtClean="0"/>
+              <a:t>‹#›</a:t>
+            </a:fld>
+            <a:endParaRPr lang="en-US"/>
+          </a:p>
+        </p:txBody>
+      </p:sp>
+    </p:spTree>
+    <p:extLst>
+      <p:ext uri="{BB962C8B-B14F-4D97-AF65-F5344CB8AC3E}">
+        <p14:creationId xmlns:p14="http://schemas.microsoft.com/office/powerpoint/2010/main" val="1333558737"/>
+      </p:ext>
+    </p:extLst>
+  </p:cSld>
+  <p:clrMapOvr>
+    <a:masterClrMapping/>
+  </p:clrMapOvr>
+</p:sldLayout>
+</file>
+
+<file path=ppt/slideLayouts/slideLayout15.xml><?xml version="1.0" encoding="utf-8"?>
+<p:sldLayout xmlns:a="http://schemas.openxmlformats.org/drawingml/2006/main" xmlns:r="http://schemas.openxmlformats.org/officeDocument/2006/relationships" xmlns:p="http://schemas.openxmlformats.org/presentationml/2006/main" preserve="1">
+  <p:cSld name="3 Picture Column">
+    <p:spTree>
+      <p:nvGrpSpPr>
+        <p:cNvPr id="1" name=""/>
+        <p:cNvGrpSpPr/>
+        <p:nvPr/>
+      </p:nvGrpSpPr>
+      <p:grpSpPr>
+        <a:xfrm>
+          <a:off x="0" y="0"/>
+          <a:ext cx="0" cy="0"/>
+          <a:chOff x="0" y="0"/>
+          <a:chExt cx="0" cy="0"/>
+        </a:xfrm>
+      </p:grpSpPr>
+      <p:pic>
+        <p:nvPicPr>
+          <p:cNvPr id="16" name="Picture 15" descr="Droplets-HD-Content-R1d.png"/>
+          <p:cNvPicPr>
+            <a:picLocks noChangeAspect="1"/>
+          </p:cNvPicPr>
+          <p:nvPr/>
+        </p:nvPicPr>
+        <p:blipFill>
+          <a:blip r:embed="rId2">
+            <a:extLst>
+              <a:ext uri="{28A0092B-C50C-407E-A947-70E740481C1C}">
+                <a14:useLocalDpi xmlns:a14="http://schemas.microsoft.com/office/drawing/2010/main" val="0"/>
+              </a:ext>
+            </a:extLst>
+          </a:blip>
+          <a:stretch>
+            <a:fillRect/>
+          </a:stretch>
+        </p:blipFill>
+        <p:spPr>
+          <a:xfrm>
+            <a:off x="0" y="0"/>
+            <a:ext cx="12192000" cy="6858000"/>
+          </a:xfrm>
+          <a:prstGeom prst="rect">
+            <a:avLst/>
+          </a:prstGeom>
+        </p:spPr>
+      </p:pic>
+      <p:sp>
+        <p:nvSpPr>
+          <p:cNvPr id="30" name="Title 1"/>
+          <p:cNvSpPr>
+            <a:spLocks noGrp="1"/>
+          </p:cNvSpPr>
+          <p:nvPr>
+            <p:ph type="title"/>
+          </p:nvPr>
+        </p:nvSpPr>
+        <p:spPr>
+          <a:xfrm>
+            <a:off x="913774" y="610772"/>
+            <a:ext cx="10364452" cy="1603922"/>
+          </a:xfrm>
+        </p:spPr>
+        <p:txBody>
+          <a:bodyPr/>
+          <a:lstStyle/>
+          <a:p>
+            <a:r>
+              <a:rPr lang="en-US"/>
+              <a:t>Click to edit Master title style</a:t>
+            </a:r>
+            <a:endParaRPr lang="en-US" dirty="0"/>
+          </a:p>
+        </p:txBody>
+      </p:sp>
+      <p:sp>
+        <p:nvSpPr>
+          <p:cNvPr id="19" name="Text Placeholder 2"/>
+          <p:cNvSpPr>
+            <a:spLocks noGrp="1"/>
+          </p:cNvSpPr>
+          <p:nvPr>
+            <p:ph type="body" idx="1"/>
+          </p:nvPr>
+        </p:nvSpPr>
+        <p:spPr>
+          <a:xfrm>
+            <a:off x="913774" y="4204820"/>
+            <a:ext cx="3296409" cy="576262"/>
+          </a:xfrm>
+        </p:spPr>
+        <p:txBody>
+          <a:bodyPr anchor="b">
+            <a:noAutofit/>
+          </a:bodyPr>
+          <a:lstStyle>
+            <a:lvl1pPr marL="0" indent="0" algn="ctr">
+              <a:lnSpc>
+                <a:spcPct val="85000"/>
+              </a:lnSpc>
+              <a:buNone/>
+              <a:defRPr sz="2200" b="0">
+                <a:solidFill>
+                  <a:schemeClr val="tx1"/>
+                </a:solidFill>
+              </a:defRPr>
+            </a:lvl1pPr>
+            <a:lvl2pPr marL="457200" indent="0">
+              <a:buNone/>
+              <a:defRPr sz="2000" b="1"/>
+            </a:lvl2pPr>
+            <a:lvl3pPr marL="914400" indent="0">
+              <a:buNone/>
+              <a:defRPr sz="1800" b="1"/>
+            </a:lvl3pPr>
+            <a:lvl4pPr marL="1371600" indent="0">
+              <a:buNone/>
+              <a:defRPr sz="1600" b="1"/>
+            </a:lvl4pPr>
+            <a:lvl5pPr marL="1828800" indent="0">
+              <a:buNone/>
+              <a:defRPr sz="1600" b="1"/>
+            </a:lvl5pPr>
+            <a:lvl6pPr marL="2286000" indent="0">
+              <a:buNone/>
+              <a:defRPr sz="1600" b="1"/>
+            </a:lvl6pPr>
+            <a:lvl7pPr marL="2743200" indent="0">
+              <a:buNone/>
+              <a:defRPr sz="1600" b="1"/>
+            </a:lvl7pPr>
+            <a:lvl8pPr marL="3200400" indent="0">
+              <a:buNone/>
+              <a:defRPr sz="1600" b="1"/>
+            </a:lvl8pPr>
+            <a:lvl9pPr marL="3657600" indent="0">
+              <a:buNone/>
+              <a:defRPr sz="1600" b="1"/>
+            </a:lvl9pPr>
+          </a:lstStyle>
+          <a:p>
+            <a:pPr lvl="0"/>
+            <a:r>
+              <a:rPr lang="en-US"/>
+              <a:t>Click to edit Master text styles</a:t>
+            </a:r>
+          </a:p>
+        </p:txBody>
+      </p:sp>
+      <p:sp>
+        <p:nvSpPr>
+          <p:cNvPr id="20" name="Picture Placeholder 2"/>
+          <p:cNvSpPr>
+            <a:spLocks noGrp="1" noChangeAspect="1"/>
+          </p:cNvSpPr>
+          <p:nvPr>
+            <p:ph type="pic" idx="15"/>
+          </p:nvPr>
+        </p:nvSpPr>
+        <p:spPr>
+          <a:xfrm>
+            <a:off x="913774" y="2367093"/>
+            <a:ext cx="3296409" cy="1524000"/>
+          </a:xfrm>
+          <a:prstGeom prst="roundRect">
+            <a:avLst>
+              <a:gd name="adj" fmla="val 9363"/>
+            </a:avLst>
+          </a:prstGeom>
+          <a:noFill/>
+          <a:ln w="82550" cap="sq">
+            <a:solidFill>
+              <a:srgbClr val="EAEAEA"/>
+            </a:solidFill>
+            <a:miter lim="800000"/>
+          </a:ln>
+          <a:effectLst/>
+          <a:scene3d>
+            <a:camera prst="orthographicFront"/>
+            <a:lightRig rig="threePt" dir="t">
+              <a:rot lat="0" lon="0" rev="2700000"/>
+            </a:lightRig>
+          </a:scene3d>
+          <a:sp3d contourW="6350">
+            <a:bevelT h="38100"/>
+            <a:contourClr>
+              <a:srgbClr val="C0C0C0"/>
+            </a:contourClr>
+          </a:sp3d>
+        </p:spPr>
+        <p:txBody>
+          <a:bodyPr anchor="t">
+            <a:normAutofit/>
+          </a:bodyPr>
+          <a:lstStyle>
+            <a:lvl1pPr marL="0" indent="0" algn="ctr">
+              <a:buNone/>
+              <a:defRPr sz="1600"/>
+            </a:lvl1pPr>
+            <a:lvl2pPr marL="457200" indent="0">
+              <a:buNone/>
+              <a:defRPr sz="1600"/>
+            </a:lvl2pPr>
+            <a:lvl3pPr marL="914400" indent="0">
+              <a:buNone/>
+              <a:defRPr sz="1600"/>
+            </a:lvl3pPr>
+            <a:lvl4pPr marL="1371600" indent="0">
+              <a:buNone/>
+              <a:defRPr sz="1600"/>
+            </a:lvl4pPr>
+            <a:lvl5pPr marL="1828800" indent="0">
+              <a:buNone/>
+              <a:defRPr sz="1600"/>
+            </a:lvl5pPr>
+            <a:lvl6pPr marL="2286000" indent="0">
+              <a:buNone/>
+              <a:defRPr sz="1600"/>
+            </a:lvl6pPr>
+            <a:lvl7pPr marL="2743200" indent="0">
+              <a:buNone/>
+              <a:defRPr sz="1600"/>
+            </a:lvl7pPr>
+            <a:lvl8pPr marL="3200400" indent="0">
+              <a:buNone/>
+              <a:defRPr sz="1600"/>
+            </a:lvl8pPr>
+            <a:lvl9pPr marL="3657600" indent="0">
+              <a:buNone/>
+              <a:defRPr sz="1600"/>
+            </a:lvl9pPr>
+          </a:lstStyle>
+          <a:p>
+            <a:r>
+              <a:rPr lang="en-US"/>
+              <a:t>Click icon to add picture</a:t>
+            </a:r>
+            <a:endParaRPr lang="en-US" dirty="0"/>
+          </a:p>
+        </p:txBody>
+      </p:sp>
+      <p:sp>
+        <p:nvSpPr>
+          <p:cNvPr id="21" name="Text Placeholder 3"/>
+          <p:cNvSpPr>
+            <a:spLocks noGrp="1"/>
+          </p:cNvSpPr>
+          <p:nvPr>
+            <p:ph type="body" sz="half" idx="18"/>
+          </p:nvPr>
+        </p:nvSpPr>
+        <p:spPr>
+          <a:xfrm>
+            <a:off x="913774" y="4781082"/>
+            <a:ext cx="3296409" cy="1010118"/>
+          </a:xfrm>
+        </p:spPr>
+        <p:txBody>
+          <a:bodyPr anchor="t">
+            <a:normAutofit/>
+          </a:bodyPr>
+          <a:lstStyle>
+            <a:lvl1pPr marL="0" indent="0" algn="ctr">
+              <a:buNone/>
+              <a:defRPr sz="1400"/>
+            </a:lvl1pPr>
+            <a:lvl2pPr marL="457200" indent="0">
+              <a:buNone/>
+              <a:defRPr sz="1200"/>
+            </a:lvl2pPr>
+            <a:lvl3pPr marL="914400" indent="0">
+              <a:buNone/>
+              <a:defRPr sz="1000"/>
+            </a:lvl3pPr>
+            <a:lvl4pPr marL="1371600" indent="0">
+              <a:buNone/>
+              <a:defRPr sz="900"/>
+            </a:lvl4pPr>
+            <a:lvl5pPr marL="1828800" indent="0">
+              <a:buNone/>
+              <a:defRPr sz="900"/>
+            </a:lvl5pPr>
+            <a:lvl6pPr marL="2286000" indent="0">
+              <a:buNone/>
+              <a:defRPr sz="900"/>
+            </a:lvl6pPr>
+            <a:lvl7pPr marL="2743200" indent="0">
+              <a:buNone/>
+              <a:defRPr sz="900"/>
+            </a:lvl7pPr>
+            <a:lvl8pPr marL="3200400" indent="0">
+              <a:buNone/>
+              <a:defRPr sz="900"/>
+            </a:lvl8pPr>
+            <a:lvl9pPr marL="3657600" indent="0">
+              <a:buNone/>
+              <a:defRPr sz="900"/>
+            </a:lvl9pPr>
+          </a:lstStyle>
+          <a:p>
+            <a:pPr lvl="0"/>
+            <a:r>
+              <a:rPr lang="en-US"/>
+              <a:t>Click to edit Master text styles</a:t>
+            </a:r>
+          </a:p>
+        </p:txBody>
+      </p:sp>
+      <p:sp>
+        <p:nvSpPr>
+          <p:cNvPr id="22" name="Text Placeholder 4"/>
+          <p:cNvSpPr>
+            <a:spLocks noGrp="1"/>
+          </p:cNvSpPr>
+          <p:nvPr>
+            <p:ph type="body" sz="quarter" idx="3"/>
+          </p:nvPr>
+        </p:nvSpPr>
+        <p:spPr>
+          <a:xfrm>
+            <a:off x="4442759" y="4204820"/>
+            <a:ext cx="3301828" cy="576262"/>
+          </a:xfrm>
+        </p:spPr>
+        <p:txBody>
+          <a:bodyPr anchor="b">
+            <a:noAutofit/>
+          </a:bodyPr>
+          <a:lstStyle>
+            <a:lvl1pPr marL="0" indent="0" algn="ctr">
+              <a:lnSpc>
+                <a:spcPct val="85000"/>
+              </a:lnSpc>
+              <a:buNone/>
+              <a:defRPr sz="2200" b="0">
+                <a:solidFill>
+                  <a:schemeClr val="tx1"/>
+                </a:solidFill>
+              </a:defRPr>
+            </a:lvl1pPr>
+            <a:lvl2pPr marL="457200" indent="0">
+              <a:buNone/>
+              <a:defRPr sz="2000" b="1"/>
+            </a:lvl2pPr>
+            <a:lvl3pPr marL="914400" indent="0">
+              <a:buNone/>
+              <a:defRPr sz="1800" b="1"/>
+            </a:lvl3pPr>
+            <a:lvl4pPr marL="1371600" indent="0">
+              <a:buNone/>
+              <a:defRPr sz="1600" b="1"/>
+            </a:lvl4pPr>
+            <a:lvl5pPr marL="1828800" indent="0">
+              <a:buNone/>
+              <a:defRPr sz="1600" b="1"/>
+            </a:lvl5pPr>
+            <a:lvl6pPr marL="2286000" indent="0">
+              <a:buNone/>
+              <a:defRPr sz="1600" b="1"/>
+            </a:lvl6pPr>
+            <a:lvl7pPr marL="2743200" indent="0">
+              <a:buNone/>
+              <a:defRPr sz="1600" b="1"/>
+            </a:lvl7pPr>
+            <a:lvl8pPr marL="3200400" indent="0">
+              <a:buNone/>
+              <a:defRPr sz="1600" b="1"/>
+            </a:lvl8pPr>
+            <a:lvl9pPr marL="3657600" indent="0">
+              <a:buNone/>
+              <a:defRPr sz="1600" b="1"/>
+            </a:lvl9pPr>
+          </a:lstStyle>
+          <a:p>
+            <a:pPr lvl="0"/>
+            <a:r>
+              <a:rPr lang="en-US"/>
+              <a:t>Click to edit Master text styles</a:t>
+            </a:r>
+          </a:p>
+        </p:txBody>
+      </p:sp>
+      <p:sp>
+        <p:nvSpPr>
+          <p:cNvPr id="23" name="Picture Placeholder 2"/>
+          <p:cNvSpPr>
+            <a:spLocks noGrp="1" noChangeAspect="1"/>
+          </p:cNvSpPr>
+          <p:nvPr>
+            <p:ph type="pic" idx="21"/>
+          </p:nvPr>
+        </p:nvSpPr>
+        <p:spPr>
+          <a:xfrm>
+            <a:off x="4441348" y="2367093"/>
+            <a:ext cx="3303352" cy="1524000"/>
+          </a:xfrm>
+          <a:prstGeom prst="roundRect">
+            <a:avLst>
+              <a:gd name="adj" fmla="val 8841"/>
+            </a:avLst>
+          </a:prstGeom>
+          <a:noFill/>
+          <a:ln w="82550" cap="sq">
+            <a:solidFill>
+              <a:srgbClr val="EAEAEA"/>
+            </a:solidFill>
+            <a:miter lim="800000"/>
+          </a:ln>
+          <a:effectLst/>
+          <a:scene3d>
+            <a:camera prst="orthographicFront"/>
+            <a:lightRig rig="threePt" dir="t">
+              <a:rot lat="0" lon="0" rev="2700000"/>
+            </a:lightRig>
+          </a:scene3d>
+          <a:sp3d contourW="6350">
+            <a:bevelT h="38100"/>
+            <a:contourClr>
+              <a:srgbClr val="C0C0C0"/>
+            </a:contourClr>
+          </a:sp3d>
+        </p:spPr>
+        <p:txBody>
+          <a:bodyPr anchor="t">
+            <a:normAutofit/>
+          </a:bodyPr>
+          <a:lstStyle>
+            <a:lvl1pPr marL="0" indent="0" algn="ctr">
+              <a:buNone/>
+              <a:defRPr sz="1600"/>
+            </a:lvl1pPr>
+            <a:lvl2pPr marL="457200" indent="0">
+              <a:buNone/>
+              <a:defRPr sz="1600"/>
+            </a:lvl2pPr>
+            <a:lvl3pPr marL="914400" indent="0">
+              <a:buNone/>
+              <a:defRPr sz="1600"/>
+            </a:lvl3pPr>
+            <a:lvl4pPr marL="1371600" indent="0">
+              <a:buNone/>
+              <a:defRPr sz="1600"/>
+            </a:lvl4pPr>
+            <a:lvl5pPr marL="1828800" indent="0">
+              <a:buNone/>
+              <a:defRPr sz="1600"/>
+            </a:lvl5pPr>
+            <a:lvl6pPr marL="2286000" indent="0">
+              <a:buNone/>
+              <a:defRPr sz="1600"/>
+            </a:lvl6pPr>
+            <a:lvl7pPr marL="2743200" indent="0">
+              <a:buNone/>
+              <a:defRPr sz="1600"/>
+            </a:lvl7pPr>
+            <a:lvl8pPr marL="3200400" indent="0">
+              <a:buNone/>
+              <a:defRPr sz="1600"/>
+            </a:lvl8pPr>
+            <a:lvl9pPr marL="3657600" indent="0">
+              <a:buNone/>
+              <a:defRPr sz="1600"/>
+            </a:lvl9pPr>
+          </a:lstStyle>
+          <a:p>
+            <a:r>
+              <a:rPr lang="en-US"/>
+              <a:t>Click icon to add picture</a:t>
+            </a:r>
+            <a:endParaRPr lang="en-US" dirty="0"/>
+          </a:p>
+        </p:txBody>
+      </p:sp>
+      <p:sp>
+        <p:nvSpPr>
+          <p:cNvPr id="24" name="Text Placeholder 3"/>
+          <p:cNvSpPr>
+            <a:spLocks noGrp="1"/>
+          </p:cNvSpPr>
+          <p:nvPr>
+            <p:ph type="body" sz="half" idx="19"/>
+          </p:nvPr>
+        </p:nvSpPr>
+        <p:spPr>
+          <a:xfrm>
+            <a:off x="4441348" y="4781080"/>
+            <a:ext cx="3303352" cy="1010119"/>
+          </a:xfrm>
+        </p:spPr>
+        <p:txBody>
+          <a:bodyPr anchor="t">
+            <a:normAutofit/>
+          </a:bodyPr>
+          <a:lstStyle>
+            <a:lvl1pPr marL="0" indent="0" algn="ctr">
+              <a:buNone/>
+              <a:defRPr sz="1400"/>
+            </a:lvl1pPr>
+            <a:lvl2pPr marL="457200" indent="0">
+              <a:buNone/>
+              <a:defRPr sz="1200"/>
+            </a:lvl2pPr>
+            <a:lvl3pPr marL="914400" indent="0">
+              <a:buNone/>
+              <a:defRPr sz="1000"/>
+            </a:lvl3pPr>
+            <a:lvl4pPr marL="1371600" indent="0">
+              <a:buNone/>
+              <a:defRPr sz="900"/>
+            </a:lvl4pPr>
+            <a:lvl5pPr marL="1828800" indent="0">
+              <a:buNone/>
+              <a:defRPr sz="900"/>
+            </a:lvl5pPr>
+            <a:lvl6pPr marL="2286000" indent="0">
+              <a:buNone/>
+              <a:defRPr sz="900"/>
+            </a:lvl6pPr>
+            <a:lvl7pPr marL="2743200" indent="0">
+              <a:buNone/>
+              <a:defRPr sz="900"/>
+            </a:lvl7pPr>
+            <a:lvl8pPr marL="3200400" indent="0">
+              <a:buNone/>
+              <a:defRPr sz="900"/>
+            </a:lvl8pPr>
+            <a:lvl9pPr marL="3657600" indent="0">
+              <a:buNone/>
+              <a:defRPr sz="900"/>
+            </a:lvl9pPr>
+          </a:lstStyle>
+          <a:p>
+            <a:pPr lvl="0"/>
+            <a:r>
+              <a:rPr lang="en-US"/>
+              <a:t>Click to edit Master text styles</a:t>
+            </a:r>
+          </a:p>
+        </p:txBody>
+      </p:sp>
+      <p:sp>
+        <p:nvSpPr>
+          <p:cNvPr id="25" name="Text Placeholder 4"/>
+          <p:cNvSpPr>
+            <a:spLocks noGrp="1"/>
+          </p:cNvSpPr>
+          <p:nvPr>
+            <p:ph type="body" sz="quarter" idx="13"/>
+          </p:nvPr>
+        </p:nvSpPr>
+        <p:spPr>
+          <a:xfrm>
+            <a:off x="7973298" y="4204820"/>
+            <a:ext cx="3300681" cy="576262"/>
+          </a:xfrm>
+        </p:spPr>
+        <p:txBody>
+          <a:bodyPr anchor="b">
+            <a:noAutofit/>
+          </a:bodyPr>
+          <a:lstStyle>
+            <a:lvl1pPr marL="0" indent="0" algn="ctr">
+              <a:lnSpc>
+                <a:spcPct val="85000"/>
+              </a:lnSpc>
+              <a:buNone/>
+              <a:defRPr sz="2200" b="0">
+                <a:solidFill>
+                  <a:schemeClr val="tx1"/>
+                </a:solidFill>
+              </a:defRPr>
+            </a:lvl1pPr>
+            <a:lvl2pPr marL="457200" indent="0">
+              <a:buNone/>
+              <a:defRPr sz="2000" b="1"/>
+            </a:lvl2pPr>
+            <a:lvl3pPr marL="914400" indent="0">
+              <a:buNone/>
+              <a:defRPr sz="1800" b="1"/>
+            </a:lvl3pPr>
+            <a:lvl4pPr marL="1371600" indent="0">
+              <a:buNone/>
+              <a:defRPr sz="1600" b="1"/>
+            </a:lvl4pPr>
+            <a:lvl5pPr marL="1828800" indent="0">
+              <a:buNone/>
+              <a:defRPr sz="1600" b="1"/>
+            </a:lvl5pPr>
+            <a:lvl6pPr marL="2286000" indent="0">
+              <a:buNone/>
+              <a:defRPr sz="1600" b="1"/>
+            </a:lvl6pPr>
+            <a:lvl7pPr marL="2743200" indent="0">
+              <a:buNone/>
+              <a:defRPr sz="1600" b="1"/>
+            </a:lvl7pPr>
+            <a:lvl8pPr marL="3200400" indent="0">
+              <a:buNone/>
+              <a:defRPr sz="1600" b="1"/>
+            </a:lvl8pPr>
+            <a:lvl9pPr marL="3657600" indent="0">
+              <a:buNone/>
+              <a:defRPr sz="1600" b="1"/>
+            </a:lvl9pPr>
+          </a:lstStyle>
+          <a:p>
+            <a:pPr lvl="0"/>
+            <a:r>
+              <a:rPr lang="en-US"/>
+              <a:t>Click to edit Master text styles</a:t>
+            </a:r>
+          </a:p>
+        </p:txBody>
+      </p:sp>
+      <p:sp>
+        <p:nvSpPr>
+          <p:cNvPr id="26" name="Picture Placeholder 2"/>
+          <p:cNvSpPr>
+            <a:spLocks noGrp="1" noChangeAspect="1"/>
+          </p:cNvSpPr>
+          <p:nvPr>
+            <p:ph type="pic" idx="22"/>
+          </p:nvPr>
+        </p:nvSpPr>
+        <p:spPr>
+          <a:xfrm>
+            <a:off x="7973298" y="2367093"/>
+            <a:ext cx="3304928" cy="1524000"/>
+          </a:xfrm>
+          <a:prstGeom prst="roundRect">
+            <a:avLst>
+              <a:gd name="adj" fmla="val 8841"/>
+            </a:avLst>
+          </a:prstGeom>
+          <a:noFill/>
+          <a:ln w="82550" cap="sq">
+            <a:solidFill>
+              <a:srgbClr val="EAEAEA"/>
+            </a:solidFill>
+            <a:miter lim="800000"/>
+          </a:ln>
+          <a:effectLst/>
+          <a:scene3d>
+            <a:camera prst="orthographicFront"/>
+            <a:lightRig rig="threePt" dir="t">
+              <a:rot lat="0" lon="0" rev="2700000"/>
+            </a:lightRig>
+          </a:scene3d>
+          <a:sp3d contourW="6350">
+            <a:bevelT h="38100"/>
+            <a:contourClr>
+              <a:srgbClr val="C0C0C0"/>
+            </a:contourClr>
+          </a:sp3d>
+        </p:spPr>
+        <p:txBody>
+          <a:bodyPr anchor="t">
+            <a:normAutofit/>
+          </a:bodyPr>
+          <a:lstStyle>
+            <a:lvl1pPr marL="0" indent="0" algn="ctr">
+              <a:buNone/>
+              <a:defRPr sz="1600"/>
+            </a:lvl1pPr>
+            <a:lvl2pPr marL="457200" indent="0">
+              <a:buNone/>
+              <a:defRPr sz="1600"/>
+            </a:lvl2pPr>
+            <a:lvl3pPr marL="914400" indent="0">
+              <a:buNone/>
+              <a:defRPr sz="1600"/>
+            </a:lvl3pPr>
+            <a:lvl4pPr marL="1371600" indent="0">
+              <a:buNone/>
+              <a:defRPr sz="1600"/>
+            </a:lvl4pPr>
+            <a:lvl5pPr marL="1828800" indent="0">
+              <a:buNone/>
+              <a:defRPr sz="1600"/>
+            </a:lvl5pPr>
+            <a:lvl6pPr marL="2286000" indent="0">
+              <a:buNone/>
+              <a:defRPr sz="1600"/>
+            </a:lvl6pPr>
+            <a:lvl7pPr marL="2743200" indent="0">
+              <a:buNone/>
+              <a:defRPr sz="1600"/>
+            </a:lvl7pPr>
+            <a:lvl8pPr marL="3200400" indent="0">
+              <a:buNone/>
+              <a:defRPr sz="1600"/>
+            </a:lvl8pPr>
+            <a:lvl9pPr marL="3657600" indent="0">
+              <a:buNone/>
+              <a:defRPr sz="1600"/>
+            </a:lvl9pPr>
+          </a:lstStyle>
+          <a:p>
+            <a:r>
+              <a:rPr lang="en-US"/>
+              <a:t>Click icon to add picture</a:t>
+            </a:r>
+            <a:endParaRPr lang="en-US" dirty="0"/>
+          </a:p>
+        </p:txBody>
+      </p:sp>
+      <p:sp>
+        <p:nvSpPr>
+          <p:cNvPr id="27" name="Text Placeholder 3"/>
+          <p:cNvSpPr>
+            <a:spLocks noGrp="1"/>
+          </p:cNvSpPr>
+          <p:nvPr>
+            <p:ph type="body" sz="half" idx="20"/>
+          </p:nvPr>
+        </p:nvSpPr>
+        <p:spPr>
+          <a:xfrm>
+            <a:off x="7973173" y="4781078"/>
+            <a:ext cx="3305053" cy="1010121"/>
+          </a:xfrm>
+        </p:spPr>
+        <p:txBody>
+          <a:bodyPr anchor="t">
+            <a:normAutofit/>
+          </a:bodyPr>
+          <a:lstStyle>
+            <a:lvl1pPr marL="0" indent="0" algn="ctr">
+              <a:buNone/>
+              <a:defRPr sz="1400"/>
+            </a:lvl1pPr>
+            <a:lvl2pPr marL="457200" indent="0">
+              <a:buNone/>
+              <a:defRPr sz="1200"/>
+            </a:lvl2pPr>
+            <a:lvl3pPr marL="914400" indent="0">
+              <a:buNone/>
+              <a:defRPr sz="1000"/>
+            </a:lvl3pPr>
+            <a:lvl4pPr marL="1371600" indent="0">
+              <a:buNone/>
+              <a:defRPr sz="900"/>
+            </a:lvl4pPr>
+            <a:lvl5pPr marL="1828800" indent="0">
+              <a:buNone/>
+              <a:defRPr sz="900"/>
+            </a:lvl5pPr>
+            <a:lvl6pPr marL="2286000" indent="0">
+              <a:buNone/>
+              <a:defRPr sz="900"/>
+            </a:lvl6pPr>
+            <a:lvl7pPr marL="2743200" indent="0">
+              <a:buNone/>
+              <a:defRPr sz="900"/>
+            </a:lvl7pPr>
+            <a:lvl8pPr marL="3200400" indent="0">
+              <a:buNone/>
+              <a:defRPr sz="900"/>
+            </a:lvl8pPr>
+            <a:lvl9pPr marL="3657600" indent="0">
+              <a:buNone/>
+              <a:defRPr sz="900"/>
+            </a:lvl9pPr>
+          </a:lstStyle>
+          <a:p>
+            <a:pPr lvl="0"/>
+            <a:r>
+              <a:rPr lang="en-US"/>
+              <a:t>Click to edit Master text styles</a:t>
+            </a:r>
+          </a:p>
+        </p:txBody>
+      </p:sp>
+      <p:sp>
+        <p:nvSpPr>
+          <p:cNvPr id="3" name="Date Placeholder 2"/>
+          <p:cNvSpPr>
+            <a:spLocks noGrp="1"/>
+          </p:cNvSpPr>
+          <p:nvPr>
+            <p:ph type="dt" sz="half" idx="10"/>
+          </p:nvPr>
+        </p:nvSpPr>
+        <p:spPr/>
+        <p:txBody>
+          <a:bodyPr/>
+          <a:lstStyle/>
+          <a:p>
+            <a:fld id="{28F30ACE-146A-304E-8379-9558FDFEB018}" type="datetimeFigureOut">
+              <a:rPr lang="en-US" smtClean="0"/>
+              <a:t>12/7/23</a:t>
+            </a:fld>
+            <a:endParaRPr lang="en-US"/>
+          </a:p>
+        </p:txBody>
+      </p:sp>
+      <p:sp>
+        <p:nvSpPr>
+          <p:cNvPr id="4" name="Footer Placeholder 3"/>
+          <p:cNvSpPr>
+            <a:spLocks noGrp="1"/>
+          </p:cNvSpPr>
+          <p:nvPr>
+            <p:ph type="ftr" sz="quarter" idx="11"/>
+          </p:nvPr>
+        </p:nvSpPr>
+        <p:spPr/>
+        <p:txBody>
+          <a:bodyPr/>
+          <a:lstStyle/>
+          <a:p>
+            <a:endParaRPr lang="en-US"/>
+          </a:p>
+        </p:txBody>
+      </p:sp>
+      <p:sp>
+        <p:nvSpPr>
+          <p:cNvPr id="5" name="Slide Number Placeholder 4"/>
+          <p:cNvSpPr>
+            <a:spLocks noGrp="1"/>
+          </p:cNvSpPr>
+          <p:nvPr>
+            <p:ph type="sldNum" sz="quarter" idx="12"/>
+          </p:nvPr>
+        </p:nvSpPr>
+        <p:spPr/>
+        <p:txBody>
+          <a:bodyPr/>
+          <a:lstStyle/>
+          <a:p>
+            <a:fld id="{161AC9B4-5690-BE40-B4DF-D90B957DFBF2}" type="slidenum">
+              <a:rPr lang="en-US" smtClean="0"/>
+              <a:t>‹#›</a:t>
+            </a:fld>
+            <a:endParaRPr lang="en-US"/>
+          </a:p>
+        </p:txBody>
+      </p:sp>
+    </p:spTree>
+    <p:extLst>
+      <p:ext uri="{BB962C8B-B14F-4D97-AF65-F5344CB8AC3E}">
+        <p14:creationId xmlns:p14="http://schemas.microsoft.com/office/powerpoint/2010/main" val="514393727"/>
+      </p:ext>
+    </p:extLst>
+  </p:cSld>
+  <p:clrMapOvr>
+    <a:masterClrMapping/>
+  </p:clrMapOvr>
+</p:sldLayout>
+</file>
+
+<file path=ppt/slideLayouts/slideLayout16.xml><?xml version="1.0" encoding="utf-8"?>
 <p:sldLayout xmlns:a="http://schemas.openxmlformats.org/drawingml/2006/main" xmlns:r="http://schemas.openxmlformats.org/officeDocument/2006/relationships" xmlns:p="http://schemas.openxmlformats.org/presentationml/2006/main" type="vertTx" preserve="1">
   <p:cSld name="Title and Vertical Text">
     <p:spTree>
@@ -800,15 +3519,39 @@
           <a:chExt cx="0" cy="0"/>
         </a:xfrm>
       </p:grpSpPr>
-      <p:sp>
-        <p:nvSpPr>
-          <p:cNvPr id="2" name="Title 1">
+      <p:pic>
+        <p:nvPicPr>
+          <p:cNvPr id="8" name="Picture 7" descr="Droplets-HD-Content-R1d.png"/>
+          <p:cNvPicPr>
+            <a:picLocks noChangeAspect="1"/>
+          </p:cNvPicPr>
+          <p:nvPr/>
+        </p:nvPicPr>
+        <p:blipFill>
+          <a:blip r:embed="rId2">
             <a:extLst>
-              <a:ext uri="{FF2B5EF4-FFF2-40B4-BE49-F238E27FC236}">
-                <a16:creationId xmlns:a16="http://schemas.microsoft.com/office/drawing/2014/main" id="{1C296CA1-86D6-4325-73BA-5B3A977DA9DD}"/>
+              <a:ext uri="{28A0092B-C50C-407E-A947-70E740481C1C}">
+                <a14:useLocalDpi xmlns:a14="http://schemas.microsoft.com/office/drawing/2010/main" val="0"/>
               </a:ext>
             </a:extLst>
-          </p:cNvPr>
+          </a:blip>
+          <a:stretch>
+            <a:fillRect/>
+          </a:stretch>
+        </p:blipFill>
+        <p:spPr>
+          <a:xfrm>
+            <a:off x="0" y="0"/>
+            <a:ext cx="12192000" cy="6858000"/>
+          </a:xfrm>
+          <a:prstGeom prst="rect">
+            <a:avLst/>
+          </a:prstGeom>
+        </p:spPr>
+      </p:pic>
+      <p:sp>
+        <p:nvSpPr>
+          <p:cNvPr id="2" name="Title 1"/>
           <p:cNvSpPr>
             <a:spLocks noGrp="1"/>
           </p:cNvSpPr>
@@ -825,26 +3568,26 @@
               <a:rPr lang="en-US"/>
               <a:t>Click to edit Master title style</a:t>
             </a:r>
-          </a:p>
-        </p:txBody>
-      </p:sp>
-      <p:sp>
-        <p:nvSpPr>
-          <p:cNvPr id="3" name="Vertical Text Placeholder 2">
-            <a:extLst>
-              <a:ext uri="{FF2B5EF4-FFF2-40B4-BE49-F238E27FC236}">
-                <a16:creationId xmlns:a16="http://schemas.microsoft.com/office/drawing/2014/main" id="{13E6505D-5E48-DD01-6306-A304B8D64C4A}"/>
-              </a:ext>
-            </a:extLst>
-          </p:cNvPr>
-          <p:cNvSpPr>
-            <a:spLocks noGrp="1"/>
-          </p:cNvSpPr>
-          <p:nvPr>
-            <p:ph type="body" orient="vert" idx="1"/>
-          </p:nvPr>
-        </p:nvSpPr>
-        <p:spPr/>
+            <a:endParaRPr lang="en-US" dirty="0"/>
+          </a:p>
+        </p:txBody>
+      </p:sp>
+      <p:sp>
+        <p:nvSpPr>
+          <p:cNvPr id="11" name="Vertical Text Placeholder 2"/>
+          <p:cNvSpPr>
+            <a:spLocks noGrp="1"/>
+          </p:cNvSpPr>
+          <p:nvPr>
+            <p:ph type="body" orient="vert" sz="quarter" idx="13"/>
+          </p:nvPr>
+        </p:nvSpPr>
+        <p:spPr>
+          <a:xfrm>
+            <a:off x="913775" y="2367093"/>
+            <a:ext cx="10364452" cy="3424107"/>
+          </a:xfrm>
+        </p:spPr>
         <p:txBody>
           <a:bodyPr vert="eaVert"/>
           <a:lstStyle/>
@@ -882,18 +3625,13 @@
               <a:rPr lang="en-US"/>
               <a:t>Fifth level</a:t>
             </a:r>
-          </a:p>
-        </p:txBody>
-      </p:sp>
-      <p:sp>
-        <p:nvSpPr>
-          <p:cNvPr id="4" name="Date Placeholder 3">
-            <a:extLst>
-              <a:ext uri="{FF2B5EF4-FFF2-40B4-BE49-F238E27FC236}">
-                <a16:creationId xmlns:a16="http://schemas.microsoft.com/office/drawing/2014/main" id="{D89DE259-9770-3F97-CD40-9991835A5B55}"/>
-              </a:ext>
-            </a:extLst>
-          </p:cNvPr>
+            <a:endParaRPr lang="en-US" dirty="0"/>
+          </a:p>
+        </p:txBody>
+      </p:sp>
+      <p:sp>
+        <p:nvSpPr>
+          <p:cNvPr id="4" name="Date Placeholder 3"/>
           <p:cNvSpPr>
             <a:spLocks noGrp="1"/>
           </p:cNvSpPr>
@@ -916,13 +3654,7 @@
       </p:sp>
       <p:sp>
         <p:nvSpPr>
-          <p:cNvPr id="5" name="Footer Placeholder 4">
-            <a:extLst>
-              <a:ext uri="{FF2B5EF4-FFF2-40B4-BE49-F238E27FC236}">
-                <a16:creationId xmlns:a16="http://schemas.microsoft.com/office/drawing/2014/main" id="{812F42EB-B4F2-EAB3-E7C1-C9B1A3B7BFB6}"/>
-              </a:ext>
-            </a:extLst>
-          </p:cNvPr>
+          <p:cNvPr id="5" name="Footer Placeholder 4"/>
           <p:cNvSpPr>
             <a:spLocks noGrp="1"/>
           </p:cNvSpPr>
@@ -941,13 +3673,7 @@
       </p:sp>
       <p:sp>
         <p:nvSpPr>
-          <p:cNvPr id="6" name="Slide Number Placeholder 5">
-            <a:extLst>
-              <a:ext uri="{FF2B5EF4-FFF2-40B4-BE49-F238E27FC236}">
-                <a16:creationId xmlns:a16="http://schemas.microsoft.com/office/drawing/2014/main" id="{EB0E5B0A-1FAA-EF9B-82B4-34C7FE360203}"/>
-              </a:ext>
-            </a:extLst>
-          </p:cNvPr>
+          <p:cNvPr id="6" name="Slide Number Placeholder 5"/>
           <p:cNvSpPr>
             <a:spLocks noGrp="1"/>
           </p:cNvSpPr>
@@ -971,7 +3697,7 @@
     </p:spTree>
     <p:extLst>
       <p:ext uri="{BB962C8B-B14F-4D97-AF65-F5344CB8AC3E}">
-        <p14:creationId xmlns:p14="http://schemas.microsoft.com/office/powerpoint/2010/main" val="4025295690"/>
+        <p14:creationId xmlns:p14="http://schemas.microsoft.com/office/powerpoint/2010/main" val="2185212227"/>
       </p:ext>
     </p:extLst>
   </p:cSld>
@@ -981,7 +3707,7 @@
 </p:sldLayout>
 </file>
 
-<file path=ppt/slideLayouts/slideLayout11.xml><?xml version="1.0" encoding="utf-8"?>
+<file path=ppt/slideLayouts/slideLayout17.xml><?xml version="1.0" encoding="utf-8"?>
 <p:sldLayout xmlns:a="http://schemas.openxmlformats.org/drawingml/2006/main" xmlns:r="http://schemas.openxmlformats.org/officeDocument/2006/relationships" xmlns:p="http://schemas.openxmlformats.org/presentationml/2006/main" type="vertTitleAndTx" preserve="1">
   <p:cSld name="Vertical Title and Text">
     <p:spTree>
@@ -998,15 +3724,39 @@
           <a:chExt cx="0" cy="0"/>
         </a:xfrm>
       </p:grpSpPr>
-      <p:sp>
-        <p:nvSpPr>
-          <p:cNvPr id="2" name="Vertical Title 1">
+      <p:pic>
+        <p:nvPicPr>
+          <p:cNvPr id="9" name="Picture 8" descr="Droplets-HD-Content-R1d.png"/>
+          <p:cNvPicPr>
+            <a:picLocks noChangeAspect="1"/>
+          </p:cNvPicPr>
+          <p:nvPr/>
+        </p:nvPicPr>
+        <p:blipFill>
+          <a:blip r:embed="rId2">
             <a:extLst>
-              <a:ext uri="{FF2B5EF4-FFF2-40B4-BE49-F238E27FC236}">
-                <a16:creationId xmlns:a16="http://schemas.microsoft.com/office/drawing/2014/main" id="{9A78D8FE-8EF8-86F2-E450-337E1DD67022}"/>
+              <a:ext uri="{28A0092B-C50C-407E-A947-70E740481C1C}">
+                <a14:useLocalDpi xmlns:a14="http://schemas.microsoft.com/office/drawing/2010/main" val="0"/>
               </a:ext>
             </a:extLst>
-          </p:cNvPr>
+          </a:blip>
+          <a:stretch>
+            <a:fillRect/>
+          </a:stretch>
+        </p:blipFill>
+        <p:spPr>
+          <a:xfrm>
+            <a:off x="0" y="0"/>
+            <a:ext cx="12192000" cy="6858000"/>
+          </a:xfrm>
+          <a:prstGeom prst="rect">
+            <a:avLst/>
+          </a:prstGeom>
+        </p:spPr>
+      </p:pic>
+      <p:sp>
+        <p:nvSpPr>
+          <p:cNvPr id="2" name="Vertical Title 1"/>
           <p:cNvSpPr>
             <a:spLocks noGrp="1"/>
           </p:cNvSpPr>
@@ -1016,41 +3766,40 @@
         </p:nvSpPr>
         <p:spPr>
           <a:xfrm>
-            <a:off x="8724900" y="365125"/>
-            <a:ext cx="2628900" cy="5811838"/>
+            <a:off x="8724900" y="609601"/>
+            <a:ext cx="2553326" cy="5181599"/>
           </a:xfrm>
         </p:spPr>
         <p:txBody>
           <a:bodyPr vert="eaVert"/>
-          <a:lstStyle/>
+          <a:lstStyle>
+            <a:lvl1pPr algn="l">
+              <a:defRPr/>
+            </a:lvl1pPr>
+          </a:lstStyle>
           <a:p>
             <a:r>
               <a:rPr lang="en-US"/>
               <a:t>Click to edit Master title style</a:t>
             </a:r>
-          </a:p>
-        </p:txBody>
-      </p:sp>
-      <p:sp>
-        <p:nvSpPr>
-          <p:cNvPr id="3" name="Vertical Text Placeholder 2">
-            <a:extLst>
-              <a:ext uri="{FF2B5EF4-FFF2-40B4-BE49-F238E27FC236}">
-                <a16:creationId xmlns:a16="http://schemas.microsoft.com/office/drawing/2014/main" id="{6344D042-D45A-DF7C-6E25-0BDA452BD4E1}"/>
-              </a:ext>
-            </a:extLst>
-          </p:cNvPr>
-          <p:cNvSpPr>
-            <a:spLocks noGrp="1"/>
-          </p:cNvSpPr>
-          <p:nvPr>
-            <p:ph type="body" orient="vert" idx="1"/>
-          </p:nvPr>
-        </p:nvSpPr>
-        <p:spPr>
-          <a:xfrm>
-            <a:off x="838200" y="365125"/>
-            <a:ext cx="7734300" cy="5811838"/>
+            <a:endParaRPr lang="en-US" dirty="0"/>
+          </a:p>
+        </p:txBody>
+      </p:sp>
+      <p:sp>
+        <p:nvSpPr>
+          <p:cNvPr id="8" name="Vertical Text Placeholder 2"/>
+          <p:cNvSpPr>
+            <a:spLocks noGrp="1"/>
+          </p:cNvSpPr>
+          <p:nvPr>
+            <p:ph type="body" orient="vert" sz="quarter" idx="13"/>
+          </p:nvPr>
+        </p:nvSpPr>
+        <p:spPr>
+          <a:xfrm>
+            <a:off x="913775" y="609601"/>
+            <a:ext cx="7658724" cy="5181599"/>
           </a:xfrm>
         </p:spPr>
         <p:txBody>
@@ -1090,18 +3839,13 @@
               <a:rPr lang="en-US"/>
               <a:t>Fifth level</a:t>
             </a:r>
-          </a:p>
-        </p:txBody>
-      </p:sp>
-      <p:sp>
-        <p:nvSpPr>
-          <p:cNvPr id="4" name="Date Placeholder 3">
-            <a:extLst>
-              <a:ext uri="{FF2B5EF4-FFF2-40B4-BE49-F238E27FC236}">
-                <a16:creationId xmlns:a16="http://schemas.microsoft.com/office/drawing/2014/main" id="{F8DE2093-5815-FA3B-D087-2A2974C4C6D8}"/>
-              </a:ext>
-            </a:extLst>
-          </p:cNvPr>
+            <a:endParaRPr lang="en-US" dirty="0"/>
+          </a:p>
+        </p:txBody>
+      </p:sp>
+      <p:sp>
+        <p:nvSpPr>
+          <p:cNvPr id="4" name="Date Placeholder 3"/>
           <p:cNvSpPr>
             <a:spLocks noGrp="1"/>
           </p:cNvSpPr>
@@ -1124,13 +3868,7 @@
       </p:sp>
       <p:sp>
         <p:nvSpPr>
-          <p:cNvPr id="5" name="Footer Placeholder 4">
-            <a:extLst>
-              <a:ext uri="{FF2B5EF4-FFF2-40B4-BE49-F238E27FC236}">
-                <a16:creationId xmlns:a16="http://schemas.microsoft.com/office/drawing/2014/main" id="{038245C1-8C78-FA0B-5800-28259A496689}"/>
-              </a:ext>
-            </a:extLst>
-          </p:cNvPr>
+          <p:cNvPr id="5" name="Footer Placeholder 4"/>
           <p:cNvSpPr>
             <a:spLocks noGrp="1"/>
           </p:cNvSpPr>
@@ -1149,13 +3887,7 @@
       </p:sp>
       <p:sp>
         <p:nvSpPr>
-          <p:cNvPr id="6" name="Slide Number Placeholder 5">
-            <a:extLst>
-              <a:ext uri="{FF2B5EF4-FFF2-40B4-BE49-F238E27FC236}">
-                <a16:creationId xmlns:a16="http://schemas.microsoft.com/office/drawing/2014/main" id="{03ADCD75-D5E1-C2EA-ECC6-0BE00BD3E06C}"/>
-              </a:ext>
-            </a:extLst>
-          </p:cNvPr>
+          <p:cNvPr id="6" name="Slide Number Placeholder 5"/>
           <p:cNvSpPr>
             <a:spLocks noGrp="1"/>
           </p:cNvSpPr>
@@ -1179,7 +3911,177 @@
     </p:spTree>
     <p:extLst>
       <p:ext uri="{BB962C8B-B14F-4D97-AF65-F5344CB8AC3E}">
-        <p14:creationId xmlns:p14="http://schemas.microsoft.com/office/powerpoint/2010/main" val="875426380"/>
+        <p14:creationId xmlns:p14="http://schemas.microsoft.com/office/powerpoint/2010/main" val="1586382489"/>
+      </p:ext>
+    </p:extLst>
+  </p:cSld>
+  <p:clrMapOvr>
+    <a:masterClrMapping/>
+  </p:clrMapOvr>
+</p:sldLayout>
+</file>
+
+<file path=ppt/slideLayouts/slideLayout18.xml><?xml version="1.0" encoding="utf-8"?>
+<p:sldLayout xmlns:a="http://schemas.openxmlformats.org/drawingml/2006/main" xmlns:r="http://schemas.openxmlformats.org/officeDocument/2006/relationships" xmlns:p="http://schemas.openxmlformats.org/presentationml/2006/main" type="obj">
+  <p:cSld name="1_Title and Content">
+    <p:spTree>
+      <p:nvGrpSpPr>
+        <p:cNvPr id="1" name=""/>
+        <p:cNvGrpSpPr/>
+        <p:nvPr/>
+      </p:nvGrpSpPr>
+      <p:grpSpPr>
+        <a:xfrm>
+          <a:off x="0" y="0"/>
+          <a:ext cx="0" cy="0"/>
+          <a:chOff x="0" y="0"/>
+          <a:chExt cx="0" cy="0"/>
+        </a:xfrm>
+      </p:grpSpPr>
+      <p:sp>
+        <p:nvSpPr>
+          <p:cNvPr id="2" name="Title 1"/>
+          <p:cNvSpPr>
+            <a:spLocks noGrp="1"/>
+          </p:cNvSpPr>
+          <p:nvPr>
+            <p:ph type="title"/>
+          </p:nvPr>
+        </p:nvSpPr>
+        <p:spPr/>
+        <p:txBody>
+          <a:bodyPr/>
+          <a:lstStyle/>
+          <a:p>
+            <a:r>
+              <a:rPr lang="en-US"/>
+              <a:t>Click to edit Master title style</a:t>
+            </a:r>
+            <a:endParaRPr lang="en-US" dirty="0"/>
+          </a:p>
+        </p:txBody>
+      </p:sp>
+      <p:sp>
+        <p:nvSpPr>
+          <p:cNvPr id="3" name="Content Placeholder 2"/>
+          <p:cNvSpPr>
+            <a:spLocks noGrp="1"/>
+          </p:cNvSpPr>
+          <p:nvPr>
+            <p:ph idx="1"/>
+          </p:nvPr>
+        </p:nvSpPr>
+        <p:spPr/>
+        <p:txBody>
+          <a:bodyPr/>
+          <a:lstStyle/>
+          <a:p>
+            <a:pPr lvl="0"/>
+            <a:r>
+              <a:rPr lang="en-US"/>
+              <a:t>Click to edit Master text styles</a:t>
+            </a:r>
+          </a:p>
+          <a:p>
+            <a:pPr lvl="1"/>
+            <a:r>
+              <a:rPr lang="en-US"/>
+              <a:t>Second level</a:t>
+            </a:r>
+          </a:p>
+          <a:p>
+            <a:pPr lvl="2"/>
+            <a:r>
+              <a:rPr lang="en-US"/>
+              <a:t>Third level</a:t>
+            </a:r>
+          </a:p>
+          <a:p>
+            <a:pPr lvl="3"/>
+            <a:r>
+              <a:rPr lang="en-US"/>
+              <a:t>Fourth level</a:t>
+            </a:r>
+          </a:p>
+          <a:p>
+            <a:pPr lvl="4"/>
+            <a:r>
+              <a:rPr lang="en-US"/>
+              <a:t>Fifth level</a:t>
+            </a:r>
+            <a:endParaRPr lang="en-US" dirty="0"/>
+          </a:p>
+        </p:txBody>
+      </p:sp>
+      <p:sp>
+        <p:nvSpPr>
+          <p:cNvPr id="4" name="Date Placeholder 3"/>
+          <p:cNvSpPr>
+            <a:spLocks noGrp="1"/>
+          </p:cNvSpPr>
+          <p:nvPr>
+            <p:ph type="dt" sz="half" idx="10"/>
+          </p:nvPr>
+        </p:nvSpPr>
+        <p:spPr/>
+        <p:txBody>
+          <a:bodyPr/>
+          <a:lstStyle/>
+          <a:p>
+            <a:fld id="{28F30ACE-146A-304E-8379-9558FDFEB018}" type="datetimeFigureOut">
+              <a:rPr lang="en-US" smtClean="0"/>
+              <a:t>12/7/23</a:t>
+            </a:fld>
+            <a:endParaRPr lang="en-US"/>
+          </a:p>
+        </p:txBody>
+      </p:sp>
+      <p:sp>
+        <p:nvSpPr>
+          <p:cNvPr id="5" name="Footer Placeholder 4"/>
+          <p:cNvSpPr>
+            <a:spLocks noGrp="1"/>
+          </p:cNvSpPr>
+          <p:nvPr>
+            <p:ph type="ftr" sz="quarter" idx="11"/>
+          </p:nvPr>
+        </p:nvSpPr>
+        <p:spPr/>
+        <p:txBody>
+          <a:bodyPr/>
+          <a:lstStyle/>
+          <a:p>
+            <a:endParaRPr lang="en-US"/>
+          </a:p>
+        </p:txBody>
+      </p:sp>
+      <p:sp>
+        <p:nvSpPr>
+          <p:cNvPr id="6" name="Slide Number Placeholder 5"/>
+          <p:cNvSpPr>
+            <a:spLocks noGrp="1"/>
+          </p:cNvSpPr>
+          <p:nvPr>
+            <p:ph type="sldNum" sz="quarter" idx="12"/>
+          </p:nvPr>
+        </p:nvSpPr>
+        <p:spPr/>
+        <p:txBody>
+          <a:bodyPr/>
+          <a:lstStyle/>
+          <a:p>
+            <a:fld id="{161AC9B4-5690-BE40-B4DF-D90B957DFBF2}" type="slidenum">
+              <a:rPr lang="en-US" smtClean="0"/>
+              <a:t>‹#›</a:t>
+            </a:fld>
+            <a:endParaRPr lang="en-US"/>
+          </a:p>
+        </p:txBody>
+      </p:sp>
+    </p:spTree>
+    <p:extLst>
+      <p:ext uri="{BB962C8B-B14F-4D97-AF65-F5344CB8AC3E}">
+        <p14:creationId xmlns:p14="http://schemas.microsoft.com/office/powerpoint/2010/main" val="1070129126"/>
       </p:ext>
     </p:extLst>
   </p:cSld>
@@ -1206,15 +4108,39 @@
           <a:chExt cx="0" cy="0"/>
         </a:xfrm>
       </p:grpSpPr>
-      <p:sp>
-        <p:nvSpPr>
-          <p:cNvPr id="2" name="Title 1">
+      <p:pic>
+        <p:nvPicPr>
+          <p:cNvPr id="3" name="Picture 2" descr="Droplets-HD-Content-R1d.png"/>
+          <p:cNvPicPr>
+            <a:picLocks noChangeAspect="1"/>
+          </p:cNvPicPr>
+          <p:nvPr/>
+        </p:nvPicPr>
+        <p:blipFill>
+          <a:blip r:embed="rId2">
             <a:extLst>
-              <a:ext uri="{FF2B5EF4-FFF2-40B4-BE49-F238E27FC236}">
-                <a16:creationId xmlns:a16="http://schemas.microsoft.com/office/drawing/2014/main" id="{DA279CCC-560E-7584-81B2-CE3299F05EBB}"/>
+              <a:ext uri="{28A0092B-C50C-407E-A947-70E740481C1C}">
+                <a14:useLocalDpi xmlns:a14="http://schemas.microsoft.com/office/drawing/2010/main" val="0"/>
               </a:ext>
             </a:extLst>
-          </p:cNvPr>
+          </a:blip>
+          <a:stretch>
+            <a:fillRect/>
+          </a:stretch>
+        </p:blipFill>
+        <p:spPr>
+          <a:xfrm>
+            <a:off x="0" y="0"/>
+            <a:ext cx="12192000" cy="6858000"/>
+          </a:xfrm>
+          <a:prstGeom prst="rect">
+            <a:avLst/>
+          </a:prstGeom>
+        </p:spPr>
+      </p:pic>
+      <p:sp>
+        <p:nvSpPr>
+          <p:cNvPr id="2" name="Title 1"/>
           <p:cNvSpPr>
             <a:spLocks noGrp="1"/>
           </p:cNvSpPr>
@@ -1231,26 +4157,26 @@
               <a:rPr lang="en-US"/>
               <a:t>Click to edit Master title style</a:t>
             </a:r>
-          </a:p>
-        </p:txBody>
-      </p:sp>
-      <p:sp>
-        <p:nvSpPr>
-          <p:cNvPr id="3" name="Content Placeholder 2">
-            <a:extLst>
-              <a:ext uri="{FF2B5EF4-FFF2-40B4-BE49-F238E27FC236}">
-                <a16:creationId xmlns:a16="http://schemas.microsoft.com/office/drawing/2014/main" id="{647C433C-CE67-7163-A3CF-0434D945041E}"/>
-              </a:ext>
-            </a:extLst>
-          </p:cNvPr>
-          <p:cNvSpPr>
-            <a:spLocks noGrp="1"/>
-          </p:cNvSpPr>
-          <p:nvPr>
-            <p:ph idx="1"/>
-          </p:nvPr>
-        </p:nvSpPr>
-        <p:spPr/>
+            <a:endParaRPr lang="en-US" dirty="0"/>
+          </a:p>
+        </p:txBody>
+      </p:sp>
+      <p:sp>
+        <p:nvSpPr>
+          <p:cNvPr id="12" name="Content Placeholder 2"/>
+          <p:cNvSpPr>
+            <a:spLocks noGrp="1"/>
+          </p:cNvSpPr>
+          <p:nvPr>
+            <p:ph sz="quarter" idx="13"/>
+          </p:nvPr>
+        </p:nvSpPr>
+        <p:spPr>
+          <a:xfrm>
+            <a:off x="913774" y="2367092"/>
+            <a:ext cx="10363826" cy="3424107"/>
+          </a:xfrm>
+        </p:spPr>
         <p:txBody>
           <a:bodyPr/>
           <a:lstStyle/>
@@ -1288,18 +4214,13 @@
               <a:rPr lang="en-US"/>
               <a:t>Fifth level</a:t>
             </a:r>
-          </a:p>
-        </p:txBody>
-      </p:sp>
-      <p:sp>
-        <p:nvSpPr>
-          <p:cNvPr id="4" name="Date Placeholder 3">
-            <a:extLst>
-              <a:ext uri="{FF2B5EF4-FFF2-40B4-BE49-F238E27FC236}">
-                <a16:creationId xmlns:a16="http://schemas.microsoft.com/office/drawing/2014/main" id="{2243D641-F6D3-D37A-9DAD-309AD48E9F82}"/>
-              </a:ext>
-            </a:extLst>
-          </p:cNvPr>
+            <a:endParaRPr lang="en-US" dirty="0"/>
+          </a:p>
+        </p:txBody>
+      </p:sp>
+      <p:sp>
+        <p:nvSpPr>
+          <p:cNvPr id="4" name="Date Placeholder 3"/>
           <p:cNvSpPr>
             <a:spLocks noGrp="1"/>
           </p:cNvSpPr>
@@ -1322,13 +4243,7 @@
       </p:sp>
       <p:sp>
         <p:nvSpPr>
-          <p:cNvPr id="5" name="Footer Placeholder 4">
-            <a:extLst>
-              <a:ext uri="{FF2B5EF4-FFF2-40B4-BE49-F238E27FC236}">
-                <a16:creationId xmlns:a16="http://schemas.microsoft.com/office/drawing/2014/main" id="{5125D767-B804-BE62-E36C-9FEE2FA1A0F3}"/>
-              </a:ext>
-            </a:extLst>
-          </p:cNvPr>
+          <p:cNvPr id="5" name="Footer Placeholder 4"/>
           <p:cNvSpPr>
             <a:spLocks noGrp="1"/>
           </p:cNvSpPr>
@@ -1347,13 +4262,7 @@
       </p:sp>
       <p:sp>
         <p:nvSpPr>
-          <p:cNvPr id="6" name="Slide Number Placeholder 5">
-            <a:extLst>
-              <a:ext uri="{FF2B5EF4-FFF2-40B4-BE49-F238E27FC236}">
-                <a16:creationId xmlns:a16="http://schemas.microsoft.com/office/drawing/2014/main" id="{7EC7E40A-8FFC-4126-BFE1-53D5BB0BED2F}"/>
-              </a:ext>
-            </a:extLst>
-          </p:cNvPr>
+          <p:cNvPr id="6" name="Slide Number Placeholder 5"/>
           <p:cNvSpPr>
             <a:spLocks noGrp="1"/>
           </p:cNvSpPr>
@@ -1377,7 +4286,7 @@
     </p:spTree>
     <p:extLst>
       <p:ext uri="{BB962C8B-B14F-4D97-AF65-F5344CB8AC3E}">
-        <p14:creationId xmlns:p14="http://schemas.microsoft.com/office/powerpoint/2010/main" val="2569208952"/>
+        <p14:creationId xmlns:p14="http://schemas.microsoft.com/office/powerpoint/2010/main" val="2770434435"/>
       </p:ext>
     </p:extLst>
   </p:cSld>
@@ -1404,15 +4313,39 @@
           <a:chExt cx="0" cy="0"/>
         </a:xfrm>
       </p:grpSpPr>
-      <p:sp>
-        <p:nvSpPr>
-          <p:cNvPr id="2" name="Title 1">
+      <p:pic>
+        <p:nvPicPr>
+          <p:cNvPr id="9" name="Picture 8" descr="Droplets-HD-Content-R1d.png"/>
+          <p:cNvPicPr>
+            <a:picLocks noChangeAspect="1"/>
+          </p:cNvPicPr>
+          <p:nvPr/>
+        </p:nvPicPr>
+        <p:blipFill>
+          <a:blip r:embed="rId2">
             <a:extLst>
-              <a:ext uri="{FF2B5EF4-FFF2-40B4-BE49-F238E27FC236}">
-                <a16:creationId xmlns:a16="http://schemas.microsoft.com/office/drawing/2014/main" id="{9C570830-1E5E-8F61-8B6E-2CFB57DE5E38}"/>
+              <a:ext uri="{28A0092B-C50C-407E-A947-70E740481C1C}">
+                <a14:useLocalDpi xmlns:a14="http://schemas.microsoft.com/office/drawing/2010/main" val="0"/>
               </a:ext>
             </a:extLst>
-          </p:cNvPr>
+          </a:blip>
+          <a:stretch>
+            <a:fillRect/>
+          </a:stretch>
+        </p:blipFill>
+        <p:spPr>
+          <a:xfrm>
+            <a:off x="0" y="0"/>
+            <a:ext cx="12192000" cy="6858000"/>
+          </a:xfrm>
+          <a:prstGeom prst="rect">
+            <a:avLst/>
+          </a:prstGeom>
+        </p:spPr>
+      </p:pic>
+      <p:sp>
+        <p:nvSpPr>
+          <p:cNvPr id="2" name="Title 1"/>
           <p:cNvSpPr>
             <a:spLocks noGrp="1"/>
           </p:cNvSpPr>
@@ -1422,15 +4355,17 @@
         </p:nvSpPr>
         <p:spPr>
           <a:xfrm>
-            <a:off x="831850" y="1709738"/>
-            <a:ext cx="10515600" cy="2852737"/>
-          </a:xfrm>
-        </p:spPr>
-        <p:txBody>
-          <a:bodyPr anchor="b"/>
+            <a:off x="913774" y="828563"/>
+            <a:ext cx="10351752" cy="2736819"/>
+          </a:xfrm>
+        </p:spPr>
+        <p:txBody>
+          <a:bodyPr anchor="b">
+            <a:normAutofit/>
+          </a:bodyPr>
           <a:lstStyle>
             <a:lvl1pPr>
-              <a:defRPr sz="6000"/>
+              <a:defRPr sz="4000"/>
             </a:lvl1pPr>
           </a:lstStyle>
           <a:p>
@@ -1438,18 +4373,13 @@
               <a:rPr lang="en-US"/>
               <a:t>Click to edit Master title style</a:t>
             </a:r>
-          </a:p>
-        </p:txBody>
-      </p:sp>
-      <p:sp>
-        <p:nvSpPr>
-          <p:cNvPr id="3" name="Text Placeholder 2">
-            <a:extLst>
-              <a:ext uri="{FF2B5EF4-FFF2-40B4-BE49-F238E27FC236}">
-                <a16:creationId xmlns:a16="http://schemas.microsoft.com/office/drawing/2014/main" id="{75A48E97-BC27-DFAE-9E23-79B0C4FCD864}"/>
-              </a:ext>
-            </a:extLst>
-          </p:cNvPr>
+            <a:endParaRPr lang="en-US" dirty="0"/>
+          </a:p>
+        </p:txBody>
+      </p:sp>
+      <p:sp>
+        <p:nvSpPr>
+          <p:cNvPr id="3" name="Text Placeholder 2"/>
           <p:cNvSpPr>
             <a:spLocks noGrp="1"/>
           </p:cNvSpPr>
@@ -1459,19 +4389,21 @@
         </p:nvSpPr>
         <p:spPr>
           <a:xfrm>
-            <a:off x="831850" y="4589463"/>
-            <a:ext cx="10515600" cy="1500187"/>
-          </a:xfrm>
-        </p:spPr>
-        <p:txBody>
-          <a:bodyPr/>
+            <a:off x="913774" y="3657457"/>
+            <a:ext cx="10351752" cy="1368183"/>
+          </a:xfrm>
+        </p:spPr>
+        <p:txBody>
+          <a:bodyPr>
+            <a:normAutofit/>
+          </a:bodyPr>
           <a:lstStyle>
-            <a:lvl1pPr marL="0" indent="0">
-              <a:buNone/>
-              <a:defRPr sz="2400">
+            <a:lvl1pPr marL="0" indent="0" algn="ctr">
+              <a:buNone/>
+              <a:defRPr sz="2000">
                 <a:solidFill>
-                  <a:schemeClr val="tx1">
-                    <a:tint val="75000"/>
+                  <a:schemeClr val="bg1">
+                    <a:lumMod val="50000"/>
                   </a:schemeClr>
                 </a:solidFill>
               </a:defRPr>
@@ -1568,13 +4500,7 @@
       </p:sp>
       <p:sp>
         <p:nvSpPr>
-          <p:cNvPr id="4" name="Date Placeholder 3">
-            <a:extLst>
-              <a:ext uri="{FF2B5EF4-FFF2-40B4-BE49-F238E27FC236}">
-                <a16:creationId xmlns:a16="http://schemas.microsoft.com/office/drawing/2014/main" id="{72F97734-60E9-62DE-C72B-B9737FE3EB60}"/>
-              </a:ext>
-            </a:extLst>
-          </p:cNvPr>
+          <p:cNvPr id="4" name="Date Placeholder 3"/>
           <p:cNvSpPr>
             <a:spLocks noGrp="1"/>
           </p:cNvSpPr>
@@ -1597,13 +4523,7 @@
       </p:sp>
       <p:sp>
         <p:nvSpPr>
-          <p:cNvPr id="5" name="Footer Placeholder 4">
-            <a:extLst>
-              <a:ext uri="{FF2B5EF4-FFF2-40B4-BE49-F238E27FC236}">
-                <a16:creationId xmlns:a16="http://schemas.microsoft.com/office/drawing/2014/main" id="{66DA82F0-5324-922E-8333-B8833C18BE9F}"/>
-              </a:ext>
-            </a:extLst>
-          </p:cNvPr>
+          <p:cNvPr id="5" name="Footer Placeholder 4"/>
           <p:cNvSpPr>
             <a:spLocks noGrp="1"/>
           </p:cNvSpPr>
@@ -1622,13 +4542,7 @@
       </p:sp>
       <p:sp>
         <p:nvSpPr>
-          <p:cNvPr id="6" name="Slide Number Placeholder 5">
-            <a:extLst>
-              <a:ext uri="{FF2B5EF4-FFF2-40B4-BE49-F238E27FC236}">
-                <a16:creationId xmlns:a16="http://schemas.microsoft.com/office/drawing/2014/main" id="{0F377A22-5384-0FFA-9B4A-DA8C22361630}"/>
-              </a:ext>
-            </a:extLst>
-          </p:cNvPr>
+          <p:cNvPr id="6" name="Slide Number Placeholder 5"/>
           <p:cNvSpPr>
             <a:spLocks noGrp="1"/>
           </p:cNvSpPr>
@@ -1652,7 +4566,7 @@
     </p:spTree>
     <p:extLst>
       <p:ext uri="{BB962C8B-B14F-4D97-AF65-F5344CB8AC3E}">
-        <p14:creationId xmlns:p14="http://schemas.microsoft.com/office/powerpoint/2010/main" val="147183393"/>
+        <p14:creationId xmlns:p14="http://schemas.microsoft.com/office/powerpoint/2010/main" val="631891341"/>
       </p:ext>
     </p:extLst>
   </p:cSld>
@@ -1679,15 +4593,39 @@
           <a:chExt cx="0" cy="0"/>
         </a:xfrm>
       </p:grpSpPr>
-      <p:sp>
-        <p:nvSpPr>
-          <p:cNvPr id="2" name="Title 1">
+      <p:pic>
+        <p:nvPicPr>
+          <p:cNvPr id="10" name="Picture 9" descr="Droplets-HD-Content-R1d.png"/>
+          <p:cNvPicPr>
+            <a:picLocks noChangeAspect="1"/>
+          </p:cNvPicPr>
+          <p:nvPr/>
+        </p:nvPicPr>
+        <p:blipFill>
+          <a:blip r:embed="rId2">
             <a:extLst>
-              <a:ext uri="{FF2B5EF4-FFF2-40B4-BE49-F238E27FC236}">
-                <a16:creationId xmlns:a16="http://schemas.microsoft.com/office/drawing/2014/main" id="{B081A981-0A84-E657-40CB-BD5953190461}"/>
+              <a:ext uri="{28A0092B-C50C-407E-A947-70E740481C1C}">
+                <a14:useLocalDpi xmlns:a14="http://schemas.microsoft.com/office/drawing/2010/main" val="0"/>
               </a:ext>
             </a:extLst>
-          </p:cNvPr>
+          </a:blip>
+          <a:stretch>
+            <a:fillRect/>
+          </a:stretch>
+        </p:blipFill>
+        <p:spPr>
+          <a:xfrm>
+            <a:off x="0" y="0"/>
+            <a:ext cx="12192000" cy="6858000"/>
+          </a:xfrm>
+          <a:prstGeom prst="rect">
+            <a:avLst/>
+          </a:prstGeom>
+        </p:spPr>
+      </p:pic>
+      <p:sp>
+        <p:nvSpPr>
+          <p:cNvPr id="14" name="Title 1"/>
           <p:cNvSpPr>
             <a:spLocks noGrp="1"/>
           </p:cNvSpPr>
@@ -1695,7 +4633,12 @@
             <p:ph type="title"/>
           </p:nvPr>
         </p:nvSpPr>
-        <p:spPr/>
+        <p:spPr>
+          <a:xfrm>
+            <a:off x="913775" y="618517"/>
+            <a:ext cx="10364451" cy="1596177"/>
+          </a:xfrm>
+        </p:spPr>
         <p:txBody>
           <a:bodyPr/>
           <a:lstStyle/>
@@ -1704,29 +4647,24 @@
               <a:rPr lang="en-US"/>
               <a:t>Click to edit Master title style</a:t>
             </a:r>
-          </a:p>
-        </p:txBody>
-      </p:sp>
-      <p:sp>
-        <p:nvSpPr>
-          <p:cNvPr id="3" name="Content Placeholder 2">
-            <a:extLst>
-              <a:ext uri="{FF2B5EF4-FFF2-40B4-BE49-F238E27FC236}">
-                <a16:creationId xmlns:a16="http://schemas.microsoft.com/office/drawing/2014/main" id="{BDA1878D-0244-FDF2-E293-ED41AED1FC65}"/>
-              </a:ext>
-            </a:extLst>
-          </p:cNvPr>
-          <p:cNvSpPr>
-            <a:spLocks noGrp="1"/>
-          </p:cNvSpPr>
-          <p:nvPr>
-            <p:ph sz="half" idx="1"/>
-          </p:nvPr>
-        </p:nvSpPr>
-        <p:spPr>
-          <a:xfrm>
-            <a:off x="838200" y="1825625"/>
-            <a:ext cx="5181600" cy="4351338"/>
+            <a:endParaRPr lang="en-US" dirty="0"/>
+          </a:p>
+        </p:txBody>
+      </p:sp>
+      <p:sp>
+        <p:nvSpPr>
+          <p:cNvPr id="12" name="Content Placeholder 2"/>
+          <p:cNvSpPr>
+            <a:spLocks noGrp="1"/>
+          </p:cNvSpPr>
+          <p:nvPr>
+            <p:ph sz="quarter" idx="13"/>
+          </p:nvPr>
+        </p:nvSpPr>
+        <p:spPr>
+          <a:xfrm>
+            <a:off x="913774" y="2367092"/>
+            <a:ext cx="5106026" cy="3424107"/>
           </a:xfrm>
         </p:spPr>
         <p:txBody>
@@ -1766,29 +4704,24 @@
               <a:rPr lang="en-US"/>
               <a:t>Fifth level</a:t>
             </a:r>
-          </a:p>
-        </p:txBody>
-      </p:sp>
-      <p:sp>
-        <p:nvSpPr>
-          <p:cNvPr id="4" name="Content Placeholder 3">
-            <a:extLst>
-              <a:ext uri="{FF2B5EF4-FFF2-40B4-BE49-F238E27FC236}">
-                <a16:creationId xmlns:a16="http://schemas.microsoft.com/office/drawing/2014/main" id="{8CAB4900-59A7-ABF4-6B6F-547CC60A8348}"/>
-              </a:ext>
-            </a:extLst>
-          </p:cNvPr>
-          <p:cNvSpPr>
-            <a:spLocks noGrp="1"/>
-          </p:cNvSpPr>
-          <p:nvPr>
-            <p:ph sz="half" idx="2"/>
-          </p:nvPr>
-        </p:nvSpPr>
-        <p:spPr>
-          <a:xfrm>
-            <a:off x="6172200" y="1825625"/>
-            <a:ext cx="5181600" cy="4351338"/>
+            <a:endParaRPr lang="en-US" dirty="0"/>
+          </a:p>
+        </p:txBody>
+      </p:sp>
+      <p:sp>
+        <p:nvSpPr>
+          <p:cNvPr id="13" name="Content Placeholder 3"/>
+          <p:cNvSpPr>
+            <a:spLocks noGrp="1"/>
+          </p:cNvSpPr>
+          <p:nvPr>
+            <p:ph sz="quarter" idx="14"/>
+          </p:nvPr>
+        </p:nvSpPr>
+        <p:spPr>
+          <a:xfrm>
+            <a:off x="6172200" y="2367092"/>
+            <a:ext cx="5105400" cy="3424107"/>
           </a:xfrm>
         </p:spPr>
         <p:txBody>
@@ -1828,18 +4761,13 @@
               <a:rPr lang="en-US"/>
               <a:t>Fifth level</a:t>
             </a:r>
-          </a:p>
-        </p:txBody>
-      </p:sp>
-      <p:sp>
-        <p:nvSpPr>
-          <p:cNvPr id="5" name="Date Placeholder 4">
-            <a:extLst>
-              <a:ext uri="{FF2B5EF4-FFF2-40B4-BE49-F238E27FC236}">
-                <a16:creationId xmlns:a16="http://schemas.microsoft.com/office/drawing/2014/main" id="{D81847BA-63B8-70D1-09C7-29C74A911509}"/>
-              </a:ext>
-            </a:extLst>
-          </p:cNvPr>
+            <a:endParaRPr lang="en-US" dirty="0"/>
+          </a:p>
+        </p:txBody>
+      </p:sp>
+      <p:sp>
+        <p:nvSpPr>
+          <p:cNvPr id="5" name="Date Placeholder 4"/>
           <p:cNvSpPr>
             <a:spLocks noGrp="1"/>
           </p:cNvSpPr>
@@ -1862,13 +4790,7 @@
       </p:sp>
       <p:sp>
         <p:nvSpPr>
-          <p:cNvPr id="6" name="Footer Placeholder 5">
-            <a:extLst>
-              <a:ext uri="{FF2B5EF4-FFF2-40B4-BE49-F238E27FC236}">
-                <a16:creationId xmlns:a16="http://schemas.microsoft.com/office/drawing/2014/main" id="{BA81CD1E-80E0-A6B9-A6A1-24A3C9B1FCF7}"/>
-              </a:ext>
-            </a:extLst>
-          </p:cNvPr>
+          <p:cNvPr id="6" name="Footer Placeholder 5"/>
           <p:cNvSpPr>
             <a:spLocks noGrp="1"/>
           </p:cNvSpPr>
@@ -1887,13 +4809,7 @@
       </p:sp>
       <p:sp>
         <p:nvSpPr>
-          <p:cNvPr id="7" name="Slide Number Placeholder 6">
-            <a:extLst>
-              <a:ext uri="{FF2B5EF4-FFF2-40B4-BE49-F238E27FC236}">
-                <a16:creationId xmlns:a16="http://schemas.microsoft.com/office/drawing/2014/main" id="{343A27A4-5AF9-2DB1-3AC2-8DC9D021E43C}"/>
-              </a:ext>
-            </a:extLst>
-          </p:cNvPr>
+          <p:cNvPr id="7" name="Slide Number Placeholder 6"/>
           <p:cNvSpPr>
             <a:spLocks noGrp="1"/>
           </p:cNvSpPr>
@@ -1917,7 +4833,7 @@
     </p:spTree>
     <p:extLst>
       <p:ext uri="{BB962C8B-B14F-4D97-AF65-F5344CB8AC3E}">
-        <p14:creationId xmlns:p14="http://schemas.microsoft.com/office/powerpoint/2010/main" val="1860780886"/>
+        <p14:creationId xmlns:p14="http://schemas.microsoft.com/office/powerpoint/2010/main" val="849994066"/>
       </p:ext>
     </p:extLst>
   </p:cSld>
@@ -1944,15 +4860,39 @@
           <a:chExt cx="0" cy="0"/>
         </a:xfrm>
       </p:grpSpPr>
-      <p:sp>
-        <p:nvSpPr>
-          <p:cNvPr id="2" name="Title 1">
+      <p:pic>
+        <p:nvPicPr>
+          <p:cNvPr id="15" name="Picture 14" descr="Droplets-HD-Content-R1d.png"/>
+          <p:cNvPicPr>
+            <a:picLocks noChangeAspect="1"/>
+          </p:cNvPicPr>
+          <p:nvPr/>
+        </p:nvPicPr>
+        <p:blipFill>
+          <a:blip r:embed="rId2">
             <a:extLst>
-              <a:ext uri="{FF2B5EF4-FFF2-40B4-BE49-F238E27FC236}">
-                <a16:creationId xmlns:a16="http://schemas.microsoft.com/office/drawing/2014/main" id="{9111355D-2F11-DF2B-6B37-9125F1B61C10}"/>
+              <a:ext uri="{28A0092B-C50C-407E-A947-70E740481C1C}">
+                <a14:useLocalDpi xmlns:a14="http://schemas.microsoft.com/office/drawing/2010/main" val="0"/>
               </a:ext>
             </a:extLst>
-          </p:cNvPr>
+          </a:blip>
+          <a:stretch>
+            <a:fillRect/>
+          </a:stretch>
+        </p:blipFill>
+        <p:spPr>
+          <a:xfrm>
+            <a:off x="0" y="0"/>
+            <a:ext cx="12192000" cy="6858000"/>
+          </a:xfrm>
+          <a:prstGeom prst="rect">
+            <a:avLst/>
+          </a:prstGeom>
+        </p:spPr>
+      </p:pic>
+      <p:sp>
+        <p:nvSpPr>
+          <p:cNvPr id="14" name="Title 1"/>
           <p:cNvSpPr>
             <a:spLocks noGrp="1"/>
           </p:cNvSpPr>
@@ -1962,8 +4902,8 @@
         </p:nvSpPr>
         <p:spPr>
           <a:xfrm>
-            <a:off x="839788" y="365125"/>
-            <a:ext cx="10515600" cy="1325563"/>
+            <a:off x="913775" y="618517"/>
+            <a:ext cx="10364451" cy="1596177"/>
           </a:xfrm>
         </p:spPr>
         <p:txBody>
@@ -1974,18 +4914,13 @@
               <a:rPr lang="en-US"/>
               <a:t>Click to edit Master title style</a:t>
             </a:r>
-          </a:p>
-        </p:txBody>
-      </p:sp>
-      <p:sp>
-        <p:nvSpPr>
-          <p:cNvPr id="3" name="Text Placeholder 2">
-            <a:extLst>
-              <a:ext uri="{FF2B5EF4-FFF2-40B4-BE49-F238E27FC236}">
-                <a16:creationId xmlns:a16="http://schemas.microsoft.com/office/drawing/2014/main" id="{5B32C776-177F-CE93-F20D-596D662BFD9C}"/>
-              </a:ext>
-            </a:extLst>
-          </p:cNvPr>
+            <a:endParaRPr lang="en-US" dirty="0"/>
+          </a:p>
+        </p:txBody>
+      </p:sp>
+      <p:sp>
+        <p:nvSpPr>
+          <p:cNvPr id="3" name="Text Placeholder 2"/>
           <p:cNvSpPr>
             <a:spLocks noGrp="1"/>
           </p:cNvSpPr>
@@ -1995,16 +4930,25 @@
         </p:nvSpPr>
         <p:spPr>
           <a:xfrm>
-            <a:off x="839788" y="1681163"/>
-            <a:ext cx="5157787" cy="823912"/>
-          </a:xfrm>
-        </p:spPr>
-        <p:txBody>
-          <a:bodyPr anchor="b"/>
+            <a:off x="1146328" y="2371018"/>
+            <a:ext cx="4873474" cy="679994"/>
+          </a:xfrm>
+        </p:spPr>
+        <p:txBody>
+          <a:bodyPr anchor="b">
+            <a:noAutofit/>
+          </a:bodyPr>
           <a:lstStyle>
             <a:lvl1pPr marL="0" indent="0">
-              <a:buNone/>
-              <a:defRPr sz="2400" b="1"/>
+              <a:lnSpc>
+                <a:spcPct val="85000"/>
+              </a:lnSpc>
+              <a:buNone/>
+              <a:defRPr sz="2600" b="0">
+                <a:solidFill>
+                  <a:schemeClr val="tx1"/>
+                </a:solidFill>
+              </a:defRPr>
             </a:lvl1pPr>
             <a:lvl2pPr marL="457200" indent="0">
               <a:buNone/>
@@ -2050,24 +4994,18 @@
       </p:sp>
       <p:sp>
         <p:nvSpPr>
-          <p:cNvPr id="4" name="Content Placeholder 3">
-            <a:extLst>
-              <a:ext uri="{FF2B5EF4-FFF2-40B4-BE49-F238E27FC236}">
-                <a16:creationId xmlns:a16="http://schemas.microsoft.com/office/drawing/2014/main" id="{FD239411-C1C9-6886-0498-C6F84EE48445}"/>
-              </a:ext>
-            </a:extLst>
-          </p:cNvPr>
-          <p:cNvSpPr>
-            <a:spLocks noGrp="1"/>
-          </p:cNvSpPr>
-          <p:nvPr>
-            <p:ph sz="half" idx="2"/>
-          </p:nvPr>
-        </p:nvSpPr>
-        <p:spPr>
-          <a:xfrm>
-            <a:off x="839788" y="2505075"/>
-            <a:ext cx="5157787" cy="3684588"/>
+          <p:cNvPr id="12" name="Content Placeholder 3"/>
+          <p:cNvSpPr>
+            <a:spLocks noGrp="1"/>
+          </p:cNvSpPr>
+          <p:nvPr>
+            <p:ph sz="quarter" idx="13"/>
+          </p:nvPr>
+        </p:nvSpPr>
+        <p:spPr>
+          <a:xfrm>
+            <a:off x="913774" y="3051012"/>
+            <a:ext cx="5106027" cy="2740187"/>
           </a:xfrm>
         </p:spPr>
         <p:txBody>
@@ -2107,18 +5045,13 @@
               <a:rPr lang="en-US"/>
               <a:t>Fifth level</a:t>
             </a:r>
-          </a:p>
-        </p:txBody>
-      </p:sp>
-      <p:sp>
-        <p:nvSpPr>
-          <p:cNvPr id="5" name="Text Placeholder 4">
-            <a:extLst>
-              <a:ext uri="{FF2B5EF4-FFF2-40B4-BE49-F238E27FC236}">
-                <a16:creationId xmlns:a16="http://schemas.microsoft.com/office/drawing/2014/main" id="{48473C77-33E4-7C3D-3C25-82A7E7C0930C}"/>
-              </a:ext>
-            </a:extLst>
-          </p:cNvPr>
+            <a:endParaRPr lang="en-US" dirty="0"/>
+          </a:p>
+        </p:txBody>
+      </p:sp>
+      <p:sp>
+        <p:nvSpPr>
+          <p:cNvPr id="5" name="Text Placeholder 4"/>
           <p:cNvSpPr>
             <a:spLocks noGrp="1"/>
           </p:cNvSpPr>
@@ -2128,16 +5061,25 @@
         </p:nvSpPr>
         <p:spPr>
           <a:xfrm>
-            <a:off x="6172200" y="1681163"/>
-            <a:ext cx="5183188" cy="823912"/>
-          </a:xfrm>
-        </p:spPr>
-        <p:txBody>
-          <a:bodyPr anchor="b"/>
+            <a:off x="6396423" y="2371018"/>
+            <a:ext cx="4881804" cy="679994"/>
+          </a:xfrm>
+        </p:spPr>
+        <p:txBody>
+          <a:bodyPr anchor="b">
+            <a:noAutofit/>
+          </a:bodyPr>
           <a:lstStyle>
             <a:lvl1pPr marL="0" indent="0">
-              <a:buNone/>
-              <a:defRPr sz="2400" b="1"/>
+              <a:lnSpc>
+                <a:spcPct val="85000"/>
+              </a:lnSpc>
+              <a:buNone/>
+              <a:defRPr sz="2600" b="0">
+                <a:solidFill>
+                  <a:schemeClr val="tx1"/>
+                </a:solidFill>
+              </a:defRPr>
             </a:lvl1pPr>
             <a:lvl2pPr marL="457200" indent="0">
               <a:buNone/>
@@ -2183,24 +5125,18 @@
       </p:sp>
       <p:sp>
         <p:nvSpPr>
-          <p:cNvPr id="6" name="Content Placeholder 5">
-            <a:extLst>
-              <a:ext uri="{FF2B5EF4-FFF2-40B4-BE49-F238E27FC236}">
-                <a16:creationId xmlns:a16="http://schemas.microsoft.com/office/drawing/2014/main" id="{20C25FE3-B4A4-4E48-104D-3B07CBB099B6}"/>
-              </a:ext>
-            </a:extLst>
-          </p:cNvPr>
-          <p:cNvSpPr>
-            <a:spLocks noGrp="1"/>
-          </p:cNvSpPr>
-          <p:nvPr>
-            <p:ph sz="quarter" idx="4"/>
-          </p:nvPr>
-        </p:nvSpPr>
-        <p:spPr>
-          <a:xfrm>
-            <a:off x="6172200" y="2505075"/>
-            <a:ext cx="5183188" cy="3684588"/>
+          <p:cNvPr id="13" name="Content Placeholder 5"/>
+          <p:cNvSpPr>
+            <a:spLocks noGrp="1"/>
+          </p:cNvSpPr>
+          <p:nvPr>
+            <p:ph sz="quarter" idx="14"/>
+          </p:nvPr>
+        </p:nvSpPr>
+        <p:spPr>
+          <a:xfrm>
+            <a:off x="6172200" y="3051012"/>
+            <a:ext cx="5105401" cy="2740187"/>
           </a:xfrm>
         </p:spPr>
         <p:txBody>
@@ -2240,18 +5176,13 @@
               <a:rPr lang="en-US"/>
               <a:t>Fifth level</a:t>
             </a:r>
-          </a:p>
-        </p:txBody>
-      </p:sp>
-      <p:sp>
-        <p:nvSpPr>
-          <p:cNvPr id="7" name="Date Placeholder 6">
-            <a:extLst>
-              <a:ext uri="{FF2B5EF4-FFF2-40B4-BE49-F238E27FC236}">
-                <a16:creationId xmlns:a16="http://schemas.microsoft.com/office/drawing/2014/main" id="{D073D559-1C37-EF47-CFCB-4A690C6CFE62}"/>
-              </a:ext>
-            </a:extLst>
-          </p:cNvPr>
+            <a:endParaRPr lang="en-US" dirty="0"/>
+          </a:p>
+        </p:txBody>
+      </p:sp>
+      <p:sp>
+        <p:nvSpPr>
+          <p:cNvPr id="7" name="Date Placeholder 6"/>
           <p:cNvSpPr>
             <a:spLocks noGrp="1"/>
           </p:cNvSpPr>
@@ -2274,13 +5205,7 @@
       </p:sp>
       <p:sp>
         <p:nvSpPr>
-          <p:cNvPr id="8" name="Footer Placeholder 7">
-            <a:extLst>
-              <a:ext uri="{FF2B5EF4-FFF2-40B4-BE49-F238E27FC236}">
-                <a16:creationId xmlns:a16="http://schemas.microsoft.com/office/drawing/2014/main" id="{3B3CF310-C991-2DE4-9BF4-2ADB48C8EB95}"/>
-              </a:ext>
-            </a:extLst>
-          </p:cNvPr>
+          <p:cNvPr id="8" name="Footer Placeholder 7"/>
           <p:cNvSpPr>
             <a:spLocks noGrp="1"/>
           </p:cNvSpPr>
@@ -2299,13 +5224,7 @@
       </p:sp>
       <p:sp>
         <p:nvSpPr>
-          <p:cNvPr id="9" name="Slide Number Placeholder 8">
-            <a:extLst>
-              <a:ext uri="{FF2B5EF4-FFF2-40B4-BE49-F238E27FC236}">
-                <a16:creationId xmlns:a16="http://schemas.microsoft.com/office/drawing/2014/main" id="{22A28631-E774-D5F6-AF28-B7CE15FBACE3}"/>
-              </a:ext>
-            </a:extLst>
-          </p:cNvPr>
+          <p:cNvPr id="9" name="Slide Number Placeholder 8"/>
           <p:cNvSpPr>
             <a:spLocks noGrp="1"/>
           </p:cNvSpPr>
@@ -2329,7 +5248,7 @@
     </p:spTree>
     <p:extLst>
       <p:ext uri="{BB962C8B-B14F-4D97-AF65-F5344CB8AC3E}">
-        <p14:creationId xmlns:p14="http://schemas.microsoft.com/office/powerpoint/2010/main" val="1777428382"/>
+        <p14:creationId xmlns:p14="http://schemas.microsoft.com/office/powerpoint/2010/main" val="2067461011"/>
       </p:ext>
     </p:extLst>
   </p:cSld>
@@ -2356,15 +5275,39 @@
           <a:chExt cx="0" cy="0"/>
         </a:xfrm>
       </p:grpSpPr>
-      <p:sp>
-        <p:nvSpPr>
-          <p:cNvPr id="2" name="Title 1">
+      <p:pic>
+        <p:nvPicPr>
+          <p:cNvPr id="8" name="Picture 7" descr="Droplets-HD-Content-R1d.png"/>
+          <p:cNvPicPr>
+            <a:picLocks noChangeAspect="1"/>
+          </p:cNvPicPr>
+          <p:nvPr/>
+        </p:nvPicPr>
+        <p:blipFill>
+          <a:blip r:embed="rId2">
             <a:extLst>
-              <a:ext uri="{FF2B5EF4-FFF2-40B4-BE49-F238E27FC236}">
-                <a16:creationId xmlns:a16="http://schemas.microsoft.com/office/drawing/2014/main" id="{6D772B1E-C043-0A1F-3E0C-2E64E2D58733}"/>
+              <a:ext uri="{28A0092B-C50C-407E-A947-70E740481C1C}">
+                <a14:useLocalDpi xmlns:a14="http://schemas.microsoft.com/office/drawing/2010/main" val="0"/>
               </a:ext>
             </a:extLst>
-          </p:cNvPr>
+          </a:blip>
+          <a:stretch>
+            <a:fillRect/>
+          </a:stretch>
+        </p:blipFill>
+        <p:spPr>
+          <a:xfrm>
+            <a:off x="0" y="0"/>
+            <a:ext cx="12192000" cy="6858000"/>
+          </a:xfrm>
+          <a:prstGeom prst="rect">
+            <a:avLst/>
+          </a:prstGeom>
+        </p:spPr>
+      </p:pic>
+      <p:sp>
+        <p:nvSpPr>
+          <p:cNvPr id="2" name="Title 1"/>
           <p:cNvSpPr>
             <a:spLocks noGrp="1"/>
           </p:cNvSpPr>
@@ -2381,18 +5324,13 @@
               <a:rPr lang="en-US"/>
               <a:t>Click to edit Master title style</a:t>
             </a:r>
-          </a:p>
-        </p:txBody>
-      </p:sp>
-      <p:sp>
-        <p:nvSpPr>
-          <p:cNvPr id="3" name="Date Placeholder 2">
-            <a:extLst>
-              <a:ext uri="{FF2B5EF4-FFF2-40B4-BE49-F238E27FC236}">
-                <a16:creationId xmlns:a16="http://schemas.microsoft.com/office/drawing/2014/main" id="{CD23C892-D183-0392-DD5A-BDDFA4C57DE5}"/>
-              </a:ext>
-            </a:extLst>
-          </p:cNvPr>
+            <a:endParaRPr lang="en-US" dirty="0"/>
+          </a:p>
+        </p:txBody>
+      </p:sp>
+      <p:sp>
+        <p:nvSpPr>
+          <p:cNvPr id="3" name="Date Placeholder 2"/>
           <p:cNvSpPr>
             <a:spLocks noGrp="1"/>
           </p:cNvSpPr>
@@ -2415,13 +5353,7 @@
       </p:sp>
       <p:sp>
         <p:nvSpPr>
-          <p:cNvPr id="4" name="Footer Placeholder 3">
-            <a:extLst>
-              <a:ext uri="{FF2B5EF4-FFF2-40B4-BE49-F238E27FC236}">
-                <a16:creationId xmlns:a16="http://schemas.microsoft.com/office/drawing/2014/main" id="{A00286C3-D567-AFDA-E275-767699D33B83}"/>
-              </a:ext>
-            </a:extLst>
-          </p:cNvPr>
+          <p:cNvPr id="4" name="Footer Placeholder 3"/>
           <p:cNvSpPr>
             <a:spLocks noGrp="1"/>
           </p:cNvSpPr>
@@ -2440,13 +5372,7 @@
       </p:sp>
       <p:sp>
         <p:nvSpPr>
-          <p:cNvPr id="5" name="Slide Number Placeholder 4">
-            <a:extLst>
-              <a:ext uri="{FF2B5EF4-FFF2-40B4-BE49-F238E27FC236}">
-                <a16:creationId xmlns:a16="http://schemas.microsoft.com/office/drawing/2014/main" id="{0A253441-0E9E-BA20-382B-E2BA81137272}"/>
-              </a:ext>
-            </a:extLst>
-          </p:cNvPr>
+          <p:cNvPr id="5" name="Slide Number Placeholder 4"/>
           <p:cNvSpPr>
             <a:spLocks noGrp="1"/>
           </p:cNvSpPr>
@@ -2470,7 +5396,7 @@
     </p:spTree>
     <p:extLst>
       <p:ext uri="{BB962C8B-B14F-4D97-AF65-F5344CB8AC3E}">
-        <p14:creationId xmlns:p14="http://schemas.microsoft.com/office/powerpoint/2010/main" val="2667627146"/>
+        <p14:creationId xmlns:p14="http://schemas.microsoft.com/office/powerpoint/2010/main" val="1955395616"/>
       </p:ext>
     </p:extLst>
   </p:cSld>
@@ -2497,15 +5423,39 @@
           <a:chExt cx="0" cy="0"/>
         </a:xfrm>
       </p:grpSpPr>
-      <p:sp>
-        <p:nvSpPr>
-          <p:cNvPr id="2" name="Date Placeholder 1">
+      <p:pic>
+        <p:nvPicPr>
+          <p:cNvPr id="7" name="Picture 6" descr="Droplets-HD-Content-R1d.png"/>
+          <p:cNvPicPr>
+            <a:picLocks noChangeAspect="1"/>
+          </p:cNvPicPr>
+          <p:nvPr/>
+        </p:nvPicPr>
+        <p:blipFill>
+          <a:blip r:embed="rId2">
             <a:extLst>
-              <a:ext uri="{FF2B5EF4-FFF2-40B4-BE49-F238E27FC236}">
-                <a16:creationId xmlns:a16="http://schemas.microsoft.com/office/drawing/2014/main" id="{5048FA1E-2A20-1788-D15B-F3A397C58447}"/>
+              <a:ext uri="{28A0092B-C50C-407E-A947-70E740481C1C}">
+                <a14:useLocalDpi xmlns:a14="http://schemas.microsoft.com/office/drawing/2010/main" val="0"/>
               </a:ext>
             </a:extLst>
-          </p:cNvPr>
+          </a:blip>
+          <a:stretch>
+            <a:fillRect/>
+          </a:stretch>
+        </p:blipFill>
+        <p:spPr>
+          <a:xfrm>
+            <a:off x="0" y="0"/>
+            <a:ext cx="12192000" cy="6858000"/>
+          </a:xfrm>
+          <a:prstGeom prst="rect">
+            <a:avLst/>
+          </a:prstGeom>
+        </p:spPr>
+      </p:pic>
+      <p:sp>
+        <p:nvSpPr>
+          <p:cNvPr id="2" name="Date Placeholder 1"/>
           <p:cNvSpPr>
             <a:spLocks noGrp="1"/>
           </p:cNvSpPr>
@@ -2528,13 +5478,7 @@
       </p:sp>
       <p:sp>
         <p:nvSpPr>
-          <p:cNvPr id="3" name="Footer Placeholder 2">
-            <a:extLst>
-              <a:ext uri="{FF2B5EF4-FFF2-40B4-BE49-F238E27FC236}">
-                <a16:creationId xmlns:a16="http://schemas.microsoft.com/office/drawing/2014/main" id="{1EAD75B9-7438-262A-F261-A8EC94A065A8}"/>
-              </a:ext>
-            </a:extLst>
-          </p:cNvPr>
+          <p:cNvPr id="3" name="Footer Placeholder 2"/>
           <p:cNvSpPr>
             <a:spLocks noGrp="1"/>
           </p:cNvSpPr>
@@ -2553,13 +5497,7 @@
       </p:sp>
       <p:sp>
         <p:nvSpPr>
-          <p:cNvPr id="4" name="Slide Number Placeholder 3">
-            <a:extLst>
-              <a:ext uri="{FF2B5EF4-FFF2-40B4-BE49-F238E27FC236}">
-                <a16:creationId xmlns:a16="http://schemas.microsoft.com/office/drawing/2014/main" id="{B16F0AF2-2C72-3F21-F6C2-3A8D8879F002}"/>
-              </a:ext>
-            </a:extLst>
-          </p:cNvPr>
+          <p:cNvPr id="4" name="Slide Number Placeholder 3"/>
           <p:cNvSpPr>
             <a:spLocks noGrp="1"/>
           </p:cNvSpPr>
@@ -2583,7 +5521,7 @@
     </p:spTree>
     <p:extLst>
       <p:ext uri="{BB962C8B-B14F-4D97-AF65-F5344CB8AC3E}">
-        <p14:creationId xmlns:p14="http://schemas.microsoft.com/office/powerpoint/2010/main" val="2291429324"/>
+        <p14:creationId xmlns:p14="http://schemas.microsoft.com/office/powerpoint/2010/main" val="317792961"/>
       </p:ext>
     </p:extLst>
   </p:cSld>
@@ -2610,15 +5548,39 @@
           <a:chExt cx="0" cy="0"/>
         </a:xfrm>
       </p:grpSpPr>
-      <p:sp>
-        <p:nvSpPr>
-          <p:cNvPr id="2" name="Title 1">
+      <p:pic>
+        <p:nvPicPr>
+          <p:cNvPr id="11" name="Picture 10" descr="Droplets-HD-Content-R1d.png"/>
+          <p:cNvPicPr>
+            <a:picLocks noChangeAspect="1"/>
+          </p:cNvPicPr>
+          <p:nvPr/>
+        </p:nvPicPr>
+        <p:blipFill>
+          <a:blip r:embed="rId2">
             <a:extLst>
-              <a:ext uri="{FF2B5EF4-FFF2-40B4-BE49-F238E27FC236}">
-                <a16:creationId xmlns:a16="http://schemas.microsoft.com/office/drawing/2014/main" id="{A182FF08-BE40-A272-AE85-64756C092A61}"/>
+              <a:ext uri="{28A0092B-C50C-407E-A947-70E740481C1C}">
+                <a14:useLocalDpi xmlns:a14="http://schemas.microsoft.com/office/drawing/2010/main" val="0"/>
               </a:ext>
             </a:extLst>
-          </p:cNvPr>
+          </a:blip>
+          <a:stretch>
+            <a:fillRect/>
+          </a:stretch>
+        </p:blipFill>
+        <p:spPr>
+          <a:xfrm>
+            <a:off x="0" y="0"/>
+            <a:ext cx="12192000" cy="6858000"/>
+          </a:xfrm>
+          <a:prstGeom prst="rect">
+            <a:avLst/>
+          </a:prstGeom>
+        </p:spPr>
+      </p:pic>
+      <p:sp>
+        <p:nvSpPr>
+          <p:cNvPr id="2" name="Title 1"/>
           <p:cNvSpPr>
             <a:spLocks noGrp="1"/>
           </p:cNvSpPr>
@@ -2628,14 +5590,14 @@
         </p:nvSpPr>
         <p:spPr>
           <a:xfrm>
-            <a:off x="839788" y="457200"/>
-            <a:ext cx="3932237" cy="1600200"/>
+            <a:off x="913775" y="609600"/>
+            <a:ext cx="3935688" cy="2023252"/>
           </a:xfrm>
         </p:spPr>
         <p:txBody>
           <a:bodyPr anchor="b"/>
           <a:lstStyle>
-            <a:lvl1pPr>
+            <a:lvl1pPr algn="ctr">
               <a:defRPr sz="3200"/>
             </a:lvl1pPr>
           </a:lstStyle>
@@ -2644,125 +5606,87 @@
               <a:rPr lang="en-US"/>
               <a:t>Click to edit Master title style</a:t>
             </a:r>
-          </a:p>
-        </p:txBody>
-      </p:sp>
-      <p:sp>
-        <p:nvSpPr>
-          <p:cNvPr id="3" name="Content Placeholder 2">
-            <a:extLst>
-              <a:ext uri="{FF2B5EF4-FFF2-40B4-BE49-F238E27FC236}">
-                <a16:creationId xmlns:a16="http://schemas.microsoft.com/office/drawing/2014/main" id="{0CCEEBF6-86F9-5C7D-C6F4-1EAB7D2DC57D}"/>
-              </a:ext>
-            </a:extLst>
-          </p:cNvPr>
-          <p:cNvSpPr>
-            <a:spLocks noGrp="1"/>
-          </p:cNvSpPr>
-          <p:nvPr>
-            <p:ph idx="1"/>
-          </p:nvPr>
-        </p:nvSpPr>
-        <p:spPr>
-          <a:xfrm>
-            <a:off x="5183188" y="987425"/>
-            <a:ext cx="6172200" cy="4873625"/>
+            <a:endParaRPr lang="en-US" dirty="0"/>
+          </a:p>
+        </p:txBody>
+      </p:sp>
+      <p:sp>
+        <p:nvSpPr>
+          <p:cNvPr id="10" name="Content Placeholder 2"/>
+          <p:cNvSpPr>
+            <a:spLocks noGrp="1"/>
+          </p:cNvSpPr>
+          <p:nvPr>
+            <p:ph sz="quarter" idx="13"/>
+          </p:nvPr>
+        </p:nvSpPr>
+        <p:spPr>
+          <a:xfrm>
+            <a:off x="5078062" y="609600"/>
+            <a:ext cx="6200163" cy="5181599"/>
+          </a:xfrm>
+        </p:spPr>
+        <p:txBody>
+          <a:bodyPr/>
+          <a:lstStyle/>
+          <a:p>
+            <a:pPr lvl="0"/>
+            <a:r>
+              <a:rPr lang="en-US"/>
+              <a:t>Click to edit Master text styles</a:t>
+            </a:r>
+          </a:p>
+          <a:p>
+            <a:pPr lvl="1"/>
+            <a:r>
+              <a:rPr lang="en-US"/>
+              <a:t>Second level</a:t>
+            </a:r>
+          </a:p>
+          <a:p>
+            <a:pPr lvl="2"/>
+            <a:r>
+              <a:rPr lang="en-US"/>
+              <a:t>Third level</a:t>
+            </a:r>
+          </a:p>
+          <a:p>
+            <a:pPr lvl="3"/>
+            <a:r>
+              <a:rPr lang="en-US"/>
+              <a:t>Fourth level</a:t>
+            </a:r>
+          </a:p>
+          <a:p>
+            <a:pPr lvl="4"/>
+            <a:r>
+              <a:rPr lang="en-US"/>
+              <a:t>Fifth level</a:t>
+            </a:r>
+            <a:endParaRPr lang="en-US" dirty="0"/>
+          </a:p>
+        </p:txBody>
+      </p:sp>
+      <p:sp>
+        <p:nvSpPr>
+          <p:cNvPr id="4" name="Text Placeholder 3"/>
+          <p:cNvSpPr>
+            <a:spLocks noGrp="1"/>
+          </p:cNvSpPr>
+          <p:nvPr>
+            <p:ph type="body" sz="half" idx="2"/>
+          </p:nvPr>
+        </p:nvSpPr>
+        <p:spPr>
+          <a:xfrm>
+            <a:off x="913774" y="2632852"/>
+            <a:ext cx="3935689" cy="3158348"/>
           </a:xfrm>
         </p:spPr>
         <p:txBody>
           <a:bodyPr/>
           <a:lstStyle>
-            <a:lvl1pPr>
-              <a:defRPr sz="3200"/>
-            </a:lvl1pPr>
-            <a:lvl2pPr>
-              <a:defRPr sz="2800"/>
-            </a:lvl2pPr>
-            <a:lvl3pPr>
-              <a:defRPr sz="2400"/>
-            </a:lvl3pPr>
-            <a:lvl4pPr>
-              <a:defRPr sz="2000"/>
-            </a:lvl4pPr>
-            <a:lvl5pPr>
-              <a:defRPr sz="2000"/>
-            </a:lvl5pPr>
-            <a:lvl6pPr>
-              <a:defRPr sz="2000"/>
-            </a:lvl6pPr>
-            <a:lvl7pPr>
-              <a:defRPr sz="2000"/>
-            </a:lvl7pPr>
-            <a:lvl8pPr>
-              <a:defRPr sz="2000"/>
-            </a:lvl8pPr>
-            <a:lvl9pPr>
-              <a:defRPr sz="2000"/>
-            </a:lvl9pPr>
-          </a:lstStyle>
-          <a:p>
-            <a:pPr lvl="0"/>
-            <a:r>
-              <a:rPr lang="en-US"/>
-              <a:t>Click to edit Master text styles</a:t>
-            </a:r>
-          </a:p>
-          <a:p>
-            <a:pPr lvl="1"/>
-            <a:r>
-              <a:rPr lang="en-US"/>
-              <a:t>Second level</a:t>
-            </a:r>
-          </a:p>
-          <a:p>
-            <a:pPr lvl="2"/>
-            <a:r>
-              <a:rPr lang="en-US"/>
-              <a:t>Third level</a:t>
-            </a:r>
-          </a:p>
-          <a:p>
-            <a:pPr lvl="3"/>
-            <a:r>
-              <a:rPr lang="en-US"/>
-              <a:t>Fourth level</a:t>
-            </a:r>
-          </a:p>
-          <a:p>
-            <a:pPr lvl="4"/>
-            <a:r>
-              <a:rPr lang="en-US"/>
-              <a:t>Fifth level</a:t>
-            </a:r>
-          </a:p>
-        </p:txBody>
-      </p:sp>
-      <p:sp>
-        <p:nvSpPr>
-          <p:cNvPr id="4" name="Text Placeholder 3">
-            <a:extLst>
-              <a:ext uri="{FF2B5EF4-FFF2-40B4-BE49-F238E27FC236}">
-                <a16:creationId xmlns:a16="http://schemas.microsoft.com/office/drawing/2014/main" id="{3C0AE53D-BF97-DCEB-68A6-BB1162C02D17}"/>
-              </a:ext>
-            </a:extLst>
-          </p:cNvPr>
-          <p:cNvSpPr>
-            <a:spLocks noGrp="1"/>
-          </p:cNvSpPr>
-          <p:nvPr>
-            <p:ph type="body" sz="half" idx="2"/>
-          </p:nvPr>
-        </p:nvSpPr>
-        <p:spPr>
-          <a:xfrm>
-            <a:off x="839788" y="2057400"/>
-            <a:ext cx="3932237" cy="3811588"/>
-          </a:xfrm>
-        </p:spPr>
-        <p:txBody>
-          <a:bodyPr/>
-          <a:lstStyle>
-            <a:lvl1pPr marL="0" indent="0">
+            <a:lvl1pPr marL="0" indent="0" algn="ctr">
               <a:buNone/>
               <a:defRPr sz="1600"/>
             </a:lvl1pPr>
@@ -2810,13 +5734,7 @@
       </p:sp>
       <p:sp>
         <p:nvSpPr>
-          <p:cNvPr id="5" name="Date Placeholder 4">
-            <a:extLst>
-              <a:ext uri="{FF2B5EF4-FFF2-40B4-BE49-F238E27FC236}">
-                <a16:creationId xmlns:a16="http://schemas.microsoft.com/office/drawing/2014/main" id="{02443688-E3E1-1298-1F42-4D612710EF53}"/>
-              </a:ext>
-            </a:extLst>
-          </p:cNvPr>
+          <p:cNvPr id="5" name="Date Placeholder 4"/>
           <p:cNvSpPr>
             <a:spLocks noGrp="1"/>
           </p:cNvSpPr>
@@ -2839,13 +5757,7 @@
       </p:sp>
       <p:sp>
         <p:nvSpPr>
-          <p:cNvPr id="6" name="Footer Placeholder 5">
-            <a:extLst>
-              <a:ext uri="{FF2B5EF4-FFF2-40B4-BE49-F238E27FC236}">
-                <a16:creationId xmlns:a16="http://schemas.microsoft.com/office/drawing/2014/main" id="{5F3CB08D-FA18-B584-764B-2C6A03FD0165}"/>
-              </a:ext>
-            </a:extLst>
-          </p:cNvPr>
+          <p:cNvPr id="6" name="Footer Placeholder 5"/>
           <p:cNvSpPr>
             <a:spLocks noGrp="1"/>
           </p:cNvSpPr>
@@ -2864,13 +5776,7 @@
       </p:sp>
       <p:sp>
         <p:nvSpPr>
-          <p:cNvPr id="7" name="Slide Number Placeholder 6">
-            <a:extLst>
-              <a:ext uri="{FF2B5EF4-FFF2-40B4-BE49-F238E27FC236}">
-                <a16:creationId xmlns:a16="http://schemas.microsoft.com/office/drawing/2014/main" id="{1E394CBF-A542-4702-466F-65D59429EFB1}"/>
-              </a:ext>
-            </a:extLst>
-          </p:cNvPr>
+          <p:cNvPr id="7" name="Slide Number Placeholder 6"/>
           <p:cNvSpPr>
             <a:spLocks noGrp="1"/>
           </p:cNvSpPr>
@@ -2894,7 +5800,7 @@
     </p:spTree>
     <p:extLst>
       <p:ext uri="{BB962C8B-B14F-4D97-AF65-F5344CB8AC3E}">
-        <p14:creationId xmlns:p14="http://schemas.microsoft.com/office/powerpoint/2010/main" val="2870925986"/>
+        <p14:creationId xmlns:p14="http://schemas.microsoft.com/office/powerpoint/2010/main" val="2163284055"/>
       </p:ext>
     </p:extLst>
   </p:cSld>
@@ -2921,15 +5827,39 @@
           <a:chExt cx="0" cy="0"/>
         </a:xfrm>
       </p:grpSpPr>
-      <p:sp>
-        <p:nvSpPr>
-          <p:cNvPr id="2" name="Title 1">
+      <p:pic>
+        <p:nvPicPr>
+          <p:cNvPr id="10" name="Picture 9" descr="Droplets-HD-Content-R1d.png"/>
+          <p:cNvPicPr>
+            <a:picLocks noChangeAspect="1"/>
+          </p:cNvPicPr>
+          <p:nvPr/>
+        </p:nvPicPr>
+        <p:blipFill>
+          <a:blip r:embed="rId2">
             <a:extLst>
-              <a:ext uri="{FF2B5EF4-FFF2-40B4-BE49-F238E27FC236}">
-                <a16:creationId xmlns:a16="http://schemas.microsoft.com/office/drawing/2014/main" id="{76245DF3-F058-4B1D-6FA3-2C1B6FB33F6E}"/>
+              <a:ext uri="{28A0092B-C50C-407E-A947-70E740481C1C}">
+                <a14:useLocalDpi xmlns:a14="http://schemas.microsoft.com/office/drawing/2010/main" val="0"/>
               </a:ext>
             </a:extLst>
-          </p:cNvPr>
+          </a:blip>
+          <a:stretch>
+            <a:fillRect/>
+          </a:stretch>
+        </p:blipFill>
+        <p:spPr>
+          <a:xfrm>
+            <a:off x="0" y="0"/>
+            <a:ext cx="12192000" cy="6858000"/>
+          </a:xfrm>
+          <a:prstGeom prst="rect">
+            <a:avLst/>
+          </a:prstGeom>
+        </p:spPr>
+      </p:pic>
+      <p:sp>
+        <p:nvSpPr>
+          <p:cNvPr id="2" name="Title 1"/>
           <p:cNvSpPr>
             <a:spLocks noGrp="1"/>
           </p:cNvSpPr>
@@ -2939,14 +5869,14 @@
         </p:nvSpPr>
         <p:spPr>
           <a:xfrm>
-            <a:off x="839788" y="457200"/>
-            <a:ext cx="3932237" cy="1600200"/>
+            <a:off x="913774" y="609600"/>
+            <a:ext cx="5934969" cy="2023254"/>
           </a:xfrm>
         </p:spPr>
         <p:txBody>
           <a:bodyPr anchor="b"/>
           <a:lstStyle>
-            <a:lvl1pPr>
+            <a:lvl1pPr algn="ctr">
               <a:defRPr sz="3200"/>
             </a:lvl1pPr>
           </a:lstStyle>
@@ -2955,20 +5885,15 @@
               <a:rPr lang="en-US"/>
               <a:t>Click to edit Master title style</a:t>
             </a:r>
-          </a:p>
-        </p:txBody>
-      </p:sp>
-      <p:sp>
-        <p:nvSpPr>
-          <p:cNvPr id="3" name="Picture Placeholder 2">
-            <a:extLst>
-              <a:ext uri="{FF2B5EF4-FFF2-40B4-BE49-F238E27FC236}">
-                <a16:creationId xmlns:a16="http://schemas.microsoft.com/office/drawing/2014/main" id="{CBF85B95-C08D-7991-8165-39BDCC901EC4}"/>
-              </a:ext>
-            </a:extLst>
-          </p:cNvPr>
-          <p:cNvSpPr>
-            <a:spLocks noGrp="1"/>
+            <a:endParaRPr lang="en-US" dirty="0"/>
+          </a:p>
+        </p:txBody>
+      </p:sp>
+      <p:sp>
+        <p:nvSpPr>
+          <p:cNvPr id="3" name="Picture Placeholder 2"/>
+          <p:cNvSpPr>
+            <a:spLocks noGrp="1" noChangeAspect="1"/>
           </p:cNvSpPr>
           <p:nvPr>
             <p:ph type="pic" idx="1"/>
@@ -2976,12 +5901,37 @@
         </p:nvSpPr>
         <p:spPr>
           <a:xfrm>
-            <a:off x="5183188" y="987425"/>
-            <a:ext cx="6172200" cy="4873625"/>
-          </a:xfrm>
-        </p:spPr>
-        <p:txBody>
-          <a:bodyPr/>
+            <a:off x="7424803" y="609601"/>
+            <a:ext cx="3255358" cy="5181600"/>
+          </a:xfrm>
+          <a:prstGeom prst="roundRect">
+            <a:avLst>
+              <a:gd name="adj" fmla="val 4943"/>
+            </a:avLst>
+          </a:prstGeom>
+          <a:noFill/>
+          <a:ln w="82550" cap="sq">
+            <a:solidFill>
+              <a:srgbClr val="EAEAEA"/>
+            </a:solidFill>
+            <a:miter lim="800000"/>
+          </a:ln>
+          <a:effectLst/>
+          <a:scene3d>
+            <a:camera prst="orthographicFront"/>
+            <a:lightRig rig="threePt" dir="t">
+              <a:rot lat="0" lon="0" rev="2700000"/>
+            </a:lightRig>
+          </a:scene3d>
+          <a:sp3d contourW="6350">
+            <a:bevelT h="38100"/>
+            <a:contourClr>
+              <a:srgbClr val="C0C0C0"/>
+            </a:contourClr>
+          </a:sp3d>
+        </p:spPr>
+        <p:txBody>
+          <a:bodyPr anchor="t"/>
           <a:lstStyle>
             <a:lvl1pPr marL="0" indent="0">
               <a:buNone/>
@@ -3021,19 +5971,17 @@
             </a:lvl9pPr>
           </a:lstStyle>
           <a:p>
-            <a:endParaRPr lang="en-US"/>
-          </a:p>
-        </p:txBody>
-      </p:sp>
-      <p:sp>
-        <p:nvSpPr>
-          <p:cNvPr id="4" name="Text Placeholder 3">
-            <a:extLst>
-              <a:ext uri="{FF2B5EF4-FFF2-40B4-BE49-F238E27FC236}">
-                <a16:creationId xmlns:a16="http://schemas.microsoft.com/office/drawing/2014/main" id="{293A4211-FBBA-B049-BFAB-D8DC8356573D}"/>
-              </a:ext>
-            </a:extLst>
-          </p:cNvPr>
+            <a:r>
+              <a:rPr lang="en-US"/>
+              <a:t>Click icon to add picture</a:t>
+            </a:r>
+            <a:endParaRPr lang="en-US" dirty="0"/>
+          </a:p>
+        </p:txBody>
+      </p:sp>
+      <p:sp>
+        <p:nvSpPr>
+          <p:cNvPr id="4" name="Text Placeholder 3"/>
           <p:cNvSpPr>
             <a:spLocks noGrp="1"/>
           </p:cNvSpPr>
@@ -3043,14 +5991,14 @@
         </p:nvSpPr>
         <p:spPr>
           <a:xfrm>
-            <a:off x="839788" y="2057400"/>
-            <a:ext cx="3932237" cy="3811588"/>
+            <a:off x="913794" y="2632852"/>
+            <a:ext cx="5934949" cy="3158347"/>
           </a:xfrm>
         </p:spPr>
         <p:txBody>
           <a:bodyPr/>
           <a:lstStyle>
-            <a:lvl1pPr marL="0" indent="0">
+            <a:lvl1pPr marL="0" indent="0" algn="ctr">
               <a:buNone/>
               <a:defRPr sz="1600"/>
             </a:lvl1pPr>
@@ -3098,13 +6046,7 @@
       </p:sp>
       <p:sp>
         <p:nvSpPr>
-          <p:cNvPr id="5" name="Date Placeholder 4">
-            <a:extLst>
-              <a:ext uri="{FF2B5EF4-FFF2-40B4-BE49-F238E27FC236}">
-                <a16:creationId xmlns:a16="http://schemas.microsoft.com/office/drawing/2014/main" id="{A9657613-A24A-1710-7AC3-B00589C18A82}"/>
-              </a:ext>
-            </a:extLst>
-          </p:cNvPr>
+          <p:cNvPr id="5" name="Date Placeholder 4"/>
           <p:cNvSpPr>
             <a:spLocks noGrp="1"/>
           </p:cNvSpPr>
@@ -3127,13 +6069,7 @@
       </p:sp>
       <p:sp>
         <p:nvSpPr>
-          <p:cNvPr id="6" name="Footer Placeholder 5">
-            <a:extLst>
-              <a:ext uri="{FF2B5EF4-FFF2-40B4-BE49-F238E27FC236}">
-                <a16:creationId xmlns:a16="http://schemas.microsoft.com/office/drawing/2014/main" id="{07DAD2EC-2586-4AE5-2B92-0CFC678315CE}"/>
-              </a:ext>
-            </a:extLst>
-          </p:cNvPr>
+          <p:cNvPr id="6" name="Footer Placeholder 5"/>
           <p:cNvSpPr>
             <a:spLocks noGrp="1"/>
           </p:cNvSpPr>
@@ -3146,19 +6082,13 @@
           <a:bodyPr/>
           <a:lstStyle/>
           <a:p>
-            <a:endParaRPr lang="en-US"/>
-          </a:p>
-        </p:txBody>
-      </p:sp>
-      <p:sp>
-        <p:nvSpPr>
-          <p:cNvPr id="7" name="Slide Number Placeholder 6">
-            <a:extLst>
-              <a:ext uri="{FF2B5EF4-FFF2-40B4-BE49-F238E27FC236}">
-                <a16:creationId xmlns:a16="http://schemas.microsoft.com/office/drawing/2014/main" id="{F6BE5388-73AB-7BDE-8BBB-9BBD464DFAB8}"/>
-              </a:ext>
-            </a:extLst>
-          </p:cNvPr>
+            <a:endParaRPr lang="en-US" dirty="0"/>
+          </a:p>
+        </p:txBody>
+      </p:sp>
+      <p:sp>
+        <p:nvSpPr>
+          <p:cNvPr id="7" name="Slide Number Placeholder 6"/>
           <p:cNvSpPr>
             <a:spLocks noGrp="1"/>
           </p:cNvSpPr>
@@ -3182,7 +6112,7 @@
     </p:spTree>
     <p:extLst>
       <p:ext uri="{BB962C8B-B14F-4D97-AF65-F5344CB8AC3E}">
-        <p14:creationId xmlns:p14="http://schemas.microsoft.com/office/powerpoint/2010/main" val="4281644354"/>
+        <p14:creationId xmlns:p14="http://schemas.microsoft.com/office/powerpoint/2010/main" val="2088531816"/>
       </p:ext>
     </p:extLst>
   </p:cSld>
@@ -3196,7 +6126,7 @@
 <p:sldMaster xmlns:a="http://schemas.openxmlformats.org/drawingml/2006/main" xmlns:r="http://schemas.openxmlformats.org/officeDocument/2006/relationships" xmlns:p="http://schemas.openxmlformats.org/presentationml/2006/main">
   <p:cSld>
     <p:bg>
-      <p:bgRef idx="1001">
+      <p:bgRef idx="1002">
         <a:schemeClr val="bg1"/>
       </p:bgRef>
     </p:bg>
@@ -3214,30 +6144,66 @@
           <a:chExt cx="0" cy="0"/>
         </a:xfrm>
       </p:grpSpPr>
-      <p:sp>
-        <p:nvSpPr>
-          <p:cNvPr id="2" name="Title Placeholder 1">
+      <p:pic>
+        <p:nvPicPr>
+          <p:cNvPr id="1026" name="Picture 2" descr="\\DROBO-FS\QuickDrops\JB\PPTX NG\Droplets\LightingOverlay.png"/>
+          <p:cNvPicPr>
+            <a:picLocks noChangeAspect="1" noChangeArrowheads="1"/>
+          </p:cNvPicPr>
+          <p:nvPr/>
+        </p:nvPicPr>
+        <p:blipFill>
+          <a:blip r:embed="rId20">
+            <a:alphaModFix/>
             <a:extLst>
-              <a:ext uri="{FF2B5EF4-FFF2-40B4-BE49-F238E27FC236}">
-                <a16:creationId xmlns:a16="http://schemas.microsoft.com/office/drawing/2014/main" id="{20837593-3A34-E18D-A0A1-CC22D7B281A0}"/>
+              <a:ext uri="{28A0092B-C50C-407E-A947-70E740481C1C}">
+                <a14:useLocalDpi xmlns:a14="http://schemas.microsoft.com/office/drawing/2010/main" val="0"/>
               </a:ext>
             </a:extLst>
-          </p:cNvPr>
-          <p:cNvSpPr>
-            <a:spLocks noGrp="1"/>
-          </p:cNvSpPr>
-          <p:nvPr>
-            <p:ph type="title"/>
-          </p:nvPr>
-        </p:nvSpPr>
-        <p:spPr>
-          <a:xfrm>
-            <a:off x="838200" y="365125"/>
-            <a:ext cx="10515600" cy="1325563"/>
+          </a:blip>
+          <a:srcRect/>
+          <a:stretch>
+            <a:fillRect/>
+          </a:stretch>
+        </p:blipFill>
+        <p:spPr bwMode="auto">
+          <a:xfrm>
+            <a:off x="0" y="-1"/>
+            <a:ext cx="12192003" cy="6858001"/>
           </a:xfrm>
           <a:prstGeom prst="rect">
             <a:avLst/>
           </a:prstGeom>
+          <a:noFill/>
+          <a:extLst>
+            <a:ext uri="{909E8E84-426E-40DD-AFC4-6F175D3DCCD1}">
+              <a14:hiddenFill xmlns:a14="http://schemas.microsoft.com/office/drawing/2010/main">
+                <a:solidFill>
+                  <a:srgbClr val="FFFFFF"/>
+                </a:solidFill>
+              </a14:hiddenFill>
+            </a:ext>
+          </a:extLst>
+        </p:spPr>
+      </p:pic>
+      <p:sp>
+        <p:nvSpPr>
+          <p:cNvPr id="2" name="Title Placeholder 1"/>
+          <p:cNvSpPr>
+            <a:spLocks noGrp="1"/>
+          </p:cNvSpPr>
+          <p:nvPr>
+            <p:ph type="title"/>
+          </p:nvPr>
+        </p:nvSpPr>
+        <p:spPr>
+          <a:xfrm>
+            <a:off x="913775" y="618517"/>
+            <a:ext cx="10364451" cy="1596177"/>
+          </a:xfrm>
+          <a:prstGeom prst="rect">
+            <a:avLst/>
+          </a:prstGeom>
         </p:spPr>
         <p:txBody>
           <a:bodyPr vert="horz" lIns="91440" tIns="45720" rIns="91440" bIns="45720" rtlCol="0" anchor="ctr">
@@ -3249,18 +6215,13 @@
               <a:rPr lang="en-US"/>
               <a:t>Click to edit Master title style</a:t>
             </a:r>
-          </a:p>
-        </p:txBody>
-      </p:sp>
-      <p:sp>
-        <p:nvSpPr>
-          <p:cNvPr id="3" name="Text Placeholder 2">
-            <a:extLst>
-              <a:ext uri="{FF2B5EF4-FFF2-40B4-BE49-F238E27FC236}">
-                <a16:creationId xmlns:a16="http://schemas.microsoft.com/office/drawing/2014/main" id="{B655A19A-4BF6-E703-98FD-589671BB88AD}"/>
-              </a:ext>
-            </a:extLst>
-          </p:cNvPr>
+            <a:endParaRPr lang="en-US" dirty="0"/>
+          </a:p>
+        </p:txBody>
+      </p:sp>
+      <p:sp>
+        <p:nvSpPr>
+          <p:cNvPr id="3" name="Text Placeholder 2"/>
           <p:cNvSpPr>
             <a:spLocks noGrp="1"/>
           </p:cNvSpPr>
@@ -3270,8 +6231,8 @@
         </p:nvSpPr>
         <p:spPr>
           <a:xfrm>
-            <a:off x="838200" y="1825625"/>
-            <a:ext cx="10515600" cy="4351338"/>
+            <a:off x="913775" y="2367093"/>
+            <a:ext cx="10364452" cy="3424107"/>
           </a:xfrm>
           <a:prstGeom prst="rect">
             <a:avLst/>
@@ -3316,18 +6277,13 @@
               <a:rPr lang="en-US"/>
               <a:t>Fifth level</a:t>
             </a:r>
-          </a:p>
-        </p:txBody>
-      </p:sp>
-      <p:sp>
-        <p:nvSpPr>
-          <p:cNvPr id="4" name="Date Placeholder 3">
-            <a:extLst>
-              <a:ext uri="{FF2B5EF4-FFF2-40B4-BE49-F238E27FC236}">
-                <a16:creationId xmlns:a16="http://schemas.microsoft.com/office/drawing/2014/main" id="{3A139787-CD2E-F622-E9B2-774C55C29050}"/>
-              </a:ext>
-            </a:extLst>
-          </p:cNvPr>
+            <a:endParaRPr lang="en-US" dirty="0"/>
+          </a:p>
+        </p:txBody>
+      </p:sp>
+      <p:sp>
+        <p:nvSpPr>
+          <p:cNvPr id="4" name="Date Placeholder 3"/>
           <p:cNvSpPr>
             <a:spLocks noGrp="1"/>
           </p:cNvSpPr>
@@ -3337,7 +6293,7 @@
         </p:nvSpPr>
         <p:spPr>
           <a:xfrm>
-            <a:off x="838200" y="6356350"/>
+            <a:off x="7678737" y="5883275"/>
             <a:ext cx="2743200" cy="365125"/>
           </a:xfrm>
           <a:prstGeom prst="rect">
@@ -3347,12 +6303,10 @@
         <p:txBody>
           <a:bodyPr vert="horz" lIns="91440" tIns="45720" rIns="91440" bIns="45720" rtlCol="0" anchor="ctr"/>
           <a:lstStyle>
-            <a:lvl1pPr algn="l">
-              <a:defRPr sz="1200">
+            <a:lvl1pPr algn="r">
+              <a:defRPr sz="1000">
                 <a:solidFill>
-                  <a:schemeClr val="tx1">
-                    <a:tint val="75000"/>
-                  </a:schemeClr>
+                  <a:schemeClr val="tx1"/>
                 </a:solidFill>
               </a:defRPr>
             </a:lvl1pPr>
@@ -3368,13 +6322,7 @@
       </p:sp>
       <p:sp>
         <p:nvSpPr>
-          <p:cNvPr id="5" name="Footer Placeholder 4">
-            <a:extLst>
-              <a:ext uri="{FF2B5EF4-FFF2-40B4-BE49-F238E27FC236}">
-                <a16:creationId xmlns:a16="http://schemas.microsoft.com/office/drawing/2014/main" id="{AD61252E-785E-D23F-A784-EBF52BADC237}"/>
-              </a:ext>
-            </a:extLst>
-          </p:cNvPr>
+          <p:cNvPr id="5" name="Footer Placeholder 4"/>
           <p:cNvSpPr>
             <a:spLocks noGrp="1"/>
           </p:cNvSpPr>
@@ -3384,8 +6332,8 @@
         </p:nvSpPr>
         <p:spPr>
           <a:xfrm>
-            <a:off x="4038600" y="6356350"/>
-            <a:ext cx="4114800" cy="365125"/>
+            <a:off x="913774" y="5883275"/>
+            <a:ext cx="6672887" cy="365125"/>
           </a:xfrm>
           <a:prstGeom prst="rect">
             <a:avLst/>
@@ -3394,12 +6342,10 @@
         <p:txBody>
           <a:bodyPr vert="horz" lIns="91440" tIns="45720" rIns="91440" bIns="45720" rtlCol="0" anchor="ctr"/>
           <a:lstStyle>
-            <a:lvl1pPr algn="ctr">
-              <a:defRPr sz="1200">
+            <a:lvl1pPr algn="l">
+              <a:defRPr sz="1000">
                 <a:solidFill>
-                  <a:schemeClr val="tx1">
-                    <a:tint val="75000"/>
-                  </a:schemeClr>
+                  <a:schemeClr val="tx1"/>
                 </a:solidFill>
               </a:defRPr>
             </a:lvl1pPr>
@@ -3411,13 +6357,7 @@
       </p:sp>
       <p:sp>
         <p:nvSpPr>
-          <p:cNvPr id="6" name="Slide Number Placeholder 5">
-            <a:extLst>
-              <a:ext uri="{FF2B5EF4-FFF2-40B4-BE49-F238E27FC236}">
-                <a16:creationId xmlns:a16="http://schemas.microsoft.com/office/drawing/2014/main" id="{48140186-2254-85A6-4A5E-770261570B35}"/>
-              </a:ext>
-            </a:extLst>
-          </p:cNvPr>
+          <p:cNvPr id="6" name="Slide Number Placeholder 5"/>
           <p:cNvSpPr>
             <a:spLocks noGrp="1"/>
           </p:cNvSpPr>
@@ -3427,8 +6367,8 @@
         </p:nvSpPr>
         <p:spPr>
           <a:xfrm>
-            <a:off x="8610600" y="6356350"/>
-            <a:ext cx="2743200" cy="365125"/>
+            <a:off x="10514011" y="5883275"/>
+            <a:ext cx="764215" cy="365125"/>
           </a:xfrm>
           <a:prstGeom prst="rect">
             <a:avLst/>
@@ -3438,11 +6378,9 @@
           <a:bodyPr vert="horz" lIns="91440" tIns="45720" rIns="91440" bIns="45720" rtlCol="0" anchor="ctr"/>
           <a:lstStyle>
             <a:lvl1pPr algn="r">
-              <a:defRPr sz="1200">
+              <a:defRPr sz="1000">
                 <a:solidFill>
-                  <a:schemeClr val="tx1">
-                    <a:tint val="75000"/>
-                  </a:schemeClr>
+                  <a:schemeClr val="tx1"/>
                 </a:solidFill>
               </a:defRPr>
             </a:lvl1pPr>
@@ -3459,27 +6397,34 @@
     </p:spTree>
     <p:extLst>
       <p:ext uri="{BB962C8B-B14F-4D97-AF65-F5344CB8AC3E}">
-        <p14:creationId xmlns:p14="http://schemas.microsoft.com/office/powerpoint/2010/main" val="2937211477"/>
+        <p14:creationId xmlns:p14="http://schemas.microsoft.com/office/powerpoint/2010/main" val="1135035899"/>
       </p:ext>
     </p:extLst>
   </p:cSld>
   <p:clrMap bg1="lt1" tx1="dk1" bg2="lt2" tx2="dk2" accent1="accent1" accent2="accent2" accent3="accent3" accent4="accent4" accent5="accent5" accent6="accent6" hlink="hlink" folHlink="folHlink"/>
   <p:sldLayoutIdLst>
-    <p:sldLayoutId id="2147483649" r:id="rId1"/>
-    <p:sldLayoutId id="2147483650" r:id="rId2"/>
-    <p:sldLayoutId id="2147483651" r:id="rId3"/>
-    <p:sldLayoutId id="2147483652" r:id="rId4"/>
-    <p:sldLayoutId id="2147483653" r:id="rId5"/>
-    <p:sldLayoutId id="2147483654" r:id="rId6"/>
-    <p:sldLayoutId id="2147483655" r:id="rId7"/>
-    <p:sldLayoutId id="2147483656" r:id="rId8"/>
-    <p:sldLayoutId id="2147483657" r:id="rId9"/>
-    <p:sldLayoutId id="2147483658" r:id="rId10"/>
-    <p:sldLayoutId id="2147483659" r:id="rId11"/>
+    <p:sldLayoutId id="2147483697" r:id="rId1"/>
+    <p:sldLayoutId id="2147483698" r:id="rId2"/>
+    <p:sldLayoutId id="2147483699" r:id="rId3"/>
+    <p:sldLayoutId id="2147483700" r:id="rId4"/>
+    <p:sldLayoutId id="2147483701" r:id="rId5"/>
+    <p:sldLayoutId id="2147483702" r:id="rId6"/>
+    <p:sldLayoutId id="2147483703" r:id="rId7"/>
+    <p:sldLayoutId id="2147483704" r:id="rId8"/>
+    <p:sldLayoutId id="2147483705" r:id="rId9"/>
+    <p:sldLayoutId id="2147483706" r:id="rId10"/>
+    <p:sldLayoutId id="2147483707" r:id="rId11"/>
+    <p:sldLayoutId id="2147483708" r:id="rId12"/>
+    <p:sldLayoutId id="2147483709" r:id="rId13"/>
+    <p:sldLayoutId id="2147483710" r:id="rId14"/>
+    <p:sldLayoutId id="2147483711" r:id="rId15"/>
+    <p:sldLayoutId id="2147483712" r:id="rId16"/>
+    <p:sldLayoutId id="2147483713" r:id="rId17"/>
+    <p:sldLayoutId id="2147483714" r:id="rId18"/>
   </p:sldLayoutIdLst>
   <p:txStyles>
     <p:titleStyle>
-      <a:lvl1pPr algn="l" defTabSz="914400" rtl="0" eaLnBrk="1" latinLnBrk="0" hangingPunct="1">
+      <a:lvl1pPr algn="ctr" defTabSz="914400" rtl="0" eaLnBrk="1" latinLnBrk="0" hangingPunct="1">
         <a:lnSpc>
           <a:spcPct val="90000"/>
         </a:lnSpc>
@@ -3487,10 +6432,11 @@
           <a:spcPct val="0"/>
         </a:spcBef>
         <a:buNone/>
-        <a:defRPr sz="4400" kern="1200">
+        <a:defRPr sz="3600" kern="1200" cap="all" baseline="0">
           <a:solidFill>
             <a:schemeClr val="tx1"/>
           </a:solidFill>
+          <a:effectLst/>
           <a:latin typeface="+mj-lt"/>
           <a:ea typeface="+mj-ea"/>
           <a:cs typeface="+mj-cs"/>
@@ -3500,17 +6446,21 @@
     <p:bodyStyle>
       <a:lvl1pPr marL="228600" indent="-228600" algn="l" defTabSz="914400" rtl="0" eaLnBrk="1" latinLnBrk="0" hangingPunct="1">
         <a:lnSpc>
-          <a:spcPct val="90000"/>
+          <a:spcPct val="120000"/>
         </a:lnSpc>
         <a:spcBef>
           <a:spcPts val="1000"/>
         </a:spcBef>
+        <a:buClr>
+          <a:schemeClr val="tx1"/>
+        </a:buClr>
         <a:buFont typeface="Arial" panose="020B0604020202020204" pitchFamily="34" charset="0"/>
         <a:buChar char="•"/>
-        <a:defRPr sz="2800" kern="1200">
+        <a:defRPr sz="2000" kern="1200" cap="all" baseline="0">
           <a:solidFill>
             <a:schemeClr val="tx1"/>
           </a:solidFill>
+          <a:effectLst/>
           <a:latin typeface="+mn-lt"/>
           <a:ea typeface="+mn-ea"/>
           <a:cs typeface="+mn-cs"/>
@@ -3518,17 +6468,21 @@
       </a:lvl1pPr>
       <a:lvl2pPr marL="685800" indent="-228600" algn="l" defTabSz="914400" rtl="0" eaLnBrk="1" latinLnBrk="0" hangingPunct="1">
         <a:lnSpc>
-          <a:spcPct val="90000"/>
+          <a:spcPct val="120000"/>
         </a:lnSpc>
         <a:spcBef>
           <a:spcPts val="500"/>
         </a:spcBef>
+        <a:buClr>
+          <a:schemeClr val="tx1"/>
+        </a:buClr>
         <a:buFont typeface="Arial" panose="020B0604020202020204" pitchFamily="34" charset="0"/>
         <a:buChar char="•"/>
-        <a:defRPr sz="2400" kern="1200">
+        <a:defRPr sz="1800" kern="1200" cap="all" baseline="0">
           <a:solidFill>
             <a:schemeClr val="tx1"/>
           </a:solidFill>
+          <a:effectLst/>
           <a:latin typeface="+mn-lt"/>
           <a:ea typeface="+mn-ea"/>
           <a:cs typeface="+mn-cs"/>
@@ -3536,17 +6490,21 @@
       </a:lvl2pPr>
       <a:lvl3pPr marL="1143000" indent="-228600" algn="l" defTabSz="914400" rtl="0" eaLnBrk="1" latinLnBrk="0" hangingPunct="1">
         <a:lnSpc>
-          <a:spcPct val="90000"/>
+          <a:spcPct val="120000"/>
         </a:lnSpc>
         <a:spcBef>
           <a:spcPts val="500"/>
         </a:spcBef>
+        <a:buClr>
+          <a:schemeClr val="tx1"/>
+        </a:buClr>
         <a:buFont typeface="Arial" panose="020B0604020202020204" pitchFamily="34" charset="0"/>
         <a:buChar char="•"/>
-        <a:defRPr sz="2000" kern="1200">
+        <a:defRPr sz="1600" kern="1200" cap="all" baseline="0">
           <a:solidFill>
             <a:schemeClr val="tx1"/>
           </a:solidFill>
+          <a:effectLst/>
           <a:latin typeface="+mn-lt"/>
           <a:ea typeface="+mn-ea"/>
           <a:cs typeface="+mn-cs"/>
@@ -3554,17 +6512,21 @@
       </a:lvl3pPr>
       <a:lvl4pPr marL="1600200" indent="-228600" algn="l" defTabSz="914400" rtl="0" eaLnBrk="1" latinLnBrk="0" hangingPunct="1">
         <a:lnSpc>
-          <a:spcPct val="90000"/>
+          <a:spcPct val="120000"/>
         </a:lnSpc>
         <a:spcBef>
           <a:spcPts val="500"/>
         </a:spcBef>
+        <a:buClr>
+          <a:schemeClr val="tx1"/>
+        </a:buClr>
         <a:buFont typeface="Arial" panose="020B0604020202020204" pitchFamily="34" charset="0"/>
         <a:buChar char="•"/>
-        <a:defRPr sz="1800" kern="1200">
+        <a:defRPr sz="1400" kern="1200" cap="all" baseline="0">
           <a:solidFill>
             <a:schemeClr val="tx1"/>
           </a:solidFill>
+          <a:effectLst/>
           <a:latin typeface="+mn-lt"/>
           <a:ea typeface="+mn-ea"/>
           <a:cs typeface="+mn-cs"/>
@@ -3572,17 +6534,21 @@
       </a:lvl4pPr>
       <a:lvl5pPr marL="2057400" indent="-228600" algn="l" defTabSz="914400" rtl="0" eaLnBrk="1" latinLnBrk="0" hangingPunct="1">
         <a:lnSpc>
-          <a:spcPct val="90000"/>
+          <a:spcPct val="120000"/>
         </a:lnSpc>
         <a:spcBef>
           <a:spcPts val="500"/>
         </a:spcBef>
+        <a:buClr>
+          <a:schemeClr val="tx1"/>
+        </a:buClr>
         <a:buFont typeface="Arial" panose="020B0604020202020204" pitchFamily="34" charset="0"/>
         <a:buChar char="•"/>
-        <a:defRPr sz="1800" kern="1200">
+        <a:defRPr sz="1400" kern="1200" cap="all" baseline="0">
           <a:solidFill>
             <a:schemeClr val="tx1"/>
           </a:solidFill>
+          <a:effectLst/>
           <a:latin typeface="+mn-lt"/>
           <a:ea typeface="+mn-ea"/>
           <a:cs typeface="+mn-cs"/>
@@ -3590,17 +6556,21 @@
       </a:lvl5pPr>
       <a:lvl6pPr marL="2514600" indent="-228600" algn="l" defTabSz="914400" rtl="0" eaLnBrk="1" latinLnBrk="0" hangingPunct="1">
         <a:lnSpc>
-          <a:spcPct val="90000"/>
+          <a:spcPct val="120000"/>
         </a:lnSpc>
         <a:spcBef>
           <a:spcPts val="500"/>
         </a:spcBef>
+        <a:buClr>
+          <a:schemeClr val="tx1"/>
+        </a:buClr>
         <a:buFont typeface="Arial" panose="020B0604020202020204" pitchFamily="34" charset="0"/>
         <a:buChar char="•"/>
-        <a:defRPr sz="1800" kern="1200">
+        <a:defRPr sz="1400" kern="1200" cap="all" baseline="0">
           <a:solidFill>
             <a:schemeClr val="tx1"/>
           </a:solidFill>
+          <a:effectLst/>
           <a:latin typeface="+mn-lt"/>
           <a:ea typeface="+mn-ea"/>
           <a:cs typeface="+mn-cs"/>
@@ -3608,17 +6578,21 @@
       </a:lvl6pPr>
       <a:lvl7pPr marL="2971800" indent="-228600" algn="l" defTabSz="914400" rtl="0" eaLnBrk="1" latinLnBrk="0" hangingPunct="1">
         <a:lnSpc>
-          <a:spcPct val="90000"/>
+          <a:spcPct val="120000"/>
         </a:lnSpc>
         <a:spcBef>
           <a:spcPts val="500"/>
         </a:spcBef>
+        <a:buClr>
+          <a:schemeClr val="tx1"/>
+        </a:buClr>
         <a:buFont typeface="Arial" panose="020B0604020202020204" pitchFamily="34" charset="0"/>
         <a:buChar char="•"/>
-        <a:defRPr sz="1800" kern="1200">
+        <a:defRPr sz="1400" kern="1200" cap="all" baseline="0">
           <a:solidFill>
             <a:schemeClr val="tx1"/>
           </a:solidFill>
+          <a:effectLst/>
           <a:latin typeface="+mn-lt"/>
           <a:ea typeface="+mn-ea"/>
           <a:cs typeface="+mn-cs"/>
@@ -3626,17 +6600,21 @@
       </a:lvl7pPr>
       <a:lvl8pPr marL="3429000" indent="-228600" algn="l" defTabSz="914400" rtl="0" eaLnBrk="1" latinLnBrk="0" hangingPunct="1">
         <a:lnSpc>
-          <a:spcPct val="90000"/>
+          <a:spcPct val="120000"/>
         </a:lnSpc>
         <a:spcBef>
           <a:spcPts val="500"/>
         </a:spcBef>
+        <a:buClr>
+          <a:schemeClr val="tx1"/>
+        </a:buClr>
         <a:buFont typeface="Arial" panose="020B0604020202020204" pitchFamily="34" charset="0"/>
         <a:buChar char="•"/>
-        <a:defRPr sz="1800" kern="1200">
+        <a:defRPr sz="1400" kern="1200" cap="all" baseline="0">
           <a:solidFill>
             <a:schemeClr val="tx1"/>
           </a:solidFill>
+          <a:effectLst/>
           <a:latin typeface="+mn-lt"/>
           <a:ea typeface="+mn-ea"/>
           <a:cs typeface="+mn-cs"/>
@@ -3644,17 +6622,21 @@
       </a:lvl8pPr>
       <a:lvl9pPr marL="3886200" indent="-228600" algn="l" defTabSz="914400" rtl="0" eaLnBrk="1" latinLnBrk="0" hangingPunct="1">
         <a:lnSpc>
-          <a:spcPct val="90000"/>
+          <a:spcPct val="120000"/>
         </a:lnSpc>
         <a:spcBef>
           <a:spcPts val="500"/>
         </a:spcBef>
+        <a:buClr>
+          <a:schemeClr val="tx1"/>
+        </a:buClr>
         <a:buFont typeface="Arial" panose="020B0604020202020204" pitchFamily="34" charset="0"/>
         <a:buChar char="•"/>
-        <a:defRPr sz="1800" kern="1200">
+        <a:defRPr sz="1400" kern="1200" cap="all" baseline="0">
           <a:solidFill>
             <a:schemeClr val="tx1"/>
           </a:solidFill>
+          <a:effectLst/>
           <a:latin typeface="+mn-lt"/>
           <a:ea typeface="+mn-ea"/>
           <a:cs typeface="+mn-cs"/>
@@ -3795,7 +6777,9 @@
         </p:nvSpPr>
         <p:spPr/>
         <p:txBody>
-          <a:bodyPr/>
+          <a:bodyPr>
+            <a:normAutofit/>
+          </a:bodyPr>
           <a:lstStyle/>
           <a:p>
             <a:r>
@@ -3823,7 +6807,9 @@
         </p:nvSpPr>
         <p:spPr/>
         <p:txBody>
-          <a:bodyPr/>
+          <a:bodyPr>
+            <a:normAutofit fontScale="92500" lnSpcReduction="10000"/>
+          </a:bodyPr>
           <a:lstStyle/>
           <a:p>
             <a:r>
@@ -3888,7 +6874,7 @@
           <p:cNvPr id="2" name="Title 1">
             <a:extLst>
               <a:ext uri="{FF2B5EF4-FFF2-40B4-BE49-F238E27FC236}">
-                <a16:creationId xmlns:a16="http://schemas.microsoft.com/office/drawing/2014/main" id="{E7D329CA-21B2-6146-8A8B-942006F542BD}"/>
+                <a16:creationId xmlns:a16="http://schemas.microsoft.com/office/drawing/2014/main" id="{4880D863-2C53-50D4-09F5-D35CA33AD223}"/>
               </a:ext>
             </a:extLst>
           </p:cNvPr>
@@ -3906,26 +6892,67 @@
           <a:p>
             <a:r>
               <a:rPr lang="en-US" dirty="0"/>
-              <a:t>Challenges &amp; Solutions</a:t>
-            </a:r>
+              <a:t>Good Security Practice Cont’d </a:t>
+            </a:r>
+          </a:p>
+        </p:txBody>
+      </p:sp>
+      <p:sp>
+        <p:nvSpPr>
+          <p:cNvPr id="3" name="Content Placeholder 2">
+            <a:extLst>
+              <a:ext uri="{FF2B5EF4-FFF2-40B4-BE49-F238E27FC236}">
+                <a16:creationId xmlns:a16="http://schemas.microsoft.com/office/drawing/2014/main" id="{50A8D86B-DCA6-4455-253C-2B0A07323EF5}"/>
+              </a:ext>
+            </a:extLst>
+          </p:cNvPr>
+          <p:cNvSpPr>
+            <a:spLocks noGrp="1"/>
+          </p:cNvSpPr>
+          <p:nvPr>
+            <p:ph idx="1"/>
+          </p:nvPr>
+        </p:nvSpPr>
+        <p:spPr/>
+        <p:txBody>
+          <a:bodyPr/>
+          <a:lstStyle/>
+          <a:p>
+            <a:r>
+              <a:rPr lang="en-US" dirty="0"/>
+              <a:t>Input Validation</a:t>
+            </a:r>
+          </a:p>
+          <a:p>
+            <a:r>
+              <a:rPr lang="en-US" dirty="0"/>
+              <a:t>Rate Limiting</a:t>
+            </a:r>
+          </a:p>
+          <a:p>
+            <a:r>
+              <a:rPr lang="en-US" dirty="0"/>
+              <a:t>Separate code and environment</a:t>
+            </a:r>
+          </a:p>
+          <a:p>
+            <a:endParaRPr lang="en-US" dirty="0"/>
           </a:p>
         </p:txBody>
       </p:sp>
       <p:pic>
         <p:nvPicPr>
-          <p:cNvPr id="4" name="Content Placeholder 3">
+          <p:cNvPr id="5" name="Picture 4">
             <a:extLst>
               <a:ext uri="{FF2B5EF4-FFF2-40B4-BE49-F238E27FC236}">
-                <a16:creationId xmlns:a16="http://schemas.microsoft.com/office/drawing/2014/main" id="{E017D48B-0190-DAB8-6E58-80026A9616D2}"/>
+                <a16:creationId xmlns:a16="http://schemas.microsoft.com/office/drawing/2014/main" id="{79221A2D-8329-5991-95F0-D2D436E6A300}"/>
               </a:ext>
             </a:extLst>
           </p:cNvPr>
           <p:cNvPicPr>
-            <a:picLocks noGrp="1" noChangeAspect="1"/>
+            <a:picLocks noChangeAspect="1"/>
           </p:cNvPicPr>
-          <p:nvPr>
-            <p:ph idx="1"/>
-          </p:nvPr>
+          <p:nvPr/>
         </p:nvPicPr>
         <p:blipFill>
           <a:blip r:embed="rId2"/>
@@ -3935,8 +6962,8 @@
         </p:blipFill>
         <p:spPr>
           <a:xfrm>
-            <a:off x="286870" y="1525329"/>
-            <a:ext cx="11719916" cy="1742306"/>
+            <a:off x="6402564" y="1726979"/>
+            <a:ext cx="5013598" cy="1819656"/>
           </a:xfrm>
           <a:prstGeom prst="rect">
             <a:avLst/>
@@ -3945,10 +6972,10 @@
       </p:pic>
       <p:pic>
         <p:nvPicPr>
-          <p:cNvPr id="5" name="Picture 4">
+          <p:cNvPr id="6" name="Picture 5">
             <a:extLst>
               <a:ext uri="{FF2B5EF4-FFF2-40B4-BE49-F238E27FC236}">
-                <a16:creationId xmlns:a16="http://schemas.microsoft.com/office/drawing/2014/main" id="{B2A203F4-E8A1-EDFF-511B-CB03C7EDB041}"/>
+                <a16:creationId xmlns:a16="http://schemas.microsoft.com/office/drawing/2014/main" id="{82E91FA8-11C7-05C1-7D05-F3BDFF1C433C}"/>
               </a:ext>
             </a:extLst>
           </p:cNvPr>
@@ -3965,8 +6992,8 @@
         </p:blipFill>
         <p:spPr>
           <a:xfrm>
-            <a:off x="448235" y="3649885"/>
-            <a:ext cx="8703540" cy="1742306"/>
+            <a:off x="6448698" y="3622834"/>
+            <a:ext cx="5105400" cy="2247900"/>
           </a:xfrm>
           <a:prstGeom prst="rect">
             <a:avLst/>
@@ -3975,40 +7002,10 @@
       </p:pic>
       <p:pic>
         <p:nvPicPr>
-          <p:cNvPr id="6" name="Picture 5">
+          <p:cNvPr id="9" name="Picture 8">
             <a:extLst>
               <a:ext uri="{FF2B5EF4-FFF2-40B4-BE49-F238E27FC236}">
-                <a16:creationId xmlns:a16="http://schemas.microsoft.com/office/drawing/2014/main" id="{A0B5655D-2F27-F73C-9546-374A14EF4B92}"/>
-              </a:ext>
-            </a:extLst>
-          </p:cNvPr>
-          <p:cNvPicPr>
-            <a:picLocks noChangeAspect="1"/>
-          </p:cNvPicPr>
-          <p:nvPr/>
-        </p:nvPicPr>
-        <p:blipFill>
-          <a:blip r:embed="rId3"/>
-          <a:stretch>
-            <a:fillRect/>
-          </a:stretch>
-        </p:blipFill>
-        <p:spPr>
-          <a:xfrm>
-            <a:off x="179294" y="3649885"/>
-            <a:ext cx="8703540" cy="1742306"/>
-          </a:xfrm>
-          <a:prstGeom prst="rect">
-            <a:avLst/>
-          </a:prstGeom>
-        </p:spPr>
-      </p:pic>
-      <p:pic>
-        <p:nvPicPr>
-          <p:cNvPr id="3" name="Picture 2">
-            <a:extLst>
-              <a:ext uri="{FF2B5EF4-FFF2-40B4-BE49-F238E27FC236}">
-                <a16:creationId xmlns:a16="http://schemas.microsoft.com/office/drawing/2014/main" id="{556109BA-D8E0-B4FF-D50E-BAD9963483BF}"/>
+                <a16:creationId xmlns:a16="http://schemas.microsoft.com/office/drawing/2014/main" id="{6C10249B-E5B9-B0A1-4557-5F16701C4FB4}"/>
               </a:ext>
             </a:extLst>
           </p:cNvPr>
@@ -4025,8 +7022,38 @@
         </p:blipFill>
         <p:spPr>
           <a:xfrm>
-            <a:off x="179294" y="5430508"/>
-            <a:ext cx="11078436" cy="980451"/>
+            <a:off x="437242" y="4079146"/>
+            <a:ext cx="4696384" cy="784522"/>
+          </a:xfrm>
+          <a:prstGeom prst="rect">
+            <a:avLst/>
+          </a:prstGeom>
+        </p:spPr>
+      </p:pic>
+      <p:pic>
+        <p:nvPicPr>
+          <p:cNvPr id="10" name="Picture 9">
+            <a:extLst>
+              <a:ext uri="{FF2B5EF4-FFF2-40B4-BE49-F238E27FC236}">
+                <a16:creationId xmlns:a16="http://schemas.microsoft.com/office/drawing/2014/main" id="{30EAFF6E-D842-782F-C750-5DAD360624D2}"/>
+              </a:ext>
+            </a:extLst>
+          </p:cNvPr>
+          <p:cNvPicPr>
+            <a:picLocks noChangeAspect="1"/>
+          </p:cNvPicPr>
+          <p:nvPr/>
+        </p:nvPicPr>
+        <p:blipFill>
+          <a:blip r:embed="rId5"/>
+          <a:stretch>
+            <a:fillRect/>
+          </a:stretch>
+        </p:blipFill>
+        <p:spPr>
+          <a:xfrm>
+            <a:off x="437242" y="4977884"/>
+            <a:ext cx="5702300" cy="1001030"/>
           </a:xfrm>
           <a:prstGeom prst="rect">
             <a:avLst/>
@@ -4036,7 +7063,7 @@
     </p:spTree>
     <p:extLst>
       <p:ext uri="{BB962C8B-B14F-4D97-AF65-F5344CB8AC3E}">
-        <p14:creationId xmlns:p14="http://schemas.microsoft.com/office/powerpoint/2010/main" val="1648694701"/>
+        <p14:creationId xmlns:p14="http://schemas.microsoft.com/office/powerpoint/2010/main" val="47507541"/>
       </p:ext>
     </p:extLst>
   </p:cSld>
@@ -4063,94 +7090,12 @@
           <a:chExt cx="0" cy="0"/>
         </a:xfrm>
       </p:grpSpPr>
-      <p:sp>
-        <p:nvSpPr>
-          <p:cNvPr id="2" name="Title 1">
+      <p:pic>
+        <p:nvPicPr>
+          <p:cNvPr id="7" name="Picture 6">
             <a:extLst>
               <a:ext uri="{FF2B5EF4-FFF2-40B4-BE49-F238E27FC236}">
-                <a16:creationId xmlns:a16="http://schemas.microsoft.com/office/drawing/2014/main" id="{7DFE59AF-BDEE-4B9B-5A9A-81E5E721613C}"/>
-              </a:ext>
-            </a:extLst>
-          </p:cNvPr>
-          <p:cNvSpPr>
-            <a:spLocks noGrp="1"/>
-          </p:cNvSpPr>
-          <p:nvPr>
-            <p:ph type="title"/>
-          </p:nvPr>
-        </p:nvSpPr>
-        <p:spPr/>
-        <p:txBody>
-          <a:bodyPr/>
-          <a:lstStyle/>
-          <a:p>
-            <a:r>
-              <a:rPr lang="en-US" dirty="0"/>
-              <a:t>Good Security Practice</a:t>
-            </a:r>
-          </a:p>
-        </p:txBody>
-      </p:sp>
-      <p:sp>
-        <p:nvSpPr>
-          <p:cNvPr id="3" name="Content Placeholder 2">
-            <a:extLst>
-              <a:ext uri="{FF2B5EF4-FFF2-40B4-BE49-F238E27FC236}">
-                <a16:creationId xmlns:a16="http://schemas.microsoft.com/office/drawing/2014/main" id="{F095131C-AEC1-CBD6-98DC-602A25D747CA}"/>
-              </a:ext>
-            </a:extLst>
-          </p:cNvPr>
-          <p:cNvSpPr>
-            <a:spLocks noGrp="1"/>
-          </p:cNvSpPr>
-          <p:nvPr>
-            <p:ph idx="1"/>
-          </p:nvPr>
-        </p:nvSpPr>
-        <p:spPr/>
-        <p:txBody>
-          <a:bodyPr/>
-          <a:lstStyle/>
-          <a:p>
-            <a:r>
-              <a:rPr lang="en-US" dirty="0"/>
-              <a:t>Least Privilege </a:t>
-            </a:r>
-          </a:p>
-          <a:p>
-            <a:r>
-              <a:rPr lang="en-US" dirty="0"/>
-              <a:t>Server-side API calls</a:t>
-            </a:r>
-          </a:p>
-          <a:p>
-            <a:r>
-              <a:rPr lang="en-US" dirty="0"/>
-              <a:t>HTTPS (</a:t>
-            </a:r>
-            <a:r>
-              <a:rPr lang="en-US" dirty="0" err="1"/>
-              <a:t>axios</a:t>
-            </a:r>
-            <a:r>
-              <a:rPr lang="en-US" dirty="0"/>
-              <a:t>)</a:t>
-            </a:r>
-          </a:p>
-          <a:p>
-            <a:r>
-              <a:rPr lang="en-US" dirty="0"/>
-              <a:t>Error Handling</a:t>
-            </a:r>
-          </a:p>
-        </p:txBody>
-      </p:sp>
-      <p:pic>
-        <p:nvPicPr>
-          <p:cNvPr id="4" name="Picture 3">
-            <a:extLst>
-              <a:ext uri="{FF2B5EF4-FFF2-40B4-BE49-F238E27FC236}">
-                <a16:creationId xmlns:a16="http://schemas.microsoft.com/office/drawing/2014/main" id="{6742F609-5CB1-4C11-3044-EA37057046FD}"/>
+                <a16:creationId xmlns:a16="http://schemas.microsoft.com/office/drawing/2014/main" id="{1B5FEF11-557F-B1A6-B51F-5323C2CEDA4A}"/>
               </a:ext>
             </a:extLst>
           </p:cNvPr>
@@ -4167,20 +7112,96 @@
         </p:blipFill>
         <p:spPr>
           <a:xfrm>
-            <a:off x="8144434" y="1348147"/>
-            <a:ext cx="4047566" cy="2080853"/>
+            <a:off x="4323449" y="3267329"/>
+            <a:ext cx="7772400" cy="3225546"/>
           </a:xfrm>
           <a:prstGeom prst="rect">
             <a:avLst/>
           </a:prstGeom>
         </p:spPr>
       </p:pic>
+      <p:sp>
+        <p:nvSpPr>
+          <p:cNvPr id="2" name="Title 1">
+            <a:extLst>
+              <a:ext uri="{FF2B5EF4-FFF2-40B4-BE49-F238E27FC236}">
+                <a16:creationId xmlns:a16="http://schemas.microsoft.com/office/drawing/2014/main" id="{36F0ABB7-CFB5-2220-A3A4-B86F61D6CDC7}"/>
+              </a:ext>
+            </a:extLst>
+          </p:cNvPr>
+          <p:cNvSpPr>
+            <a:spLocks noGrp="1"/>
+          </p:cNvSpPr>
+          <p:nvPr>
+            <p:ph type="title"/>
+          </p:nvPr>
+        </p:nvSpPr>
+        <p:spPr/>
+        <p:txBody>
+          <a:bodyPr/>
+          <a:lstStyle/>
+          <a:p>
+            <a:r>
+              <a:rPr lang="en-US" dirty="0"/>
+              <a:t>Security Concern</a:t>
+            </a:r>
+          </a:p>
+        </p:txBody>
+      </p:sp>
+      <p:sp>
+        <p:nvSpPr>
+          <p:cNvPr id="3" name="Content Placeholder 2">
+            <a:extLst>
+              <a:ext uri="{FF2B5EF4-FFF2-40B4-BE49-F238E27FC236}">
+                <a16:creationId xmlns:a16="http://schemas.microsoft.com/office/drawing/2014/main" id="{37CEEEB0-BEDE-21B7-1270-054A99137C4A}"/>
+              </a:ext>
+            </a:extLst>
+          </p:cNvPr>
+          <p:cNvSpPr>
+            <a:spLocks noGrp="1"/>
+          </p:cNvSpPr>
+          <p:nvPr>
+            <p:ph idx="1"/>
+          </p:nvPr>
+        </p:nvSpPr>
+        <p:spPr>
+          <a:xfrm>
+            <a:off x="838200" y="1588894"/>
+            <a:ext cx="10515600" cy="4351338"/>
+          </a:xfrm>
+        </p:spPr>
+        <p:txBody>
+          <a:bodyPr/>
+          <a:lstStyle/>
+          <a:p>
+            <a:r>
+              <a:rPr lang="en-US" dirty="0"/>
+              <a:t>Exposed API key</a:t>
+            </a:r>
+          </a:p>
+          <a:p>
+            <a:r>
+              <a:rPr lang="en-US" dirty="0"/>
+              <a:t>Client-side info</a:t>
+            </a:r>
+          </a:p>
+          <a:p>
+            <a:r>
+              <a:rPr lang="en-US" dirty="0"/>
+              <a:t>Sever-side open ports</a:t>
+            </a:r>
+          </a:p>
+          <a:p>
+            <a:endParaRPr lang="en-US" dirty="0"/>
+          </a:p>
+        </p:txBody>
+      </p:sp>
       <p:pic>
         <p:nvPicPr>
-          <p:cNvPr id="7" name="Picture 6">
+          <p:cNvPr id="4" name="Picture 3">
             <a:extLst>
               <a:ext uri="{FF2B5EF4-FFF2-40B4-BE49-F238E27FC236}">
-                <a16:creationId xmlns:a16="http://schemas.microsoft.com/office/drawing/2014/main" id="{4EF4E4F7-9342-1178-FB9F-7ED40AA98618}"/>
+                <a16:creationId xmlns:a16="http://schemas.microsoft.com/office/drawing/2014/main" id="{54951250-8214-809C-E5AC-1D264D1CA38D}"/>
               </a:ext>
             </a:extLst>
           </p:cNvPr>
@@ -4197,20 +7218,62 @@
         </p:blipFill>
         <p:spPr>
           <a:xfrm>
-            <a:off x="4704933" y="1407530"/>
-            <a:ext cx="3453599" cy="2127191"/>
+            <a:off x="4323449" y="1675631"/>
+            <a:ext cx="7642491" cy="1591698"/>
           </a:xfrm>
           <a:prstGeom prst="rect">
             <a:avLst/>
           </a:prstGeom>
         </p:spPr>
       </p:pic>
+      <p:cxnSp>
+        <p:nvCxnSpPr>
+          <p:cNvPr id="6" name="Straight Arrow Connector 5">
+            <a:extLst>
+              <a:ext uri="{FF2B5EF4-FFF2-40B4-BE49-F238E27FC236}">
+                <a16:creationId xmlns:a16="http://schemas.microsoft.com/office/drawing/2014/main" id="{653CF7B9-5BFB-33F3-FD31-745845589BF1}"/>
+              </a:ext>
+            </a:extLst>
+          </p:cNvPr>
+          <p:cNvCxnSpPr/>
+          <p:nvPr/>
+        </p:nvCxnSpPr>
+        <p:spPr>
+          <a:xfrm flipH="1" flipV="1">
+            <a:off x="6024880" y="1917290"/>
+            <a:ext cx="142240" cy="396240"/>
+          </a:xfrm>
+          <a:prstGeom prst="straightConnector1">
+            <a:avLst/>
+          </a:prstGeom>
+          <a:ln w="38100">
+            <a:solidFill>
+              <a:srgbClr val="FF0000"/>
+            </a:solidFill>
+            <a:tailEnd type="triangle"/>
+          </a:ln>
+        </p:spPr>
+        <p:style>
+          <a:lnRef idx="1">
+            <a:schemeClr val="accent1"/>
+          </a:lnRef>
+          <a:fillRef idx="0">
+            <a:schemeClr val="accent1"/>
+          </a:fillRef>
+          <a:effectRef idx="0">
+            <a:schemeClr val="accent1"/>
+          </a:effectRef>
+          <a:fontRef idx="minor">
+            <a:schemeClr val="tx1"/>
+          </a:fontRef>
+        </p:style>
+      </p:cxnSp>
       <p:pic>
         <p:nvPicPr>
-          <p:cNvPr id="9" name="Picture 8">
+          <p:cNvPr id="8" name="Picture 7">
             <a:extLst>
               <a:ext uri="{FF2B5EF4-FFF2-40B4-BE49-F238E27FC236}">
-                <a16:creationId xmlns:a16="http://schemas.microsoft.com/office/drawing/2014/main" id="{37CD631B-ABFF-B024-92E7-70B6F050E791}"/>
+                <a16:creationId xmlns:a16="http://schemas.microsoft.com/office/drawing/2014/main" id="{C104DB0F-D512-046A-8E6B-1B35C96158B2}"/>
               </a:ext>
             </a:extLst>
           </p:cNvPr>
@@ -4227,8 +7290,8 @@
         </p:blipFill>
         <p:spPr>
           <a:xfrm>
-            <a:off x="506880" y="5273040"/>
-            <a:ext cx="5924853" cy="1562069"/>
+            <a:off x="6330950" y="4611376"/>
+            <a:ext cx="4813300" cy="1435100"/>
           </a:xfrm>
           <a:prstGeom prst="rect">
             <a:avLst/>
@@ -4240,37 +7303,7 @@
           <p:cNvPr id="5" name="Picture 4">
             <a:extLst>
               <a:ext uri="{FF2B5EF4-FFF2-40B4-BE49-F238E27FC236}">
-                <a16:creationId xmlns:a16="http://schemas.microsoft.com/office/drawing/2014/main" id="{4A361CC4-6C54-3027-D9FF-8905DA344687}"/>
-              </a:ext>
-            </a:extLst>
-          </p:cNvPr>
-          <p:cNvPicPr>
-            <a:picLocks noChangeAspect="1"/>
-          </p:cNvPicPr>
-          <p:nvPr/>
-        </p:nvPicPr>
-        <p:blipFill>
-          <a:blip r:embed="rId5"/>
-          <a:stretch>
-            <a:fillRect/>
-          </a:stretch>
-        </p:blipFill>
-        <p:spPr>
-          <a:xfrm>
-            <a:off x="506880" y="3755618"/>
-            <a:ext cx="4329280" cy="1518616"/>
-          </a:xfrm>
-          <a:prstGeom prst="rect">
-            <a:avLst/>
-          </a:prstGeom>
-        </p:spPr>
-      </p:pic>
-      <p:pic>
-        <p:nvPicPr>
-          <p:cNvPr id="6" name="Picture 5">
-            <a:extLst>
-              <a:ext uri="{FF2B5EF4-FFF2-40B4-BE49-F238E27FC236}">
-                <a16:creationId xmlns:a16="http://schemas.microsoft.com/office/drawing/2014/main" id="{82B5BD31-A244-8C3D-B607-4E80B25FD0FC}"/>
+                <a16:creationId xmlns:a16="http://schemas.microsoft.com/office/drawing/2014/main" id="{3C4258D9-53EA-B13D-AFDD-0115664A8EB3}"/>
               </a:ext>
             </a:extLst>
           </p:cNvPr>
@@ -4280,14 +7313,14 @@
           <p:nvPr/>
         </p:nvPicPr>
         <p:blipFill rotWithShape="1">
-          <a:blip r:embed="rId6"/>
-          <a:srcRect t="-1351" r="15241" b="-1"/>
+          <a:blip r:embed="rId5"/>
+          <a:srcRect r="13399"/>
           <a:stretch/>
         </p:blipFill>
         <p:spPr>
           <a:xfrm>
-            <a:off x="5424054" y="4227204"/>
-            <a:ext cx="6587836" cy="775379"/>
+            <a:off x="226060" y="4611376"/>
+            <a:ext cx="4097389" cy="1881499"/>
           </a:xfrm>
           <a:prstGeom prst="rect">
             <a:avLst/>
@@ -4297,7 +7330,7 @@
     </p:spTree>
     <p:extLst>
       <p:ext uri="{BB962C8B-B14F-4D97-AF65-F5344CB8AC3E}">
-        <p14:creationId xmlns:p14="http://schemas.microsoft.com/office/powerpoint/2010/main" val="2397591520"/>
+        <p14:creationId xmlns:p14="http://schemas.microsoft.com/office/powerpoint/2010/main" val="1478802803"/>
       </p:ext>
     </p:extLst>
   </p:cSld>
@@ -4329,7 +7362,7 @@
           <p:cNvPr id="2" name="Title 1">
             <a:extLst>
               <a:ext uri="{FF2B5EF4-FFF2-40B4-BE49-F238E27FC236}">
-                <a16:creationId xmlns:a16="http://schemas.microsoft.com/office/drawing/2014/main" id="{4880D863-2C53-50D4-09F5-D35CA33AD223}"/>
+                <a16:creationId xmlns:a16="http://schemas.microsoft.com/office/drawing/2014/main" id="{8D0B730E-58E7-DACC-32D6-0ACAF15EC7D2}"/>
               </a:ext>
             </a:extLst>
           </p:cNvPr>
@@ -4347,7 +7380,7 @@
           <a:p>
             <a:r>
               <a:rPr lang="en-US" dirty="0"/>
-              <a:t>Good Security Practice Cont’d </a:t>
+              <a:t>Challenges &amp; Solutions</a:t>
             </a:r>
           </a:p>
         </p:txBody>
@@ -4357,7 +7390,7 @@
           <p:cNvPr id="3" name="Content Placeholder 2">
             <a:extLst>
               <a:ext uri="{FF2B5EF4-FFF2-40B4-BE49-F238E27FC236}">
-                <a16:creationId xmlns:a16="http://schemas.microsoft.com/office/drawing/2014/main" id="{50A8D86B-DCA6-4455-253C-2B0A07323EF5}"/>
+                <a16:creationId xmlns:a16="http://schemas.microsoft.com/office/drawing/2014/main" id="{972B77A2-F7C7-BEB7-C4F9-B14EBBF387D9}"/>
               </a:ext>
             </a:extLst>
           </p:cNvPr>
@@ -4375,32 +7408,17 @@
           <a:p>
             <a:r>
               <a:rPr lang="en-US" dirty="0"/>
-              <a:t>Input Validation</a:t>
-            </a:r>
-          </a:p>
-          <a:p>
-            <a:r>
-              <a:rPr lang="en-US" dirty="0"/>
-              <a:t>Rate Limiting</a:t>
-            </a:r>
-          </a:p>
-          <a:p>
-            <a:r>
-              <a:rPr lang="en-US" dirty="0"/>
-              <a:t>Separate code and environment</a:t>
-            </a:r>
-          </a:p>
-          <a:p>
-            <a:endParaRPr lang="en-US" dirty="0"/>
+              <a:t>Exposing API keys in Client-side</a:t>
+            </a:r>
           </a:p>
         </p:txBody>
       </p:sp>
       <p:pic>
         <p:nvPicPr>
-          <p:cNvPr id="5" name="Picture 4">
+          <p:cNvPr id="4" name="Picture 3">
             <a:extLst>
               <a:ext uri="{FF2B5EF4-FFF2-40B4-BE49-F238E27FC236}">
-                <a16:creationId xmlns:a16="http://schemas.microsoft.com/office/drawing/2014/main" id="{79221A2D-8329-5991-95F0-D2D436E6A300}"/>
+                <a16:creationId xmlns:a16="http://schemas.microsoft.com/office/drawing/2014/main" id="{6FC663EA-3D03-50F0-DA67-0ECFA0ABB208}"/>
               </a:ext>
             </a:extLst>
           </p:cNvPr>
@@ -4417,98 +7435,8 @@
         </p:blipFill>
         <p:spPr>
           <a:xfrm>
-            <a:off x="6340202" y="1496949"/>
-            <a:ext cx="5013598" cy="1819656"/>
-          </a:xfrm>
-          <a:prstGeom prst="rect">
-            <a:avLst/>
-          </a:prstGeom>
-        </p:spPr>
-      </p:pic>
-      <p:pic>
-        <p:nvPicPr>
-          <p:cNvPr id="6" name="Picture 5">
-            <a:extLst>
-              <a:ext uri="{FF2B5EF4-FFF2-40B4-BE49-F238E27FC236}">
-                <a16:creationId xmlns:a16="http://schemas.microsoft.com/office/drawing/2014/main" id="{82E91FA8-11C7-05C1-7D05-F3BDFF1C433C}"/>
-              </a:ext>
-            </a:extLst>
-          </p:cNvPr>
-          <p:cNvPicPr>
-            <a:picLocks noChangeAspect="1"/>
-          </p:cNvPicPr>
-          <p:nvPr/>
-        </p:nvPicPr>
-        <p:blipFill>
-          <a:blip r:embed="rId3"/>
-          <a:stretch>
-            <a:fillRect/>
-          </a:stretch>
-        </p:blipFill>
-        <p:spPr>
-          <a:xfrm>
-            <a:off x="6448698" y="3622834"/>
-            <a:ext cx="5105400" cy="2247900"/>
-          </a:xfrm>
-          <a:prstGeom prst="rect">
-            <a:avLst/>
-          </a:prstGeom>
-        </p:spPr>
-      </p:pic>
-      <p:pic>
-        <p:nvPicPr>
-          <p:cNvPr id="9" name="Picture 8">
-            <a:extLst>
-              <a:ext uri="{FF2B5EF4-FFF2-40B4-BE49-F238E27FC236}">
-                <a16:creationId xmlns:a16="http://schemas.microsoft.com/office/drawing/2014/main" id="{6C10249B-E5B9-B0A1-4557-5F16701C4FB4}"/>
-              </a:ext>
-            </a:extLst>
-          </p:cNvPr>
-          <p:cNvPicPr>
-            <a:picLocks noChangeAspect="1"/>
-          </p:cNvPicPr>
-          <p:nvPr/>
-        </p:nvPicPr>
-        <p:blipFill>
-          <a:blip r:embed="rId4"/>
-          <a:stretch>
-            <a:fillRect/>
-          </a:stretch>
-        </p:blipFill>
-        <p:spPr>
-          <a:xfrm>
-            <a:off x="711948" y="3962262"/>
-            <a:ext cx="4696384" cy="784522"/>
-          </a:xfrm>
-          <a:prstGeom prst="rect">
-            <a:avLst/>
-          </a:prstGeom>
-        </p:spPr>
-      </p:pic>
-      <p:pic>
-        <p:nvPicPr>
-          <p:cNvPr id="10" name="Picture 9">
-            <a:extLst>
-              <a:ext uri="{FF2B5EF4-FFF2-40B4-BE49-F238E27FC236}">
-                <a16:creationId xmlns:a16="http://schemas.microsoft.com/office/drawing/2014/main" id="{30EAFF6E-D842-782F-C750-5DAD360624D2}"/>
-              </a:ext>
-            </a:extLst>
-          </p:cNvPr>
-          <p:cNvPicPr>
-            <a:picLocks noChangeAspect="1"/>
-          </p:cNvPicPr>
-          <p:nvPr/>
-        </p:nvPicPr>
-        <p:blipFill>
-          <a:blip r:embed="rId5"/>
-          <a:stretch>
-            <a:fillRect/>
-          </a:stretch>
-        </p:blipFill>
-        <p:spPr>
-          <a:xfrm>
-            <a:off x="437242" y="4977884"/>
-            <a:ext cx="5702300" cy="1001030"/>
+            <a:off x="995082" y="3071385"/>
+            <a:ext cx="10201835" cy="2719815"/>
           </a:xfrm>
           <a:prstGeom prst="rect">
             <a:avLst/>
@@ -4518,7 +7446,7 @@
     </p:spTree>
     <p:extLst>
       <p:ext uri="{BB962C8B-B14F-4D97-AF65-F5344CB8AC3E}">
-        <p14:creationId xmlns:p14="http://schemas.microsoft.com/office/powerpoint/2010/main" val="47507541"/>
+        <p14:creationId xmlns:p14="http://schemas.microsoft.com/office/powerpoint/2010/main" val="2519845882"/>
       </p:ext>
     </p:extLst>
   </p:cSld>
@@ -4550,7 +7478,7 @@
           <p:cNvPr id="2" name="Title 1">
             <a:extLst>
               <a:ext uri="{FF2B5EF4-FFF2-40B4-BE49-F238E27FC236}">
-                <a16:creationId xmlns:a16="http://schemas.microsoft.com/office/drawing/2014/main" id="{36F0ABB7-CFB5-2220-A3A4-B86F61D6CDC7}"/>
+                <a16:creationId xmlns:a16="http://schemas.microsoft.com/office/drawing/2014/main" id="{E7D329CA-21B2-6146-8A8B-942006F542BD}"/>
               </a:ext>
             </a:extLst>
           </p:cNvPr>
@@ -4568,67 +7496,49 @@
           <a:p>
             <a:r>
               <a:rPr lang="en-US" dirty="0"/>
-              <a:t>Security Concern</a:t>
-            </a:r>
-          </a:p>
-        </p:txBody>
-      </p:sp>
-      <p:sp>
-        <p:nvSpPr>
-          <p:cNvPr id="3" name="Content Placeholder 2">
+              <a:t>Challenges &amp; Solutions</a:t>
+            </a:r>
+          </a:p>
+        </p:txBody>
+      </p:sp>
+      <p:pic>
+        <p:nvPicPr>
+          <p:cNvPr id="4" name="Content Placeholder 3">
             <a:extLst>
               <a:ext uri="{FF2B5EF4-FFF2-40B4-BE49-F238E27FC236}">
-                <a16:creationId xmlns:a16="http://schemas.microsoft.com/office/drawing/2014/main" id="{37CEEEB0-BEDE-21B7-1270-054A99137C4A}"/>
+                <a16:creationId xmlns:a16="http://schemas.microsoft.com/office/drawing/2014/main" id="{E017D48B-0190-DAB8-6E58-80026A9616D2}"/>
               </a:ext>
             </a:extLst>
           </p:cNvPr>
-          <p:cNvSpPr>
-            <a:spLocks noGrp="1"/>
-          </p:cNvSpPr>
+          <p:cNvPicPr>
+            <a:picLocks noGrp="1" noChangeAspect="1"/>
+          </p:cNvPicPr>
           <p:nvPr>
             <p:ph idx="1"/>
           </p:nvPr>
-        </p:nvSpPr>
-        <p:spPr>
-          <a:xfrm>
-            <a:off x="838200" y="1588894"/>
-            <a:ext cx="10515600" cy="4351338"/>
-          </a:xfrm>
-        </p:spPr>
-        <p:txBody>
-          <a:bodyPr/>
-          <a:lstStyle/>
-          <a:p>
-            <a:r>
-              <a:rPr lang="en-US" dirty="0" err="1"/>
-              <a:t>BurpSuite</a:t>
-            </a:r>
-            <a:endParaRPr lang="en-US" dirty="0"/>
-          </a:p>
-          <a:p>
-            <a:r>
-              <a:rPr lang="en-US" dirty="0"/>
-              <a:t>Wireshark</a:t>
-            </a:r>
-          </a:p>
-          <a:p>
-            <a:r>
-              <a:rPr lang="en-US" dirty="0" err="1"/>
-              <a:t>mimtproxy</a:t>
-            </a:r>
-            <a:endParaRPr lang="en-US" dirty="0"/>
-          </a:p>
-          <a:p>
-            <a:endParaRPr lang="en-US" dirty="0"/>
-          </a:p>
-        </p:txBody>
-      </p:sp>
+        </p:nvPicPr>
+        <p:blipFill>
+          <a:blip r:embed="rId2"/>
+          <a:stretch>
+            <a:fillRect/>
+          </a:stretch>
+        </p:blipFill>
+        <p:spPr>
+          <a:xfrm>
+            <a:off x="236042" y="1686694"/>
+            <a:ext cx="11719916" cy="1742306"/>
+          </a:xfrm>
+          <a:prstGeom prst="rect">
+            <a:avLst/>
+          </a:prstGeom>
+        </p:spPr>
+      </p:pic>
       <p:pic>
         <p:nvPicPr>
-          <p:cNvPr id="4" name="Picture 3">
+          <p:cNvPr id="6" name="Picture 5">
             <a:extLst>
               <a:ext uri="{FF2B5EF4-FFF2-40B4-BE49-F238E27FC236}">
-                <a16:creationId xmlns:a16="http://schemas.microsoft.com/office/drawing/2014/main" id="{54951250-8214-809C-E5AC-1D264D1CA38D}"/>
+                <a16:creationId xmlns:a16="http://schemas.microsoft.com/office/drawing/2014/main" id="{A0B5655D-2F27-F73C-9546-374A14EF4B92}"/>
               </a:ext>
             </a:extLst>
           </p:cNvPr>
@@ -4638,37 +7548,69 @@
           <p:nvPr/>
         </p:nvPicPr>
         <p:blipFill>
-          <a:blip r:embed="rId2"/>
+          <a:blip r:embed="rId3"/>
           <a:stretch>
             <a:fillRect/>
           </a:stretch>
         </p:blipFill>
         <p:spPr>
           <a:xfrm>
-            <a:off x="3836254" y="1501740"/>
-            <a:ext cx="7642491" cy="1591698"/>
+            <a:off x="179294" y="3649885"/>
+            <a:ext cx="8703540" cy="1742306"/>
           </a:xfrm>
           <a:prstGeom prst="rect">
             <a:avLst/>
           </a:prstGeom>
         </p:spPr>
       </p:pic>
-      <p:cxnSp>
-        <p:nvCxnSpPr>
-          <p:cNvPr id="6" name="Straight Arrow Connector 5">
+      <p:pic>
+        <p:nvPicPr>
+          <p:cNvPr id="3" name="Picture 2">
             <a:extLst>
               <a:ext uri="{FF2B5EF4-FFF2-40B4-BE49-F238E27FC236}">
-                <a16:creationId xmlns:a16="http://schemas.microsoft.com/office/drawing/2014/main" id="{653CF7B9-5BFB-33F3-FD31-745845589BF1}"/>
+                <a16:creationId xmlns:a16="http://schemas.microsoft.com/office/drawing/2014/main" id="{556109BA-D8E0-B4FF-D50E-BAD9963483BF}"/>
               </a:ext>
             </a:extLst>
           </p:cNvPr>
-          <p:cNvCxnSpPr/>
+          <p:cNvPicPr>
+            <a:picLocks noChangeAspect="1"/>
+          </p:cNvPicPr>
+          <p:nvPr/>
+        </p:nvPicPr>
+        <p:blipFill>
+          <a:blip r:embed="rId4"/>
+          <a:stretch>
+            <a:fillRect/>
+          </a:stretch>
+        </p:blipFill>
+        <p:spPr>
+          <a:xfrm>
+            <a:off x="199790" y="5613076"/>
+            <a:ext cx="11078436" cy="980451"/>
+          </a:xfrm>
+          <a:prstGeom prst="rect">
+            <a:avLst/>
+          </a:prstGeom>
+        </p:spPr>
+      </p:pic>
+      <p:cxnSp>
+        <p:nvCxnSpPr>
+          <p:cNvPr id="7" name="Straight Arrow Connector 6">
+            <a:extLst>
+              <a:ext uri="{FF2B5EF4-FFF2-40B4-BE49-F238E27FC236}">
+                <a16:creationId xmlns:a16="http://schemas.microsoft.com/office/drawing/2014/main" id="{4E1D9116-283E-B176-17B8-BB3E45B387E4}"/>
+              </a:ext>
+            </a:extLst>
+          </p:cNvPr>
+          <p:cNvCxnSpPr>
+            <a:cxnSpLocks/>
+          </p:cNvCxnSpPr>
           <p:nvPr/>
         </p:nvCxnSpPr>
         <p:spPr>
           <a:xfrm flipH="1" flipV="1">
-            <a:off x="6705600" y="1702100"/>
-            <a:ext cx="142240" cy="396240"/>
+            <a:off x="5183632" y="6478626"/>
+            <a:ext cx="439928" cy="229802"/>
           </a:xfrm>
           <a:prstGeom prst="straightConnector1">
             <a:avLst/>
@@ -4695,70 +7637,10 @@
           </a:fontRef>
         </p:style>
       </p:cxnSp>
-      <p:pic>
-        <p:nvPicPr>
-          <p:cNvPr id="7" name="Picture 6">
-            <a:extLst>
-              <a:ext uri="{FF2B5EF4-FFF2-40B4-BE49-F238E27FC236}">
-                <a16:creationId xmlns:a16="http://schemas.microsoft.com/office/drawing/2014/main" id="{1B5FEF11-557F-B1A6-B51F-5323C2CEDA4A}"/>
-              </a:ext>
-            </a:extLst>
-          </p:cNvPr>
-          <p:cNvPicPr>
-            <a:picLocks noChangeAspect="1"/>
-          </p:cNvPicPr>
-          <p:nvPr/>
-        </p:nvPicPr>
-        <p:blipFill>
-          <a:blip r:embed="rId3"/>
-          <a:stretch>
-            <a:fillRect/>
-          </a:stretch>
-        </p:blipFill>
-        <p:spPr>
-          <a:xfrm>
-            <a:off x="4079240" y="3267329"/>
-            <a:ext cx="7772400" cy="3225546"/>
-          </a:xfrm>
-          <a:prstGeom prst="rect">
-            <a:avLst/>
-          </a:prstGeom>
-        </p:spPr>
-      </p:pic>
-      <p:pic>
-        <p:nvPicPr>
-          <p:cNvPr id="8" name="Picture 7">
-            <a:extLst>
-              <a:ext uri="{FF2B5EF4-FFF2-40B4-BE49-F238E27FC236}">
-                <a16:creationId xmlns:a16="http://schemas.microsoft.com/office/drawing/2014/main" id="{C104DB0F-D512-046A-8E6B-1B35C96158B2}"/>
-              </a:ext>
-            </a:extLst>
-          </p:cNvPr>
-          <p:cNvPicPr>
-            <a:picLocks noChangeAspect="1"/>
-          </p:cNvPicPr>
-          <p:nvPr/>
-        </p:nvPicPr>
-        <p:blipFill>
-          <a:blip r:embed="rId4"/>
-          <a:stretch>
-            <a:fillRect/>
-          </a:stretch>
-        </p:blipFill>
-        <p:spPr>
-          <a:xfrm>
-            <a:off x="6330950" y="4638710"/>
-            <a:ext cx="4813300" cy="1435100"/>
-          </a:xfrm>
-          <a:prstGeom prst="rect">
-            <a:avLst/>
-          </a:prstGeom>
-        </p:spPr>
-      </p:pic>
     </p:spTree>
     <p:extLst>
       <p:ext uri="{BB962C8B-B14F-4D97-AF65-F5344CB8AC3E}">
-        <p14:creationId xmlns:p14="http://schemas.microsoft.com/office/powerpoint/2010/main" val="1478802803"/>
+        <p14:creationId xmlns:p14="http://schemas.microsoft.com/office/powerpoint/2010/main" val="1648694701"/>
       </p:ext>
     </p:extLst>
   </p:cSld>
@@ -4815,6 +7697,38 @@
       </p:sp>
       <p:pic>
         <p:nvPicPr>
+          <p:cNvPr id="8" name="Content Placeholder 7">
+            <a:extLst>
+              <a:ext uri="{FF2B5EF4-FFF2-40B4-BE49-F238E27FC236}">
+                <a16:creationId xmlns:a16="http://schemas.microsoft.com/office/drawing/2014/main" id="{5260367F-6FEC-847D-A8C5-7D25E4B57093}"/>
+              </a:ext>
+            </a:extLst>
+          </p:cNvPr>
+          <p:cNvPicPr>
+            <a:picLocks noGrp="1" noChangeAspect="1"/>
+          </p:cNvPicPr>
+          <p:nvPr>
+            <p:ph idx="1"/>
+          </p:nvPr>
+        </p:nvPicPr>
+        <p:blipFill>
+          <a:blip r:embed="rId2"/>
+          <a:stretch>
+            <a:fillRect/>
+          </a:stretch>
+        </p:blipFill>
+        <p:spPr>
+          <a:xfrm>
+            <a:off x="354106" y="4287556"/>
+            <a:ext cx="10515600" cy="2357548"/>
+          </a:xfrm>
+          <a:prstGeom prst="rect">
+            <a:avLst/>
+          </a:prstGeom>
+        </p:spPr>
+      </p:pic>
+      <p:pic>
+        <p:nvPicPr>
           <p:cNvPr id="4" name="Picture 3">
             <a:extLst>
               <a:ext uri="{FF2B5EF4-FFF2-40B4-BE49-F238E27FC236}">
@@ -4828,38 +7742,6 @@
           <p:nvPr/>
         </p:nvPicPr>
         <p:blipFill>
-          <a:blip r:embed="rId2"/>
-          <a:stretch>
-            <a:fillRect/>
-          </a:stretch>
-        </p:blipFill>
-        <p:spPr>
-          <a:xfrm>
-            <a:off x="4608755" y="1283652"/>
-            <a:ext cx="6260951" cy="2717642"/>
-          </a:xfrm>
-          <a:prstGeom prst="rect">
-            <a:avLst/>
-          </a:prstGeom>
-        </p:spPr>
-      </p:pic>
-      <p:pic>
-        <p:nvPicPr>
-          <p:cNvPr id="8" name="Content Placeholder 7">
-            <a:extLst>
-              <a:ext uri="{FF2B5EF4-FFF2-40B4-BE49-F238E27FC236}">
-                <a16:creationId xmlns:a16="http://schemas.microsoft.com/office/drawing/2014/main" id="{5260367F-6FEC-847D-A8C5-7D25E4B57093}"/>
-              </a:ext>
-            </a:extLst>
-          </p:cNvPr>
-          <p:cNvPicPr>
-            <a:picLocks noGrp="1" noChangeAspect="1"/>
-          </p:cNvPicPr>
-          <p:nvPr>
-            <p:ph idx="1"/>
-          </p:nvPr>
-        </p:nvPicPr>
-        <p:blipFill>
           <a:blip r:embed="rId3"/>
           <a:stretch>
             <a:fillRect/>
@@ -4867,8 +7749,8 @@
         </p:blipFill>
         <p:spPr>
           <a:xfrm>
-            <a:off x="354106" y="4287556"/>
-            <a:ext cx="10515600" cy="2357548"/>
+            <a:off x="5001947" y="1763718"/>
+            <a:ext cx="5641669" cy="2448835"/>
           </a:xfrm>
           <a:prstGeom prst="rect">
             <a:avLst/>
@@ -5108,7 +7990,7 @@
         </p:blipFill>
         <p:spPr>
           <a:xfrm>
-            <a:off x="6198796" y="365125"/>
+            <a:off x="8027596" y="281558"/>
             <a:ext cx="2438400" cy="1104900"/>
           </a:xfrm>
           <a:prstGeom prst="rect">
@@ -5192,7 +8074,9 @@
         </p:nvSpPr>
         <p:spPr/>
         <p:txBody>
-          <a:bodyPr/>
+          <a:bodyPr>
+            <a:normAutofit/>
+          </a:bodyPr>
           <a:lstStyle/>
           <a:p>
             <a:r>
@@ -5204,7 +8088,11 @@
             <a:pPr lvl="1"/>
             <a:r>
               <a:rPr lang="en-US" dirty="0"/>
-              <a:t>Backend Processing (e.g. extracting geo-coordinates, proxy </a:t>
+              <a:t>Backend Processing (e.g. extracting geo-coordinates</a:t>
+            </a:r>
+            <a:r>
+              <a:rPr lang="en-US"/>
+              <a:t>, CSRF </a:t>
             </a:r>
             <a:r>
               <a:rPr lang="en-US" dirty="0" err="1"/>
@@ -5436,13 +8324,37 @@
                 <a:spcPts val="0"/>
               </a:spcBef>
             </a:pPr>
+            <a:endParaRPr lang="en-US" dirty="0">
+              <a:solidFill>
+                <a:srgbClr val="000000"/>
+              </a:solidFill>
+            </a:endParaRPr>
+          </a:p>
+          <a:p>
+            <a:pPr>
+              <a:spcBef>
+                <a:spcPts val="0"/>
+              </a:spcBef>
+            </a:pPr>
+            <a:endParaRPr lang="en-US" dirty="0">
+              <a:solidFill>
+                <a:srgbClr val="000000"/>
+              </a:solidFill>
+            </a:endParaRPr>
+          </a:p>
+          <a:p>
+            <a:pPr>
+              <a:spcBef>
+                <a:spcPts val="0"/>
+              </a:spcBef>
+            </a:pPr>
             <a:r>
               <a:rPr lang="en-US" dirty="0">
                 <a:solidFill>
                   <a:srgbClr val="000000"/>
                 </a:solidFill>
               </a:rPr>
-              <a:t>Extra features</a:t>
+              <a:t>Open to extra features</a:t>
             </a:r>
             <a:r>
               <a:rPr lang="en-US" dirty="0">
@@ -5451,7 +8363,7 @@
                 </a:solidFill>
                 <a:sym typeface="Wingdings" pitchFamily="2" charset="2"/>
               </a:rPr>
-              <a:t> </a:t>
+              <a:t>, yeah!!!</a:t>
             </a:r>
             <a:endParaRPr lang="en-US" dirty="0"/>
           </a:p>
@@ -5535,7 +8447,7 @@
         <p:spPr/>
         <p:txBody>
           <a:bodyPr>
-            <a:normAutofit lnSpcReduction="10000"/>
+            <a:normAutofit fontScale="85000" lnSpcReduction="20000"/>
           </a:bodyPr>
           <a:lstStyle/>
           <a:p>
@@ -5758,8 +8670,8 @@
         </p:blipFill>
         <p:spPr>
           <a:xfrm>
-            <a:off x="5325036" y="1309785"/>
-            <a:ext cx="5754260" cy="5383017"/>
+            <a:off x="5928540" y="1783724"/>
+            <a:ext cx="5071692" cy="4744486"/>
           </a:xfrm>
           <a:prstGeom prst="rect">
             <a:avLst/>
@@ -5848,8 +8760,8 @@
         </p:blipFill>
         <p:spPr>
           <a:xfrm>
-            <a:off x="3541398" y="1825625"/>
-            <a:ext cx="5109203" cy="4351338"/>
+            <a:off x="4085685" y="2366963"/>
+            <a:ext cx="4020630" cy="3424237"/>
           </a:xfrm>
           <a:prstGeom prst="rect">
             <a:avLst/>
@@ -5938,8 +8850,8 @@
         </p:blipFill>
         <p:spPr>
           <a:xfrm>
-            <a:off x="4040954" y="4998757"/>
-            <a:ext cx="5735442" cy="1424194"/>
+            <a:off x="914400" y="2792415"/>
+            <a:ext cx="10363200" cy="2573333"/>
           </a:xfrm>
           <a:prstGeom prst="rect">
             <a:avLst/>
@@ -6093,8 +9005,8 @@
         </p:blipFill>
         <p:spPr>
           <a:xfrm>
-            <a:off x="8060153" y="1601751"/>
-            <a:ext cx="1882277" cy="4351338"/>
+            <a:off x="5355381" y="2366963"/>
+            <a:ext cx="1481237" cy="3424237"/>
           </a:xfrm>
           <a:prstGeom prst="rect">
             <a:avLst/>
@@ -6366,7 +9278,7 @@
           <p:cNvPr id="2" name="Title 1">
             <a:extLst>
               <a:ext uri="{FF2B5EF4-FFF2-40B4-BE49-F238E27FC236}">
-                <a16:creationId xmlns:a16="http://schemas.microsoft.com/office/drawing/2014/main" id="{8D0B730E-58E7-DACC-32D6-0ACAF15EC7D2}"/>
+                <a16:creationId xmlns:a16="http://schemas.microsoft.com/office/drawing/2014/main" id="{7DFE59AF-BDEE-4B9B-5A9A-81E5E721613C}"/>
               </a:ext>
             </a:extLst>
           </p:cNvPr>
@@ -6384,7 +9296,7 @@
           <a:p>
             <a:r>
               <a:rPr lang="en-US" dirty="0"/>
-              <a:t>Challenges &amp; Solutions</a:t>
+              <a:t>Good Security Practice</a:t>
             </a:r>
           </a:p>
         </p:txBody>
@@ -6394,7 +9306,7 @@
           <p:cNvPr id="3" name="Content Placeholder 2">
             <a:extLst>
               <a:ext uri="{FF2B5EF4-FFF2-40B4-BE49-F238E27FC236}">
-                <a16:creationId xmlns:a16="http://schemas.microsoft.com/office/drawing/2014/main" id="{972B77A2-F7C7-BEB7-C4F9-B14EBBF387D9}"/>
+                <a16:creationId xmlns:a16="http://schemas.microsoft.com/office/drawing/2014/main" id="{F095131C-AEC1-CBD6-98DC-602A25D747CA}"/>
               </a:ext>
             </a:extLst>
           </p:cNvPr>
@@ -6405,14 +9317,45 @@
             <p:ph idx="1"/>
           </p:nvPr>
         </p:nvSpPr>
-        <p:spPr/>
+        <p:spPr>
+          <a:xfrm>
+            <a:off x="913773" y="1806408"/>
+            <a:ext cx="10364452" cy="3424107"/>
+          </a:xfrm>
+        </p:spPr>
         <p:txBody>
           <a:bodyPr/>
           <a:lstStyle/>
           <a:p>
             <a:r>
               <a:rPr lang="en-US" dirty="0"/>
-              <a:t>Exposing API keys in Client-side</a:t>
+              <a:t>Least Privilege </a:t>
+            </a:r>
+          </a:p>
+          <a:p>
+            <a:r>
+              <a:rPr lang="en-US" dirty="0"/>
+              <a:t>Server-side API calls</a:t>
+            </a:r>
+          </a:p>
+          <a:p>
+            <a:r>
+              <a:rPr lang="en-US" dirty="0"/>
+              <a:t>HTTPS (</a:t>
+            </a:r>
+            <a:r>
+              <a:rPr lang="en-US" dirty="0" err="1"/>
+              <a:t>axios</a:t>
+            </a:r>
+            <a:r>
+              <a:rPr lang="en-US" dirty="0"/>
+              <a:t>)</a:t>
+            </a:r>
+          </a:p>
+          <a:p>
+            <a:r>
+              <a:rPr lang="en-US" dirty="0"/>
+              <a:t>Error Handling</a:t>
             </a:r>
           </a:p>
         </p:txBody>
@@ -6422,7 +9365,7 @@
           <p:cNvPr id="4" name="Picture 3">
             <a:extLst>
               <a:ext uri="{FF2B5EF4-FFF2-40B4-BE49-F238E27FC236}">
-                <a16:creationId xmlns:a16="http://schemas.microsoft.com/office/drawing/2014/main" id="{6FC663EA-3D03-50F0-DA67-0ECFA0ABB208}"/>
+                <a16:creationId xmlns:a16="http://schemas.microsoft.com/office/drawing/2014/main" id="{6742F609-5CB1-4C11-3044-EA37057046FD}"/>
               </a:ext>
             </a:extLst>
           </p:cNvPr>
@@ -6439,8 +9382,127 @@
         </p:blipFill>
         <p:spPr>
           <a:xfrm>
-            <a:off x="995082" y="2641386"/>
-            <a:ext cx="10201835" cy="2719815"/>
+            <a:off x="8164578" y="1769336"/>
+            <a:ext cx="4047566" cy="2080853"/>
+          </a:xfrm>
+          <a:prstGeom prst="rect">
+            <a:avLst/>
+          </a:prstGeom>
+        </p:spPr>
+      </p:pic>
+      <p:pic>
+        <p:nvPicPr>
+          <p:cNvPr id="7" name="Picture 6">
+            <a:extLst>
+              <a:ext uri="{FF2B5EF4-FFF2-40B4-BE49-F238E27FC236}">
+                <a16:creationId xmlns:a16="http://schemas.microsoft.com/office/drawing/2014/main" id="{4EF4E4F7-9342-1178-FB9F-7ED40AA98618}"/>
+              </a:ext>
+            </a:extLst>
+          </p:cNvPr>
+          <p:cNvPicPr>
+            <a:picLocks noChangeAspect="1"/>
+          </p:cNvPicPr>
+          <p:nvPr/>
+        </p:nvPicPr>
+        <p:blipFill>
+          <a:blip r:embed="rId3"/>
+          <a:stretch>
+            <a:fillRect/>
+          </a:stretch>
+        </p:blipFill>
+        <p:spPr>
+          <a:xfrm>
+            <a:off x="4836160" y="1880728"/>
+            <a:ext cx="3453599" cy="2127191"/>
+          </a:xfrm>
+          <a:prstGeom prst="rect">
+            <a:avLst/>
+          </a:prstGeom>
+        </p:spPr>
+      </p:pic>
+      <p:pic>
+        <p:nvPicPr>
+          <p:cNvPr id="9" name="Picture 8">
+            <a:extLst>
+              <a:ext uri="{FF2B5EF4-FFF2-40B4-BE49-F238E27FC236}">
+                <a16:creationId xmlns:a16="http://schemas.microsoft.com/office/drawing/2014/main" id="{37CD631B-ABFF-B024-92E7-70B6F050E791}"/>
+              </a:ext>
+            </a:extLst>
+          </p:cNvPr>
+          <p:cNvPicPr>
+            <a:picLocks noChangeAspect="1"/>
+          </p:cNvPicPr>
+          <p:nvPr/>
+        </p:nvPicPr>
+        <p:blipFill>
+          <a:blip r:embed="rId4"/>
+          <a:stretch>
+            <a:fillRect/>
+          </a:stretch>
+        </p:blipFill>
+        <p:spPr>
+          <a:xfrm>
+            <a:off x="406296" y="5267587"/>
+            <a:ext cx="5924853" cy="1562069"/>
+          </a:xfrm>
+          <a:prstGeom prst="rect">
+            <a:avLst/>
+          </a:prstGeom>
+        </p:spPr>
+      </p:pic>
+      <p:pic>
+        <p:nvPicPr>
+          <p:cNvPr id="5" name="Picture 4">
+            <a:extLst>
+              <a:ext uri="{FF2B5EF4-FFF2-40B4-BE49-F238E27FC236}">
+                <a16:creationId xmlns:a16="http://schemas.microsoft.com/office/drawing/2014/main" id="{4A361CC4-6C54-3027-D9FF-8905DA344687}"/>
+              </a:ext>
+            </a:extLst>
+          </p:cNvPr>
+          <p:cNvPicPr>
+            <a:picLocks noChangeAspect="1"/>
+          </p:cNvPicPr>
+          <p:nvPr/>
+        </p:nvPicPr>
+        <p:blipFill>
+          <a:blip r:embed="rId5"/>
+          <a:stretch>
+            <a:fillRect/>
+          </a:stretch>
+        </p:blipFill>
+        <p:spPr>
+          <a:xfrm>
+            <a:off x="506880" y="3748971"/>
+            <a:ext cx="4329280" cy="1518616"/>
+          </a:xfrm>
+          <a:prstGeom prst="rect">
+            <a:avLst/>
+          </a:prstGeom>
+        </p:spPr>
+      </p:pic>
+      <p:pic>
+        <p:nvPicPr>
+          <p:cNvPr id="6" name="Picture 5">
+            <a:extLst>
+              <a:ext uri="{FF2B5EF4-FFF2-40B4-BE49-F238E27FC236}">
+                <a16:creationId xmlns:a16="http://schemas.microsoft.com/office/drawing/2014/main" id="{82B5BD31-A244-8C3D-B607-4E80B25FD0FC}"/>
+              </a:ext>
+            </a:extLst>
+          </p:cNvPr>
+          <p:cNvPicPr>
+            <a:picLocks noChangeAspect="1"/>
+          </p:cNvPicPr>
+          <p:nvPr/>
+        </p:nvPicPr>
+        <p:blipFill rotWithShape="1">
+          <a:blip r:embed="rId6"/>
+          <a:srcRect t="-1351" r="15241" b="-1"/>
+          <a:stretch/>
+        </p:blipFill>
+        <p:spPr>
+          <a:xfrm>
+            <a:off x="5424054" y="4227204"/>
+            <a:ext cx="6587836" cy="775379"/>
           </a:xfrm>
           <a:prstGeom prst="rect">
             <a:avLst/>
@@ -6450,7 +9512,7 @@
     </p:spTree>
     <p:extLst>
       <p:ext uri="{BB962C8B-B14F-4D97-AF65-F5344CB8AC3E}">
-        <p14:creationId xmlns:p14="http://schemas.microsoft.com/office/powerpoint/2010/main" val="2519845882"/>
+        <p14:creationId xmlns:p14="http://schemas.microsoft.com/office/powerpoint/2010/main" val="2397591520"/>
       </p:ext>
     </p:extLst>
   </p:cSld>
@@ -6461,9 +9523,9 @@
 </file>
 
 <file path=ppt/theme/theme1.xml><?xml version="1.0" encoding="utf-8"?>
-<a:theme xmlns:a="http://schemas.openxmlformats.org/drawingml/2006/main" name="Office Theme">
+<a:theme xmlns:a="http://schemas.openxmlformats.org/drawingml/2006/main" name="Droplet">
   <a:themeElements>
-    <a:clrScheme name="Office">
+    <a:clrScheme name="Droplet">
       <a:dk1>
         <a:sysClr val="windowText" lastClr="000000"/>
       </a:dk1>
@@ -6471,44 +9533,44 @@
         <a:sysClr val="window" lastClr="FFFFFF"/>
       </a:lt1>
       <a:dk2>
-        <a:srgbClr val="44546A"/>
+        <a:srgbClr val="355071"/>
       </a:dk2>
       <a:lt2>
-        <a:srgbClr val="E7E6E6"/>
+        <a:srgbClr val="AABED7"/>
       </a:lt2>
       <a:accent1>
-        <a:srgbClr val="4472C4"/>
+        <a:srgbClr val="2FA3EE"/>
       </a:accent1>
       <a:accent2>
-        <a:srgbClr val="ED7D31"/>
+        <a:srgbClr val="4BCAAD"/>
       </a:accent2>
       <a:accent3>
-        <a:srgbClr val="A5A5A5"/>
+        <a:srgbClr val="86C157"/>
       </a:accent3>
       <a:accent4>
-        <a:srgbClr val="FFC000"/>
+        <a:srgbClr val="D99C3F"/>
       </a:accent4>
       <a:accent5>
-        <a:srgbClr val="5B9BD5"/>
+        <a:srgbClr val="CE6633"/>
       </a:accent5>
       <a:accent6>
-        <a:srgbClr val="70AD47"/>
+        <a:srgbClr val="A35DD1"/>
       </a:accent6>
       <a:hlink>
-        <a:srgbClr val="0563C1"/>
+        <a:srgbClr val="56BCFE"/>
       </a:hlink>
       <a:folHlink>
-        <a:srgbClr val="954F72"/>
+        <a:srgbClr val="97C5E3"/>
       </a:folHlink>
     </a:clrScheme>
-    <a:fontScheme name="Office">
+    <a:fontScheme name="Droplet">
       <a:majorFont>
-        <a:latin typeface="Calibri Light" panose="020F0302020204030204"/>
+        <a:latin typeface="Tw Cen MT" panose="020B0602020104020603"/>
         <a:ea typeface=""/>
         <a:cs typeface=""/>
-        <a:font script="Jpan" typeface="游ゴシック Light"/>
+        <a:font script="Jpan" typeface="ＭＳ Ｐゴシック"/>
         <a:font script="Hang" typeface="맑은 고딕"/>
-        <a:font script="Hans" typeface="等线 Light"/>
+        <a:font script="Hans" typeface="宋体"/>
         <a:font script="Hant" typeface="新細明體"/>
         <a:font script="Arab" typeface="Times New Roman"/>
         <a:font script="Hebr" typeface="Times New Roman"/>
@@ -6536,31 +9598,14 @@
         <a:font script="Viet" typeface="Times New Roman"/>
         <a:font script="Uigh" typeface="Microsoft Uighur"/>
         <a:font script="Geor" typeface="Sylfaen"/>
-        <a:font script="Armn" typeface="Arial"/>
-        <a:font script="Bugi" typeface="Leelawadee UI"/>
-        <a:font script="Bopo" typeface="Microsoft JhengHei"/>
-        <a:font script="Java" typeface="Javanese Text"/>
-        <a:font script="Lisu" typeface="Segoe UI"/>
-        <a:font script="Mymr" typeface="Myanmar Text"/>
-        <a:font script="Nkoo" typeface="Ebrima"/>
-        <a:font script="Olck" typeface="Nirmala UI"/>
-        <a:font script="Osma" typeface="Ebrima"/>
-        <a:font script="Phag" typeface="Phagspa"/>
-        <a:font script="Syrn" typeface="Estrangelo Edessa"/>
-        <a:font script="Syrj" typeface="Estrangelo Edessa"/>
-        <a:font script="Syre" typeface="Estrangelo Edessa"/>
-        <a:font script="Sora" typeface="Nirmala UI"/>
-        <a:font script="Tale" typeface="Microsoft Tai Le"/>
-        <a:font script="Talu" typeface="Microsoft New Tai Lue"/>
-        <a:font script="Tfng" typeface="Ebrima"/>
       </a:majorFont>
       <a:minorFont>
-        <a:latin typeface="Calibri" panose="020F0502020204030204"/>
+        <a:latin typeface="Tw Cen MT" panose="020B0602020104020603"/>
         <a:ea typeface=""/>
         <a:cs typeface=""/>
-        <a:font script="Jpan" typeface="游ゴシック"/>
+        <a:font script="Jpan" typeface="ＭＳ Ｐゴシック"/>
         <a:font script="Hang" typeface="맑은 고딕"/>
-        <a:font script="Hans" typeface="等线"/>
+        <a:font script="Hans" typeface="宋体"/>
         <a:font script="Hant" typeface="新細明體"/>
         <a:font script="Arab" typeface="Arial"/>
         <a:font script="Hebr" typeface="Arial"/>
@@ -6588,27 +9633,105 @@
         <a:font script="Viet" typeface="Arial"/>
         <a:font script="Uigh" typeface="Microsoft Uighur"/>
         <a:font script="Geor" typeface="Sylfaen"/>
-        <a:font script="Armn" typeface="Arial"/>
-        <a:font script="Bugi" typeface="Leelawadee UI"/>
-        <a:font script="Bopo" typeface="Microsoft JhengHei"/>
-        <a:font script="Java" typeface="Javanese Text"/>
-        <a:font script="Lisu" typeface="Segoe UI"/>
-        <a:font script="Mymr" typeface="Myanmar Text"/>
-        <a:font script="Nkoo" typeface="Ebrima"/>
-        <a:font script="Olck" typeface="Nirmala UI"/>
-        <a:font script="Osma" typeface="Ebrima"/>
-        <a:font script="Phag" typeface="Phagspa"/>
-        <a:font script="Syrn" typeface="Estrangelo Edessa"/>
-        <a:font script="Syrj" typeface="Estrangelo Edessa"/>
-        <a:font script="Syre" typeface="Estrangelo Edessa"/>
-        <a:font script="Sora" typeface="Nirmala UI"/>
-        <a:font script="Tale" typeface="Microsoft Tai Le"/>
-        <a:font script="Talu" typeface="Microsoft New Tai Lue"/>
-        <a:font script="Tfng" typeface="Ebrima"/>
       </a:minorFont>
     </a:fontScheme>
-    <a:fmtScheme name="Office">
+    <a:fmtScheme name="Droplet">
       <a:fillStyleLst>
+        <a:solidFill>
+          <a:schemeClr val="phClr"/>
+        </a:solidFill>
+        <a:solidFill>
+          <a:schemeClr val="phClr">
+            <a:tint val="69000"/>
+            <a:satMod val="105000"/>
+            <a:lumMod val="110000"/>
+          </a:schemeClr>
+        </a:solidFill>
+        <a:gradFill rotWithShape="1">
+          <a:gsLst>
+            <a:gs pos="0">
+              <a:schemeClr val="phClr">
+                <a:tint val="94000"/>
+                <a:satMod val="100000"/>
+                <a:lumMod val="108000"/>
+              </a:schemeClr>
+            </a:gs>
+            <a:gs pos="50000">
+              <a:schemeClr val="phClr">
+                <a:tint val="98000"/>
+                <a:shade val="100000"/>
+                <a:satMod val="100000"/>
+                <a:lumMod val="100000"/>
+              </a:schemeClr>
+            </a:gs>
+            <a:gs pos="100000">
+              <a:schemeClr val="phClr">
+                <a:shade val="72000"/>
+                <a:satMod val="120000"/>
+                <a:lumMod val="100000"/>
+              </a:schemeClr>
+            </a:gs>
+          </a:gsLst>
+          <a:lin ang="5400000" scaled="0"/>
+        </a:gradFill>
+      </a:fillStyleLst>
+      <a:lnStyleLst>
+        <a:ln w="9525" cap="flat" cmpd="sng" algn="ctr">
+          <a:solidFill>
+            <a:schemeClr val="phClr">
+              <a:shade val="60000"/>
+            </a:schemeClr>
+          </a:solidFill>
+          <a:prstDash val="solid"/>
+        </a:ln>
+        <a:ln w="15875" cap="flat" cmpd="sng" algn="ctr">
+          <a:solidFill>
+            <a:schemeClr val="phClr"/>
+          </a:solidFill>
+          <a:prstDash val="solid"/>
+        </a:ln>
+        <a:ln w="22225" cap="flat" cmpd="sng" algn="ctr">
+          <a:solidFill>
+            <a:schemeClr val="phClr"/>
+          </a:solidFill>
+          <a:prstDash val="solid"/>
+        </a:ln>
+      </a:lnStyleLst>
+      <a:effectStyleLst>
+        <a:effectStyle>
+          <a:effectLst/>
+        </a:effectStyle>
+        <a:effectStyle>
+          <a:effectLst>
+            <a:outerShdw blurRad="50800" dist="25400" dir="5400000" rotWithShape="0">
+              <a:srgbClr val="000000">
+                <a:alpha val="28000"/>
+              </a:srgbClr>
+            </a:outerShdw>
+          </a:effectLst>
+        </a:effectStyle>
+        <a:effectStyle>
+          <a:effectLst>
+            <a:outerShdw blurRad="63500" dist="25400" dir="5400000" algn="ctr" rotWithShape="0">
+              <a:srgbClr val="000000">
+                <a:alpha val="69000"/>
+              </a:srgbClr>
+            </a:outerShdw>
+          </a:effectLst>
+          <a:scene3d>
+            <a:camera prst="orthographicFront">
+              <a:rot lat="0" lon="0" rev="0"/>
+            </a:camera>
+            <a:lightRig rig="balanced" dir="t">
+              <a:rot lat="0" lon="0" rev="1200000"/>
+            </a:lightRig>
+          </a:scene3d>
+          <a:sp3d prstMaterial="plastic">
+            <a:bevelT w="25400" h="25400"/>
+          </a:sp3d>
+        </a:effectStyle>
+      </a:effectStyleLst>
+      <a:bgFillStyleLst>
         <a:solidFill>
           <a:schemeClr val="phClr"/>
         </a:solidFill>
@@ -6616,23 +9739,14 @@
           <a:gsLst>
             <a:gs pos="0">
               <a:schemeClr val="phClr">
+                <a:tint val="90000"/>
                 <a:lumMod val="110000"/>
-                <a:satMod val="105000"/>
-                <a:tint val="67000"/>
-              </a:schemeClr>
-            </a:gs>
-            <a:gs pos="50000">
-              <a:schemeClr val="phClr">
-                <a:lumMod val="105000"/>
-                <a:satMod val="103000"/>
-                <a:tint val="73000"/>
               </a:schemeClr>
             </a:gs>
             <a:gs pos="100000">
               <a:schemeClr val="phClr">
-                <a:lumMod val="105000"/>
-                <a:satMod val="109000"/>
-                <a:tint val="81000"/>
+                <a:shade val="64000"/>
+                <a:lumMod val="88000"/>
               </a:schemeClr>
             </a:gs>
           </a:gsLst>
@@ -6642,101 +9756,18 @@
           <a:gsLst>
             <a:gs pos="0">
               <a:schemeClr val="phClr">
-                <a:satMod val="103000"/>
-                <a:lumMod val="102000"/>
-                <a:tint val="94000"/>
-              </a:schemeClr>
-            </a:gs>
-            <a:gs pos="50000">
-              <a:schemeClr val="phClr">
-                <a:satMod val="110000"/>
-                <a:lumMod val="100000"/>
+                <a:tint val="84000"/>
                 <a:shade val="100000"/>
+                <a:hueMod val="130000"/>
+                <a:satMod val="150000"/>
+                <a:lumMod val="112000"/>
               </a:schemeClr>
             </a:gs>
             <a:gs pos="100000">
               <a:schemeClr val="phClr">
-                <a:lumMod val="99000"/>
-                <a:satMod val="120000"/>
-                <a:shade val="78000"/>
-              </a:schemeClr>
-            </a:gs>
-          </a:gsLst>
-          <a:lin ang="5400000" scaled="0"/>
-        </a:gradFill>
-      </a:fillStyleLst>
-      <a:lnStyleLst>
-        <a:ln w="6350" cap="flat" cmpd="sng" algn="ctr">
-          <a:solidFill>
-            <a:schemeClr val="phClr"/>
-          </a:solidFill>
-          <a:prstDash val="solid"/>
-          <a:miter lim="800000"/>
-        </a:ln>
-        <a:ln w="12700" cap="flat" cmpd="sng" algn="ctr">
-          <a:solidFill>
-            <a:schemeClr val="phClr"/>
-          </a:solidFill>
-          <a:prstDash val="solid"/>
-          <a:miter lim="800000"/>
-        </a:ln>
-        <a:ln w="19050" cap="flat" cmpd="sng" algn="ctr">
-          <a:solidFill>
-            <a:schemeClr val="phClr"/>
-          </a:solidFill>
-          <a:prstDash val="solid"/>
-          <a:miter lim="800000"/>
-        </a:ln>
-      </a:lnStyleLst>
-      <a:effectStyleLst>
-        <a:effectStyle>
-          <a:effectLst/>
-        </a:effectStyle>
-        <a:effectStyle>
-          <a:effectLst/>
-        </a:effectStyle>
-        <a:effectStyle>
-          <a:effectLst>
-            <a:outerShdw blurRad="57150" dist="19050" dir="5400000" algn="ctr" rotWithShape="0">
-              <a:srgbClr val="000000">
-                <a:alpha val="63000"/>
-              </a:srgbClr>
-            </a:outerShdw>
-          </a:effectLst>
-        </a:effectStyle>
-      </a:effectStyleLst>
-      <a:bgFillStyleLst>
-        <a:solidFill>
-          <a:schemeClr val="phClr"/>
-        </a:solidFill>
-        <a:solidFill>
-          <a:schemeClr val="phClr">
-            <a:tint val="95000"/>
-            <a:satMod val="170000"/>
-          </a:schemeClr>
-        </a:solidFill>
-        <a:gradFill rotWithShape="1">
-          <a:gsLst>
-            <a:gs pos="0">
-              <a:schemeClr val="phClr">
-                <a:tint val="93000"/>
-                <a:satMod val="150000"/>
-                <a:shade val="98000"/>
-                <a:lumMod val="102000"/>
-              </a:schemeClr>
-            </a:gs>
-            <a:gs pos="50000">
-              <a:schemeClr val="phClr">
-                <a:tint val="98000"/>
-                <a:satMod val="130000"/>
-                <a:shade val="90000"/>
-                <a:lumMod val="103000"/>
-              </a:schemeClr>
-            </a:gs>
-            <a:gs pos="100000">
-              <a:schemeClr val="phClr">
-                <a:shade val="63000"/>
-                <a:satMod val="120000"/>
+                <a:shade val="92000"/>
+                <a:satMod val="140000"/>
+                <a:lumMod val="110000"/>
               </a:schemeClr>
             </a:gs>
           </a:gsLst>
@@ -6749,7 +9780,7 @@
   <a:extraClrSchemeLst/>
   <a:extLst>
     <a:ext uri="{05A4C25C-085E-4340-85A3-A5531E510DB2}">
-      <thm15:themeFamily xmlns:thm15="http://schemas.microsoft.com/office/thememl/2012/main" name="Office Theme" id="{62F939B6-93AF-4DB8-9C6B-D6C7DFDC589F}" vid="{4A3C46E8-61CC-4603-A589-7422A47A8E4A}"/>
+      <thm15:themeFamily xmlns:thm15="http://schemas.microsoft.com/office/thememl/2012/main" name="Droplet" id="{8984A317-299A-4E50-B45D-BFC9EDE2337A}" vid="{A633B6A3-9E7F-4C10-9C98-2517A3134361}"/>
     </a:ext>
   </a:extLst>
 </a:theme>
